--- a/Papers/ML Apply in OS/updates.pptx
+++ b/Papers/ML Apply in OS/updates.pptx
@@ -4,9 +4,13 @@
   <p:sldMasterIdLst>
     <p:sldMasterId id="2147483648" r:id="rId1"/>
   </p:sldMasterIdLst>
+  <p:notesMasterIdLst>
+    <p:notesMasterId r:id="rId5"/>
+  </p:notesMasterIdLst>
   <p:sldIdLst>
     <p:sldId id="257" r:id="rId2"/>
-    <p:sldId id="258" r:id="rId3"/>
+    <p:sldId id="259" r:id="rId3"/>
+    <p:sldId id="260" r:id="rId4"/>
   </p:sldIdLst>
   <p:sldSz cx="12192000" cy="6858000"/>
   <p:notesSz cx="6858000" cy="9144000"/>
@@ -105,7 +109,641 @@
       </a:defRPr>
     </a:lvl9pPr>
   </p:defaultTextStyle>
+  <p:extLst>
+    <p:ext uri="{EFAFB233-063F-42B5-8137-9DF3F51BA10A}">
+      <p15:sldGuideLst xmlns:p15="http://schemas.microsoft.com/office/powerpoint/2012/main"/>
+    </p:ext>
+  </p:extLst>
 </p:presentation>
+</file>
+
+<file path=ppt/notesMasters/notesMaster1.xml><?xml version="1.0" encoding="utf-8"?>
+<p:notesMaster xmlns:a="http://schemas.openxmlformats.org/drawingml/2006/main" xmlns:r="http://schemas.openxmlformats.org/officeDocument/2006/relationships" xmlns:p="http://schemas.openxmlformats.org/presentationml/2006/main">
+  <p:cSld>
+    <p:bg>
+      <p:bgRef idx="1001">
+        <a:schemeClr val="bg1"/>
+      </p:bgRef>
+    </p:bg>
+    <p:spTree>
+      <p:nvGrpSpPr>
+        <p:cNvPr id="1" name=""/>
+        <p:cNvGrpSpPr/>
+        <p:nvPr/>
+      </p:nvGrpSpPr>
+      <p:grpSpPr>
+        <a:xfrm>
+          <a:off x="0" y="0"/>
+          <a:ext cx="0" cy="0"/>
+          <a:chOff x="0" y="0"/>
+          <a:chExt cx="0" cy="0"/>
+        </a:xfrm>
+      </p:grpSpPr>
+      <p:sp>
+        <p:nvSpPr>
+          <p:cNvPr id="2" name="页眉占位符 1"/>
+          <p:cNvSpPr>
+            <a:spLocks noGrp="1"/>
+          </p:cNvSpPr>
+          <p:nvPr>
+            <p:ph type="hdr" sz="quarter"/>
+          </p:nvPr>
+        </p:nvSpPr>
+        <p:spPr>
+          <a:xfrm>
+            <a:off x="0" y="0"/>
+            <a:ext cx="2971800" cy="458788"/>
+          </a:xfrm>
+          <a:prstGeom prst="rect">
+            <a:avLst/>
+          </a:prstGeom>
+        </p:spPr>
+        <p:txBody>
+          <a:bodyPr vert="horz" lIns="91440" tIns="45720" rIns="91440" bIns="45720" rtlCol="0"/>
+          <a:lstStyle>
+            <a:lvl1pPr algn="l">
+              <a:defRPr sz="1200"/>
+            </a:lvl1pPr>
+          </a:lstStyle>
+          <a:p>
+            <a:endParaRPr lang="zh-CN" altLang="en-US"/>
+          </a:p>
+        </p:txBody>
+      </p:sp>
+      <p:sp>
+        <p:nvSpPr>
+          <p:cNvPr id="3" name="日期占位符 2"/>
+          <p:cNvSpPr>
+            <a:spLocks noGrp="1"/>
+          </p:cNvSpPr>
+          <p:nvPr>
+            <p:ph type="dt" idx="1"/>
+          </p:nvPr>
+        </p:nvSpPr>
+        <p:spPr>
+          <a:xfrm>
+            <a:off x="3884613" y="0"/>
+            <a:ext cx="2971800" cy="458788"/>
+          </a:xfrm>
+          <a:prstGeom prst="rect">
+            <a:avLst/>
+          </a:prstGeom>
+        </p:spPr>
+        <p:txBody>
+          <a:bodyPr vert="horz" lIns="91440" tIns="45720" rIns="91440" bIns="45720" rtlCol="0"/>
+          <a:lstStyle>
+            <a:lvl1pPr algn="r">
+              <a:defRPr sz="1200"/>
+            </a:lvl1pPr>
+          </a:lstStyle>
+          <a:p>
+            <a:fld id="{FAAEFEE4-5241-476D-A270-E097B1D7E668}" type="datetimeFigureOut">
+              <a:rPr lang="zh-CN" altLang="en-US" smtClean="0"/>
+              <a:t>2023/10/6</a:t>
+            </a:fld>
+            <a:endParaRPr lang="zh-CN" altLang="en-US"/>
+          </a:p>
+        </p:txBody>
+      </p:sp>
+      <p:sp>
+        <p:nvSpPr>
+          <p:cNvPr id="4" name="幻灯片图像占位符 3"/>
+          <p:cNvSpPr>
+            <a:spLocks noGrp="1" noRot="1" noChangeAspect="1"/>
+          </p:cNvSpPr>
+          <p:nvPr>
+            <p:ph type="sldImg" idx="2"/>
+          </p:nvPr>
+        </p:nvSpPr>
+        <p:spPr>
+          <a:xfrm>
+            <a:off x="685800" y="1143000"/>
+            <a:ext cx="5486400" cy="3086100"/>
+          </a:xfrm>
+          <a:prstGeom prst="rect">
+            <a:avLst/>
+          </a:prstGeom>
+          <a:noFill/>
+          <a:ln w="12700">
+            <a:solidFill>
+              <a:prstClr val="black"/>
+            </a:solidFill>
+          </a:ln>
+        </p:spPr>
+        <p:txBody>
+          <a:bodyPr vert="horz" lIns="91440" tIns="45720" rIns="91440" bIns="45720" rtlCol="0" anchor="ctr"/>
+          <a:lstStyle/>
+          <a:p>
+            <a:endParaRPr lang="zh-CN" altLang="en-US"/>
+          </a:p>
+        </p:txBody>
+      </p:sp>
+      <p:sp>
+        <p:nvSpPr>
+          <p:cNvPr id="5" name="备注占位符 4"/>
+          <p:cNvSpPr>
+            <a:spLocks noGrp="1"/>
+          </p:cNvSpPr>
+          <p:nvPr>
+            <p:ph type="body" sz="quarter" idx="3"/>
+          </p:nvPr>
+        </p:nvSpPr>
+        <p:spPr>
+          <a:xfrm>
+            <a:off x="685800" y="4400550"/>
+            <a:ext cx="5486400" cy="3600450"/>
+          </a:xfrm>
+          <a:prstGeom prst="rect">
+            <a:avLst/>
+          </a:prstGeom>
+        </p:spPr>
+        <p:txBody>
+          <a:bodyPr vert="horz" lIns="91440" tIns="45720" rIns="91440" bIns="45720" rtlCol="0"/>
+          <a:lstStyle/>
+          <a:p>
+            <a:pPr lvl="0"/>
+            <a:r>
+              <a:rPr lang="zh-CN" altLang="en-US"/>
+              <a:t>单击此处编辑母版文本样式</a:t>
+            </a:r>
+          </a:p>
+          <a:p>
+            <a:pPr lvl="1"/>
+            <a:r>
+              <a:rPr lang="zh-CN" altLang="en-US"/>
+              <a:t>二级</a:t>
+            </a:r>
+          </a:p>
+          <a:p>
+            <a:pPr lvl="2"/>
+            <a:r>
+              <a:rPr lang="zh-CN" altLang="en-US"/>
+              <a:t>三级</a:t>
+            </a:r>
+          </a:p>
+          <a:p>
+            <a:pPr lvl="3"/>
+            <a:r>
+              <a:rPr lang="zh-CN" altLang="en-US"/>
+              <a:t>四级</a:t>
+            </a:r>
+          </a:p>
+          <a:p>
+            <a:pPr lvl="4"/>
+            <a:r>
+              <a:rPr lang="zh-CN" altLang="en-US"/>
+              <a:t>五级</a:t>
+            </a:r>
+          </a:p>
+        </p:txBody>
+      </p:sp>
+      <p:sp>
+        <p:nvSpPr>
+          <p:cNvPr id="6" name="页脚占位符 5"/>
+          <p:cNvSpPr>
+            <a:spLocks noGrp="1"/>
+          </p:cNvSpPr>
+          <p:nvPr>
+            <p:ph type="ftr" sz="quarter" idx="4"/>
+          </p:nvPr>
+        </p:nvSpPr>
+        <p:spPr>
+          <a:xfrm>
+            <a:off x="0" y="8685213"/>
+            <a:ext cx="2971800" cy="458787"/>
+          </a:xfrm>
+          <a:prstGeom prst="rect">
+            <a:avLst/>
+          </a:prstGeom>
+        </p:spPr>
+        <p:txBody>
+          <a:bodyPr vert="horz" lIns="91440" tIns="45720" rIns="91440" bIns="45720" rtlCol="0" anchor="b"/>
+          <a:lstStyle>
+            <a:lvl1pPr algn="l">
+              <a:defRPr sz="1200"/>
+            </a:lvl1pPr>
+          </a:lstStyle>
+          <a:p>
+            <a:endParaRPr lang="zh-CN" altLang="en-US"/>
+          </a:p>
+        </p:txBody>
+      </p:sp>
+      <p:sp>
+        <p:nvSpPr>
+          <p:cNvPr id="7" name="灯片编号占位符 6"/>
+          <p:cNvSpPr>
+            <a:spLocks noGrp="1"/>
+          </p:cNvSpPr>
+          <p:nvPr>
+            <p:ph type="sldNum" sz="quarter" idx="5"/>
+          </p:nvPr>
+        </p:nvSpPr>
+        <p:spPr>
+          <a:xfrm>
+            <a:off x="3884613" y="8685213"/>
+            <a:ext cx="2971800" cy="458787"/>
+          </a:xfrm>
+          <a:prstGeom prst="rect">
+            <a:avLst/>
+          </a:prstGeom>
+        </p:spPr>
+        <p:txBody>
+          <a:bodyPr vert="horz" lIns="91440" tIns="45720" rIns="91440" bIns="45720" rtlCol="0" anchor="b"/>
+          <a:lstStyle>
+            <a:lvl1pPr algn="r">
+              <a:defRPr sz="1200"/>
+            </a:lvl1pPr>
+          </a:lstStyle>
+          <a:p>
+            <a:fld id="{DB4026C6-A45E-455A-8608-93E05E851B40}" type="slidenum">
+              <a:rPr lang="zh-CN" altLang="en-US" smtClean="0"/>
+              <a:t>‹#›</a:t>
+            </a:fld>
+            <a:endParaRPr lang="zh-CN" altLang="en-US"/>
+          </a:p>
+        </p:txBody>
+      </p:sp>
+    </p:spTree>
+    <p:extLst>
+      <p:ext uri="{BB962C8B-B14F-4D97-AF65-F5344CB8AC3E}">
+        <p14:creationId xmlns:p14="http://schemas.microsoft.com/office/powerpoint/2010/main" val="326526341"/>
+      </p:ext>
+    </p:extLst>
+  </p:cSld>
+  <p:clrMap bg1="lt1" tx1="dk1" bg2="lt2" tx2="dk2" accent1="accent1" accent2="accent2" accent3="accent3" accent4="accent4" accent5="accent5" accent6="accent6" hlink="hlink" folHlink="folHlink"/>
+  <p:notesStyle>
+    <a:lvl1pPr marL="0" algn="l" defTabSz="914400" rtl="0" eaLnBrk="1" latinLnBrk="0" hangingPunct="1">
+      <a:defRPr sz="1200" kern="1200">
+        <a:solidFill>
+          <a:schemeClr val="tx1"/>
+        </a:solidFill>
+        <a:latin typeface="+mn-lt"/>
+        <a:ea typeface="+mn-ea"/>
+        <a:cs typeface="+mn-cs"/>
+      </a:defRPr>
+    </a:lvl1pPr>
+    <a:lvl2pPr marL="457200" algn="l" defTabSz="914400" rtl="0" eaLnBrk="1" latinLnBrk="0" hangingPunct="1">
+      <a:defRPr sz="1200" kern="1200">
+        <a:solidFill>
+          <a:schemeClr val="tx1"/>
+        </a:solidFill>
+        <a:latin typeface="+mn-lt"/>
+        <a:ea typeface="+mn-ea"/>
+        <a:cs typeface="+mn-cs"/>
+      </a:defRPr>
+    </a:lvl2pPr>
+    <a:lvl3pPr marL="914400" algn="l" defTabSz="914400" rtl="0" eaLnBrk="1" latinLnBrk="0" hangingPunct="1">
+      <a:defRPr sz="1200" kern="1200">
+        <a:solidFill>
+          <a:schemeClr val="tx1"/>
+        </a:solidFill>
+        <a:latin typeface="+mn-lt"/>
+        <a:ea typeface="+mn-ea"/>
+        <a:cs typeface="+mn-cs"/>
+      </a:defRPr>
+    </a:lvl3pPr>
+    <a:lvl4pPr marL="1371600" algn="l" defTabSz="914400" rtl="0" eaLnBrk="1" latinLnBrk="0" hangingPunct="1">
+      <a:defRPr sz="1200" kern="1200">
+        <a:solidFill>
+          <a:schemeClr val="tx1"/>
+        </a:solidFill>
+        <a:latin typeface="+mn-lt"/>
+        <a:ea typeface="+mn-ea"/>
+        <a:cs typeface="+mn-cs"/>
+      </a:defRPr>
+    </a:lvl4pPr>
+    <a:lvl5pPr marL="1828800" algn="l" defTabSz="914400" rtl="0" eaLnBrk="1" latinLnBrk="0" hangingPunct="1">
+      <a:defRPr sz="1200" kern="1200">
+        <a:solidFill>
+          <a:schemeClr val="tx1"/>
+        </a:solidFill>
+        <a:latin typeface="+mn-lt"/>
+        <a:ea typeface="+mn-ea"/>
+        <a:cs typeface="+mn-cs"/>
+      </a:defRPr>
+    </a:lvl5pPr>
+    <a:lvl6pPr marL="2286000" algn="l" defTabSz="914400" rtl="0" eaLnBrk="1" latinLnBrk="0" hangingPunct="1">
+      <a:defRPr sz="1200" kern="1200">
+        <a:solidFill>
+          <a:schemeClr val="tx1"/>
+        </a:solidFill>
+        <a:latin typeface="+mn-lt"/>
+        <a:ea typeface="+mn-ea"/>
+        <a:cs typeface="+mn-cs"/>
+      </a:defRPr>
+    </a:lvl6pPr>
+    <a:lvl7pPr marL="2743200" algn="l" defTabSz="914400" rtl="0" eaLnBrk="1" latinLnBrk="0" hangingPunct="1">
+      <a:defRPr sz="1200" kern="1200">
+        <a:solidFill>
+          <a:schemeClr val="tx1"/>
+        </a:solidFill>
+        <a:latin typeface="+mn-lt"/>
+        <a:ea typeface="+mn-ea"/>
+        <a:cs typeface="+mn-cs"/>
+      </a:defRPr>
+    </a:lvl7pPr>
+    <a:lvl8pPr marL="3200400" algn="l" defTabSz="914400" rtl="0" eaLnBrk="1" latinLnBrk="0" hangingPunct="1">
+      <a:defRPr sz="1200" kern="1200">
+        <a:solidFill>
+          <a:schemeClr val="tx1"/>
+        </a:solidFill>
+        <a:latin typeface="+mn-lt"/>
+        <a:ea typeface="+mn-ea"/>
+        <a:cs typeface="+mn-cs"/>
+      </a:defRPr>
+    </a:lvl8pPr>
+    <a:lvl9pPr marL="3657600" algn="l" defTabSz="914400" rtl="0" eaLnBrk="1" latinLnBrk="0" hangingPunct="1">
+      <a:defRPr sz="1200" kern="1200">
+        <a:solidFill>
+          <a:schemeClr val="tx1"/>
+        </a:solidFill>
+        <a:latin typeface="+mn-lt"/>
+        <a:ea typeface="+mn-ea"/>
+        <a:cs typeface="+mn-cs"/>
+      </a:defRPr>
+    </a:lvl9pPr>
+  </p:notesStyle>
+</p:notesMaster>
+</file>
+
+<file path=ppt/notesSlides/notesSlide1.xml><?xml version="1.0" encoding="utf-8"?>
+<p:notes xmlns:a="http://schemas.openxmlformats.org/drawingml/2006/main" xmlns:r="http://schemas.openxmlformats.org/officeDocument/2006/relationships" xmlns:p="http://schemas.openxmlformats.org/presentationml/2006/main">
+  <p:cSld>
+    <p:spTree>
+      <p:nvGrpSpPr>
+        <p:cNvPr id="1" name=""/>
+        <p:cNvGrpSpPr/>
+        <p:nvPr/>
+      </p:nvGrpSpPr>
+      <p:grpSpPr>
+        <a:xfrm>
+          <a:off x="0" y="0"/>
+          <a:ext cx="0" cy="0"/>
+          <a:chOff x="0" y="0"/>
+          <a:chExt cx="0" cy="0"/>
+        </a:xfrm>
+      </p:grpSpPr>
+      <p:sp>
+        <p:nvSpPr>
+          <p:cNvPr id="2" name="幻灯片图像占位符 1"/>
+          <p:cNvSpPr>
+            <a:spLocks noGrp="1" noRot="1" noChangeAspect="1"/>
+          </p:cNvSpPr>
+          <p:nvPr>
+            <p:ph type="sldImg"/>
+          </p:nvPr>
+        </p:nvSpPr>
+        <p:spPr/>
+      </p:sp>
+      <p:sp>
+        <p:nvSpPr>
+          <p:cNvPr id="3" name="备注占位符 2"/>
+          <p:cNvSpPr>
+            <a:spLocks noGrp="1"/>
+          </p:cNvSpPr>
+          <p:nvPr>
+            <p:ph type="body" idx="1"/>
+          </p:nvPr>
+        </p:nvSpPr>
+        <p:spPr/>
+        <p:txBody>
+          <a:bodyPr/>
+          <a:lstStyle/>
+          <a:p>
+            <a:r>
+              <a:rPr lang="en-US" altLang="zh-CN" dirty="0"/>
+              <a:t>Original Version</a:t>
+            </a:r>
+            <a:endParaRPr lang="zh-CN" altLang="en-US" dirty="0"/>
+          </a:p>
+        </p:txBody>
+      </p:sp>
+      <p:sp>
+        <p:nvSpPr>
+          <p:cNvPr id="4" name="灯片编号占位符 3"/>
+          <p:cNvSpPr>
+            <a:spLocks noGrp="1"/>
+          </p:cNvSpPr>
+          <p:nvPr>
+            <p:ph type="sldNum" sz="quarter" idx="5"/>
+          </p:nvPr>
+        </p:nvSpPr>
+        <p:spPr/>
+        <p:txBody>
+          <a:bodyPr/>
+          <a:lstStyle/>
+          <a:p>
+            <a:fld id="{DB4026C6-A45E-455A-8608-93E05E851B40}" type="slidenum">
+              <a:rPr lang="zh-CN" altLang="en-US" smtClean="0"/>
+              <a:t>1</a:t>
+            </a:fld>
+            <a:endParaRPr lang="zh-CN" altLang="en-US"/>
+          </a:p>
+        </p:txBody>
+      </p:sp>
+    </p:spTree>
+    <p:extLst>
+      <p:ext uri="{BB962C8B-B14F-4D97-AF65-F5344CB8AC3E}">
+        <p14:creationId xmlns:p14="http://schemas.microsoft.com/office/powerpoint/2010/main" val="3331832113"/>
+      </p:ext>
+    </p:extLst>
+  </p:cSld>
+  <p:clrMapOvr>
+    <a:masterClrMapping/>
+  </p:clrMapOvr>
+</p:notes>
+</file>
+
+<file path=ppt/notesSlides/notesSlide2.xml><?xml version="1.0" encoding="utf-8"?>
+<p:notes xmlns:a="http://schemas.openxmlformats.org/drawingml/2006/main" xmlns:r="http://schemas.openxmlformats.org/officeDocument/2006/relationships" xmlns:p="http://schemas.openxmlformats.org/presentationml/2006/main">
+  <p:cSld>
+    <p:spTree>
+      <p:nvGrpSpPr>
+        <p:cNvPr id="1" name=""/>
+        <p:cNvGrpSpPr/>
+        <p:nvPr/>
+      </p:nvGrpSpPr>
+      <p:grpSpPr>
+        <a:xfrm>
+          <a:off x="0" y="0"/>
+          <a:ext cx="0" cy="0"/>
+          <a:chOff x="0" y="0"/>
+          <a:chExt cx="0" cy="0"/>
+        </a:xfrm>
+      </p:grpSpPr>
+      <p:sp>
+        <p:nvSpPr>
+          <p:cNvPr id="2" name="幻灯片图像占位符 1"/>
+          <p:cNvSpPr>
+            <a:spLocks noGrp="1" noRot="1" noChangeAspect="1"/>
+          </p:cNvSpPr>
+          <p:nvPr>
+            <p:ph type="sldImg"/>
+          </p:nvPr>
+        </p:nvSpPr>
+        <p:spPr/>
+      </p:sp>
+      <p:sp>
+        <p:nvSpPr>
+          <p:cNvPr id="3" name="备注占位符 2"/>
+          <p:cNvSpPr>
+            <a:spLocks noGrp="1"/>
+          </p:cNvSpPr>
+          <p:nvPr>
+            <p:ph type="body" idx="1"/>
+          </p:nvPr>
+        </p:nvSpPr>
+        <p:spPr/>
+        <p:txBody>
+          <a:bodyPr/>
+          <a:lstStyle/>
+          <a:p>
+            <a:r>
+              <a:rPr lang="en-US" altLang="zh-CN" dirty="0"/>
+              <a:t>Revision 1</a:t>
+            </a:r>
+          </a:p>
+          <a:p>
+            <a:pPr marL="171450" indent="-171450">
+              <a:buFont typeface="Arial" panose="020B0604020202020204" pitchFamily="34" charset="0"/>
+              <a:buChar char="•"/>
+            </a:pPr>
+            <a:endParaRPr lang="en-US" altLang="zh-CN" dirty="0"/>
+          </a:p>
+          <a:p>
+            <a:pPr marL="171450" indent="-171450">
+              <a:buFont typeface="Arial" panose="020B0604020202020204" pitchFamily="34" charset="0"/>
+              <a:buChar char="•"/>
+            </a:pPr>
+            <a:endParaRPr lang="en-US" altLang="zh-CN" dirty="0"/>
+          </a:p>
+          <a:p>
+            <a:pPr marL="171450" indent="-171450">
+              <a:buFont typeface="Arial" panose="020B0604020202020204" pitchFamily="34" charset="0"/>
+              <a:buChar char="•"/>
+            </a:pPr>
+            <a:endParaRPr lang="zh-CN" altLang="en-US" dirty="0"/>
+          </a:p>
+        </p:txBody>
+      </p:sp>
+      <p:sp>
+        <p:nvSpPr>
+          <p:cNvPr id="4" name="灯片编号占位符 3"/>
+          <p:cNvSpPr>
+            <a:spLocks noGrp="1"/>
+          </p:cNvSpPr>
+          <p:nvPr>
+            <p:ph type="sldNum" sz="quarter" idx="5"/>
+          </p:nvPr>
+        </p:nvSpPr>
+        <p:spPr/>
+        <p:txBody>
+          <a:bodyPr/>
+          <a:lstStyle/>
+          <a:p>
+            <a:fld id="{DB4026C6-A45E-455A-8608-93E05E851B40}" type="slidenum">
+              <a:rPr lang="zh-CN" altLang="en-US" smtClean="0"/>
+              <a:t>2</a:t>
+            </a:fld>
+            <a:endParaRPr lang="zh-CN" altLang="en-US"/>
+          </a:p>
+        </p:txBody>
+      </p:sp>
+    </p:spTree>
+    <p:extLst>
+      <p:ext uri="{BB962C8B-B14F-4D97-AF65-F5344CB8AC3E}">
+        <p14:creationId xmlns:p14="http://schemas.microsoft.com/office/powerpoint/2010/main" val="2320015982"/>
+      </p:ext>
+    </p:extLst>
+  </p:cSld>
+  <p:clrMapOvr>
+    <a:masterClrMapping/>
+  </p:clrMapOvr>
+</p:notes>
+</file>
+
+<file path=ppt/notesSlides/notesSlide3.xml><?xml version="1.0" encoding="utf-8"?>
+<p:notes xmlns:a="http://schemas.openxmlformats.org/drawingml/2006/main" xmlns:r="http://schemas.openxmlformats.org/officeDocument/2006/relationships" xmlns:p="http://schemas.openxmlformats.org/presentationml/2006/main">
+  <p:cSld>
+    <p:spTree>
+      <p:nvGrpSpPr>
+        <p:cNvPr id="1" name=""/>
+        <p:cNvGrpSpPr/>
+        <p:nvPr/>
+      </p:nvGrpSpPr>
+      <p:grpSpPr>
+        <a:xfrm>
+          <a:off x="0" y="0"/>
+          <a:ext cx="0" cy="0"/>
+          <a:chOff x="0" y="0"/>
+          <a:chExt cx="0" cy="0"/>
+        </a:xfrm>
+      </p:grpSpPr>
+      <p:sp>
+        <p:nvSpPr>
+          <p:cNvPr id="2" name="幻灯片图像占位符 1"/>
+          <p:cNvSpPr>
+            <a:spLocks noGrp="1" noRot="1" noChangeAspect="1"/>
+          </p:cNvSpPr>
+          <p:nvPr>
+            <p:ph type="sldImg"/>
+          </p:nvPr>
+        </p:nvSpPr>
+        <p:spPr/>
+      </p:sp>
+      <p:sp>
+        <p:nvSpPr>
+          <p:cNvPr id="3" name="备注占位符 2"/>
+          <p:cNvSpPr>
+            <a:spLocks noGrp="1"/>
+          </p:cNvSpPr>
+          <p:nvPr>
+            <p:ph type="body" idx="1"/>
+          </p:nvPr>
+        </p:nvSpPr>
+        <p:spPr/>
+        <p:txBody>
+          <a:bodyPr/>
+          <a:lstStyle/>
+          <a:p>
+            <a:endParaRPr lang="zh-CN" altLang="en-US" dirty="0"/>
+          </a:p>
+        </p:txBody>
+      </p:sp>
+      <p:sp>
+        <p:nvSpPr>
+          <p:cNvPr id="4" name="灯片编号占位符 3"/>
+          <p:cNvSpPr>
+            <a:spLocks noGrp="1"/>
+          </p:cNvSpPr>
+          <p:nvPr>
+            <p:ph type="sldNum" sz="quarter" idx="5"/>
+          </p:nvPr>
+        </p:nvSpPr>
+        <p:spPr/>
+        <p:txBody>
+          <a:bodyPr/>
+          <a:lstStyle/>
+          <a:p>
+            <a:fld id="{DB4026C6-A45E-455A-8608-93E05E851B40}" type="slidenum">
+              <a:rPr lang="zh-CN" altLang="en-US" smtClean="0"/>
+              <a:t>3</a:t>
+            </a:fld>
+            <a:endParaRPr lang="zh-CN" altLang="en-US"/>
+          </a:p>
+        </p:txBody>
+      </p:sp>
+    </p:spTree>
+    <p:extLst>
+      <p:ext uri="{BB962C8B-B14F-4D97-AF65-F5344CB8AC3E}">
+        <p14:creationId xmlns:p14="http://schemas.microsoft.com/office/powerpoint/2010/main" val="254929210"/>
+      </p:ext>
+    </p:extLst>
+  </p:cSld>
+  <p:clrMapOvr>
+    <a:masterClrMapping/>
+  </p:clrMapOvr>
+</p:notes>
 </file>
 
 <file path=ppt/slideLayouts/slideLayout1.xml><?xml version="1.0" encoding="utf-8"?>
@@ -255,7 +893,7 @@
           <a:p>
             <a:fld id="{3446BE64-2E24-4CF0-9390-8E701061B494}" type="datetimeFigureOut">
               <a:rPr lang="zh-CN" altLang="en-US" smtClean="0"/>
-              <a:t>2023/9/28</a:t>
+              <a:t>2023/10/6</a:t>
             </a:fld>
             <a:endParaRPr lang="zh-CN" altLang="en-US"/>
           </a:p>
@@ -453,7 +1091,7 @@
           <a:p>
             <a:fld id="{3446BE64-2E24-4CF0-9390-8E701061B494}" type="datetimeFigureOut">
               <a:rPr lang="zh-CN" altLang="en-US" smtClean="0"/>
-              <a:t>2023/9/28</a:t>
+              <a:t>2023/10/6</a:t>
             </a:fld>
             <a:endParaRPr lang="zh-CN" altLang="en-US"/>
           </a:p>
@@ -661,7 +1299,7 @@
           <a:p>
             <a:fld id="{3446BE64-2E24-4CF0-9390-8E701061B494}" type="datetimeFigureOut">
               <a:rPr lang="zh-CN" altLang="en-US" smtClean="0"/>
-              <a:t>2023/9/28</a:t>
+              <a:t>2023/10/6</a:t>
             </a:fld>
             <a:endParaRPr lang="zh-CN" altLang="en-US"/>
           </a:p>
@@ -859,7 +1497,7 @@
           <a:p>
             <a:fld id="{3446BE64-2E24-4CF0-9390-8E701061B494}" type="datetimeFigureOut">
               <a:rPr lang="zh-CN" altLang="en-US" smtClean="0"/>
-              <a:t>2023/9/28</a:t>
+              <a:t>2023/10/6</a:t>
             </a:fld>
             <a:endParaRPr lang="zh-CN" altLang="en-US"/>
           </a:p>
@@ -1134,7 +1772,7 @@
           <a:p>
             <a:fld id="{3446BE64-2E24-4CF0-9390-8E701061B494}" type="datetimeFigureOut">
               <a:rPr lang="zh-CN" altLang="en-US" smtClean="0"/>
-              <a:t>2023/9/28</a:t>
+              <a:t>2023/10/6</a:t>
             </a:fld>
             <a:endParaRPr lang="zh-CN" altLang="en-US"/>
           </a:p>
@@ -1399,7 +2037,7 @@
           <a:p>
             <a:fld id="{3446BE64-2E24-4CF0-9390-8E701061B494}" type="datetimeFigureOut">
               <a:rPr lang="zh-CN" altLang="en-US" smtClean="0"/>
-              <a:t>2023/9/28</a:t>
+              <a:t>2023/10/6</a:t>
             </a:fld>
             <a:endParaRPr lang="zh-CN" altLang="en-US"/>
           </a:p>
@@ -1811,7 +2449,7 @@
           <a:p>
             <a:fld id="{3446BE64-2E24-4CF0-9390-8E701061B494}" type="datetimeFigureOut">
               <a:rPr lang="zh-CN" altLang="en-US" smtClean="0"/>
-              <a:t>2023/9/28</a:t>
+              <a:t>2023/10/6</a:t>
             </a:fld>
             <a:endParaRPr lang="zh-CN" altLang="en-US"/>
           </a:p>
@@ -1952,7 +2590,7 @@
           <a:p>
             <a:fld id="{3446BE64-2E24-4CF0-9390-8E701061B494}" type="datetimeFigureOut">
               <a:rPr lang="zh-CN" altLang="en-US" smtClean="0"/>
-              <a:t>2023/9/28</a:t>
+              <a:t>2023/10/6</a:t>
             </a:fld>
             <a:endParaRPr lang="zh-CN" altLang="en-US"/>
           </a:p>
@@ -2065,7 +2703,7 @@
           <a:p>
             <a:fld id="{3446BE64-2E24-4CF0-9390-8E701061B494}" type="datetimeFigureOut">
               <a:rPr lang="zh-CN" altLang="en-US" smtClean="0"/>
-              <a:t>2023/9/28</a:t>
+              <a:t>2023/10/6</a:t>
             </a:fld>
             <a:endParaRPr lang="zh-CN" altLang="en-US"/>
           </a:p>
@@ -2376,7 +3014,7 @@
           <a:p>
             <a:fld id="{3446BE64-2E24-4CF0-9390-8E701061B494}" type="datetimeFigureOut">
               <a:rPr lang="zh-CN" altLang="en-US" smtClean="0"/>
-              <a:t>2023/9/28</a:t>
+              <a:t>2023/10/6</a:t>
             </a:fld>
             <a:endParaRPr lang="zh-CN" altLang="en-US"/>
           </a:p>
@@ -2664,7 +3302,7 @@
           <a:p>
             <a:fld id="{3446BE64-2E24-4CF0-9390-8E701061B494}" type="datetimeFigureOut">
               <a:rPr lang="zh-CN" altLang="en-US" smtClean="0"/>
-              <a:t>2023/9/28</a:t>
+              <a:t>2023/10/6</a:t>
             </a:fld>
             <a:endParaRPr lang="zh-CN" altLang="en-US"/>
           </a:p>
@@ -2905,7 +3543,7 @@
           <a:p>
             <a:fld id="{3446BE64-2E24-4CF0-9390-8E701061B494}" type="datetimeFigureOut">
               <a:rPr lang="zh-CN" altLang="en-US" smtClean="0"/>
-              <a:t>2023/9/28</a:t>
+              <a:t>2023/10/6</a:t>
             </a:fld>
             <a:endParaRPr lang="zh-CN" altLang="en-US"/>
           </a:p>
@@ -3614,7 +4252,7 @@
             </a:pPr>
             <a:r>
               <a:rPr lang="en-US" altLang="zh-CN" dirty="0"/>
-              <a:t>3.1 Models (from data)</a:t>
+              <a:t>3.1 Models (from data structure)</a:t>
             </a:r>
           </a:p>
           <a:p>
@@ -3919,58 +4557,1346 @@
       </p:grpSpPr>
       <p:sp>
         <p:nvSpPr>
-          <p:cNvPr id="2" name="标题 1">
-            <a:extLst>
-              <a:ext uri="{FF2B5EF4-FFF2-40B4-BE49-F238E27FC236}">
-                <a16:creationId xmlns:a16="http://schemas.microsoft.com/office/drawing/2014/main" id="{FD656E00-2403-53BE-BBAC-665FD7B2231E}"/>
-              </a:ext>
-            </a:extLst>
-          </p:cNvPr>
-          <p:cNvSpPr>
-            <a:spLocks noGrp="1"/>
-          </p:cNvSpPr>
-          <p:nvPr>
-            <p:ph type="title"/>
-          </p:nvPr>
-        </p:nvSpPr>
-        <p:spPr/>
-        <p:txBody>
-          <a:bodyPr/>
+          <p:cNvPr id="3" name="内容占位符 2">
+            <a:extLst>
+              <a:ext uri="{FF2B5EF4-FFF2-40B4-BE49-F238E27FC236}">
+                <a16:creationId xmlns:a16="http://schemas.microsoft.com/office/drawing/2014/main" id="{045FD70F-167B-A83C-4E9D-C9A0144FC33E}"/>
+              </a:ext>
+            </a:extLst>
+          </p:cNvPr>
+          <p:cNvSpPr>
+            <a:spLocks noGrp="1"/>
+          </p:cNvSpPr>
+          <p:nvPr>
+            <p:ph idx="1"/>
+          </p:nvPr>
+        </p:nvSpPr>
+        <p:spPr>
+          <a:xfrm>
+            <a:off x="838200" y="180755"/>
+            <a:ext cx="11006470" cy="2658141"/>
+          </a:xfrm>
+        </p:spPr>
+        <p:txBody>
+          <a:bodyPr>
+            <a:normAutofit lnSpcReduction="10000"/>
+          </a:bodyPr>
           <a:lstStyle/>
           <a:p>
-            <a:endParaRPr lang="zh-CN" altLang="en-US"/>
-          </a:p>
-        </p:txBody>
-      </p:sp>
-      <p:sp>
-        <p:nvSpPr>
-          <p:cNvPr id="3" name="内容占位符 2">
-            <a:extLst>
-              <a:ext uri="{FF2B5EF4-FFF2-40B4-BE49-F238E27FC236}">
-                <a16:creationId xmlns:a16="http://schemas.microsoft.com/office/drawing/2014/main" id="{2FFBD98D-EB42-81F8-755E-36323FE3CABD}"/>
-              </a:ext>
-            </a:extLst>
-          </p:cNvPr>
-          <p:cNvSpPr>
-            <a:spLocks noGrp="1"/>
-          </p:cNvSpPr>
-          <p:nvPr>
-            <p:ph idx="1"/>
-          </p:nvPr>
-        </p:nvSpPr>
-        <p:spPr/>
-        <p:txBody>
-          <a:bodyPr/>
+            <a:pPr marL="514350" indent="-514350">
+              <a:buAutoNum type="arabicPeriod"/>
+            </a:pPr>
+            <a:r>
+              <a:rPr lang="en-US" altLang="zh-CN" sz="2400" b="1" dirty="0"/>
+              <a:t>Introduction</a:t>
+            </a:r>
+          </a:p>
+          <a:p>
+            <a:pPr marL="514350" indent="-514350">
+              <a:buAutoNum type="arabicPeriod"/>
+            </a:pPr>
+            <a:r>
+              <a:rPr lang="en-US" altLang="zh-CN" sz="2400" b="1" dirty="0"/>
+              <a:t>Overview of Operating System Tasks (Background)</a:t>
+            </a:r>
+          </a:p>
+          <a:p>
+            <a:pPr marL="457200" lvl="1" indent="0">
+              <a:buNone/>
+            </a:pPr>
+            <a:r>
+              <a:rPr lang="en-US" altLang="zh-CN" dirty="0"/>
+              <a:t>2.1 Task1: I/O Scheduling</a:t>
+            </a:r>
+          </a:p>
+          <a:p>
+            <a:pPr marL="457200" lvl="1" indent="0">
+              <a:buNone/>
+            </a:pPr>
+            <a:r>
+              <a:rPr lang="en-US" altLang="zh-CN" dirty="0"/>
+              <a:t>2.2 Task2: Scheduling</a:t>
+            </a:r>
+          </a:p>
+          <a:p>
+            <a:pPr marL="457200" lvl="1" indent="0">
+              <a:buNone/>
+            </a:pPr>
+            <a:r>
+              <a:rPr lang="en-US" altLang="zh-CN" dirty="0"/>
+              <a:t>2.3 Task3: Space Allocation</a:t>
+            </a:r>
+          </a:p>
+          <a:p>
+            <a:pPr marL="457200" lvl="1" indent="0">
+              <a:buNone/>
+            </a:pPr>
+            <a:r>
+              <a:rPr lang="en-US" altLang="zh-CN" dirty="0"/>
+              <a:t>2.4 Task4: Storage Management</a:t>
+            </a:r>
+          </a:p>
+          <a:p>
+            <a:pPr marL="457200" lvl="1" indent="0">
+              <a:buNone/>
+            </a:pPr>
+            <a:r>
+              <a:rPr lang="en-US" altLang="zh-CN" dirty="0"/>
+              <a:t>2.5 Task5: Network</a:t>
+            </a:r>
+          </a:p>
+        </p:txBody>
+      </p:sp>
+      <p:sp>
+        <p:nvSpPr>
+          <p:cNvPr id="4" name="内容占位符 2">
+            <a:extLst>
+              <a:ext uri="{FF2B5EF4-FFF2-40B4-BE49-F238E27FC236}">
+                <a16:creationId xmlns:a16="http://schemas.microsoft.com/office/drawing/2014/main" id="{88717713-596C-62BC-DF26-9B011FB98446}"/>
+              </a:ext>
+            </a:extLst>
+          </p:cNvPr>
+          <p:cNvSpPr txBox="1">
+            <a:spLocks/>
+          </p:cNvSpPr>
+          <p:nvPr/>
+        </p:nvSpPr>
+        <p:spPr>
+          <a:xfrm>
+            <a:off x="838200" y="2883197"/>
+            <a:ext cx="10515600" cy="2463210"/>
+          </a:xfrm>
+          <a:prstGeom prst="rect">
+            <a:avLst/>
+          </a:prstGeom>
+        </p:spPr>
+        <p:txBody>
+          <a:bodyPr vert="horz" lIns="91440" tIns="45720" rIns="91440" bIns="45720" rtlCol="0">
+            <a:normAutofit/>
+          </a:bodyPr>
+          <a:lstStyle>
+            <a:lvl1pPr marL="228600" indent="-228600" algn="l" defTabSz="914400" rtl="0" eaLnBrk="1" latinLnBrk="0" hangingPunct="1">
+              <a:lnSpc>
+                <a:spcPct val="90000"/>
+              </a:lnSpc>
+              <a:spcBef>
+                <a:spcPts val="1000"/>
+              </a:spcBef>
+              <a:buFont typeface="Arial" panose="020B0604020202020204" pitchFamily="34" charset="0"/>
+              <a:buChar char="•"/>
+              <a:defRPr sz="2800" kern="1200">
+                <a:solidFill>
+                  <a:schemeClr val="tx1"/>
+                </a:solidFill>
+                <a:latin typeface="+mn-lt"/>
+                <a:ea typeface="+mn-ea"/>
+                <a:cs typeface="+mn-cs"/>
+              </a:defRPr>
+            </a:lvl1pPr>
+            <a:lvl2pPr marL="685800" indent="-228600" algn="l" defTabSz="914400" rtl="0" eaLnBrk="1" latinLnBrk="0" hangingPunct="1">
+              <a:lnSpc>
+                <a:spcPct val="90000"/>
+              </a:lnSpc>
+              <a:spcBef>
+                <a:spcPts val="500"/>
+              </a:spcBef>
+              <a:buFont typeface="Arial" panose="020B0604020202020204" pitchFamily="34" charset="0"/>
+              <a:buChar char="•"/>
+              <a:defRPr sz="2400" kern="1200">
+                <a:solidFill>
+                  <a:schemeClr val="tx1"/>
+                </a:solidFill>
+                <a:latin typeface="+mn-lt"/>
+                <a:ea typeface="+mn-ea"/>
+                <a:cs typeface="+mn-cs"/>
+              </a:defRPr>
+            </a:lvl2pPr>
+            <a:lvl3pPr marL="1143000" indent="-228600" algn="l" defTabSz="914400" rtl="0" eaLnBrk="1" latinLnBrk="0" hangingPunct="1">
+              <a:lnSpc>
+                <a:spcPct val="90000"/>
+              </a:lnSpc>
+              <a:spcBef>
+                <a:spcPts val="500"/>
+              </a:spcBef>
+              <a:buFont typeface="Arial" panose="020B0604020202020204" pitchFamily="34" charset="0"/>
+              <a:buChar char="•"/>
+              <a:defRPr sz="2000" kern="1200">
+                <a:solidFill>
+                  <a:schemeClr val="tx1"/>
+                </a:solidFill>
+                <a:latin typeface="+mn-lt"/>
+                <a:ea typeface="+mn-ea"/>
+                <a:cs typeface="+mn-cs"/>
+              </a:defRPr>
+            </a:lvl3pPr>
+            <a:lvl4pPr marL="1600200" indent="-228600" algn="l" defTabSz="914400" rtl="0" eaLnBrk="1" latinLnBrk="0" hangingPunct="1">
+              <a:lnSpc>
+                <a:spcPct val="90000"/>
+              </a:lnSpc>
+              <a:spcBef>
+                <a:spcPts val="500"/>
+              </a:spcBef>
+              <a:buFont typeface="Arial" panose="020B0604020202020204" pitchFamily="34" charset="0"/>
+              <a:buChar char="•"/>
+              <a:defRPr sz="1800" kern="1200">
+                <a:solidFill>
+                  <a:schemeClr val="tx1"/>
+                </a:solidFill>
+                <a:latin typeface="+mn-lt"/>
+                <a:ea typeface="+mn-ea"/>
+                <a:cs typeface="+mn-cs"/>
+              </a:defRPr>
+            </a:lvl4pPr>
+            <a:lvl5pPr marL="2057400" indent="-228600" algn="l" defTabSz="914400" rtl="0" eaLnBrk="1" latinLnBrk="0" hangingPunct="1">
+              <a:lnSpc>
+                <a:spcPct val="90000"/>
+              </a:lnSpc>
+              <a:spcBef>
+                <a:spcPts val="500"/>
+              </a:spcBef>
+              <a:buFont typeface="Arial" panose="020B0604020202020204" pitchFamily="34" charset="0"/>
+              <a:buChar char="•"/>
+              <a:defRPr sz="1800" kern="1200">
+                <a:solidFill>
+                  <a:schemeClr val="tx1"/>
+                </a:solidFill>
+                <a:latin typeface="+mn-lt"/>
+                <a:ea typeface="+mn-ea"/>
+                <a:cs typeface="+mn-cs"/>
+              </a:defRPr>
+            </a:lvl5pPr>
+            <a:lvl6pPr marL="2514600" indent="-228600" algn="l" defTabSz="914400" rtl="0" eaLnBrk="1" latinLnBrk="0" hangingPunct="1">
+              <a:lnSpc>
+                <a:spcPct val="90000"/>
+              </a:lnSpc>
+              <a:spcBef>
+                <a:spcPts val="500"/>
+              </a:spcBef>
+              <a:buFont typeface="Arial" panose="020B0604020202020204" pitchFamily="34" charset="0"/>
+              <a:buChar char="•"/>
+              <a:defRPr sz="1800" kern="1200">
+                <a:solidFill>
+                  <a:schemeClr val="tx1"/>
+                </a:solidFill>
+                <a:latin typeface="+mn-lt"/>
+                <a:ea typeface="+mn-ea"/>
+                <a:cs typeface="+mn-cs"/>
+              </a:defRPr>
+            </a:lvl6pPr>
+            <a:lvl7pPr marL="2971800" indent="-228600" algn="l" defTabSz="914400" rtl="0" eaLnBrk="1" latinLnBrk="0" hangingPunct="1">
+              <a:lnSpc>
+                <a:spcPct val="90000"/>
+              </a:lnSpc>
+              <a:spcBef>
+                <a:spcPts val="500"/>
+              </a:spcBef>
+              <a:buFont typeface="Arial" panose="020B0604020202020204" pitchFamily="34" charset="0"/>
+              <a:buChar char="•"/>
+              <a:defRPr sz="1800" kern="1200">
+                <a:solidFill>
+                  <a:schemeClr val="tx1"/>
+                </a:solidFill>
+                <a:latin typeface="+mn-lt"/>
+                <a:ea typeface="+mn-ea"/>
+                <a:cs typeface="+mn-cs"/>
+              </a:defRPr>
+            </a:lvl7pPr>
+            <a:lvl8pPr marL="3429000" indent="-228600" algn="l" defTabSz="914400" rtl="0" eaLnBrk="1" latinLnBrk="0" hangingPunct="1">
+              <a:lnSpc>
+                <a:spcPct val="90000"/>
+              </a:lnSpc>
+              <a:spcBef>
+                <a:spcPts val="500"/>
+              </a:spcBef>
+              <a:buFont typeface="Arial" panose="020B0604020202020204" pitchFamily="34" charset="0"/>
+              <a:buChar char="•"/>
+              <a:defRPr sz="1800" kern="1200">
+                <a:solidFill>
+                  <a:schemeClr val="tx1"/>
+                </a:solidFill>
+                <a:latin typeface="+mn-lt"/>
+                <a:ea typeface="+mn-ea"/>
+                <a:cs typeface="+mn-cs"/>
+              </a:defRPr>
+            </a:lvl8pPr>
+            <a:lvl9pPr marL="3886200" indent="-228600" algn="l" defTabSz="914400" rtl="0" eaLnBrk="1" latinLnBrk="0" hangingPunct="1">
+              <a:lnSpc>
+                <a:spcPct val="90000"/>
+              </a:lnSpc>
+              <a:spcBef>
+                <a:spcPts val="500"/>
+              </a:spcBef>
+              <a:buFont typeface="Arial" panose="020B0604020202020204" pitchFamily="34" charset="0"/>
+              <a:buChar char="•"/>
+              <a:defRPr sz="1800" kern="1200">
+                <a:solidFill>
+                  <a:schemeClr val="tx1"/>
+                </a:solidFill>
+                <a:latin typeface="+mn-lt"/>
+                <a:ea typeface="+mn-ea"/>
+                <a:cs typeface="+mn-cs"/>
+              </a:defRPr>
+            </a:lvl9pPr>
+          </a:lstStyle>
+          <a:p>
+            <a:pPr marL="0" indent="0">
+              <a:buNone/>
+            </a:pPr>
+            <a:r>
+              <a:rPr lang="en-US" altLang="zh-CN" sz="2400" b="1" dirty="0"/>
+              <a:t>3. Machine Learning in These Tasks</a:t>
+            </a:r>
+          </a:p>
+          <a:p>
+            <a:pPr marL="457200" lvl="1" indent="0">
+              <a:buNone/>
+            </a:pPr>
+            <a:r>
+              <a:rPr lang="en-US" altLang="zh-CN" dirty="0"/>
+              <a:t>3.1 Task1: I/O Scheduling</a:t>
+            </a:r>
+          </a:p>
+          <a:p>
+            <a:pPr marL="457200" lvl="1" indent="0">
+              <a:buNone/>
+            </a:pPr>
+            <a:r>
+              <a:rPr lang="en-US" altLang="zh-CN" dirty="0"/>
+              <a:t>3.2 Task2: Scheduling</a:t>
+            </a:r>
+          </a:p>
+          <a:p>
+            <a:pPr marL="457200" lvl="1" indent="0">
+              <a:buNone/>
+            </a:pPr>
+            <a:r>
+              <a:rPr lang="en-US" altLang="zh-CN" dirty="0"/>
+              <a:t>3.3 Task3: Space Allocation</a:t>
+            </a:r>
+          </a:p>
+          <a:p>
+            <a:pPr marL="457200" lvl="1" indent="0">
+              <a:buNone/>
+            </a:pPr>
+            <a:r>
+              <a:rPr lang="en-US" altLang="zh-CN" dirty="0"/>
+              <a:t>3.4 Task4: Storage Management</a:t>
+            </a:r>
+          </a:p>
+          <a:p>
+            <a:pPr marL="457200" lvl="1" indent="0">
+              <a:buNone/>
+            </a:pPr>
+            <a:r>
+              <a:rPr lang="en-US" altLang="zh-CN" dirty="0"/>
+              <a:t>3.5 Task5: Network</a:t>
+            </a:r>
+          </a:p>
+          <a:p>
+            <a:pPr marL="457200" lvl="1" indent="0">
+              <a:buNone/>
+            </a:pPr>
+            <a:endParaRPr lang="en-US" altLang="zh-CN" dirty="0"/>
+          </a:p>
+        </p:txBody>
+      </p:sp>
+      <p:sp>
+        <p:nvSpPr>
+          <p:cNvPr id="5" name="内容占位符 2">
+            <a:extLst>
+              <a:ext uri="{FF2B5EF4-FFF2-40B4-BE49-F238E27FC236}">
+                <a16:creationId xmlns:a16="http://schemas.microsoft.com/office/drawing/2014/main" id="{BF2FB792-550A-9AB8-56FE-096B629EDE5F}"/>
+              </a:ext>
+            </a:extLst>
+          </p:cNvPr>
+          <p:cNvSpPr txBox="1">
+            <a:spLocks/>
+          </p:cNvSpPr>
+          <p:nvPr/>
+        </p:nvSpPr>
+        <p:spPr>
+          <a:xfrm>
+            <a:off x="838200" y="5346407"/>
+            <a:ext cx="10515600" cy="1373371"/>
+          </a:xfrm>
+          <a:prstGeom prst="rect">
+            <a:avLst/>
+          </a:prstGeom>
+        </p:spPr>
+        <p:txBody>
+          <a:bodyPr vert="horz" lIns="91440" tIns="45720" rIns="91440" bIns="45720" rtlCol="0">
+            <a:normAutofit/>
+          </a:bodyPr>
+          <a:lstStyle>
+            <a:lvl1pPr marL="228600" indent="-228600" algn="l" defTabSz="914400" rtl="0" eaLnBrk="1" latinLnBrk="0" hangingPunct="1">
+              <a:lnSpc>
+                <a:spcPct val="90000"/>
+              </a:lnSpc>
+              <a:spcBef>
+                <a:spcPts val="1000"/>
+              </a:spcBef>
+              <a:buFont typeface="Arial" panose="020B0604020202020204" pitchFamily="34" charset="0"/>
+              <a:buChar char="•"/>
+              <a:defRPr sz="2800" kern="1200">
+                <a:solidFill>
+                  <a:schemeClr val="tx1"/>
+                </a:solidFill>
+                <a:latin typeface="+mn-lt"/>
+                <a:ea typeface="+mn-ea"/>
+                <a:cs typeface="+mn-cs"/>
+              </a:defRPr>
+            </a:lvl1pPr>
+            <a:lvl2pPr marL="685800" indent="-228600" algn="l" defTabSz="914400" rtl="0" eaLnBrk="1" latinLnBrk="0" hangingPunct="1">
+              <a:lnSpc>
+                <a:spcPct val="90000"/>
+              </a:lnSpc>
+              <a:spcBef>
+                <a:spcPts val="500"/>
+              </a:spcBef>
+              <a:buFont typeface="Arial" panose="020B0604020202020204" pitchFamily="34" charset="0"/>
+              <a:buChar char="•"/>
+              <a:defRPr sz="2400" kern="1200">
+                <a:solidFill>
+                  <a:schemeClr val="tx1"/>
+                </a:solidFill>
+                <a:latin typeface="+mn-lt"/>
+                <a:ea typeface="+mn-ea"/>
+                <a:cs typeface="+mn-cs"/>
+              </a:defRPr>
+            </a:lvl2pPr>
+            <a:lvl3pPr marL="1143000" indent="-228600" algn="l" defTabSz="914400" rtl="0" eaLnBrk="1" latinLnBrk="0" hangingPunct="1">
+              <a:lnSpc>
+                <a:spcPct val="90000"/>
+              </a:lnSpc>
+              <a:spcBef>
+                <a:spcPts val="500"/>
+              </a:spcBef>
+              <a:buFont typeface="Arial" panose="020B0604020202020204" pitchFamily="34" charset="0"/>
+              <a:buChar char="•"/>
+              <a:defRPr sz="2000" kern="1200">
+                <a:solidFill>
+                  <a:schemeClr val="tx1"/>
+                </a:solidFill>
+                <a:latin typeface="+mn-lt"/>
+                <a:ea typeface="+mn-ea"/>
+                <a:cs typeface="+mn-cs"/>
+              </a:defRPr>
+            </a:lvl3pPr>
+            <a:lvl4pPr marL="1600200" indent="-228600" algn="l" defTabSz="914400" rtl="0" eaLnBrk="1" latinLnBrk="0" hangingPunct="1">
+              <a:lnSpc>
+                <a:spcPct val="90000"/>
+              </a:lnSpc>
+              <a:spcBef>
+                <a:spcPts val="500"/>
+              </a:spcBef>
+              <a:buFont typeface="Arial" panose="020B0604020202020204" pitchFamily="34" charset="0"/>
+              <a:buChar char="•"/>
+              <a:defRPr sz="1800" kern="1200">
+                <a:solidFill>
+                  <a:schemeClr val="tx1"/>
+                </a:solidFill>
+                <a:latin typeface="+mn-lt"/>
+                <a:ea typeface="+mn-ea"/>
+                <a:cs typeface="+mn-cs"/>
+              </a:defRPr>
+            </a:lvl4pPr>
+            <a:lvl5pPr marL="2057400" indent="-228600" algn="l" defTabSz="914400" rtl="0" eaLnBrk="1" latinLnBrk="0" hangingPunct="1">
+              <a:lnSpc>
+                <a:spcPct val="90000"/>
+              </a:lnSpc>
+              <a:spcBef>
+                <a:spcPts val="500"/>
+              </a:spcBef>
+              <a:buFont typeface="Arial" panose="020B0604020202020204" pitchFamily="34" charset="0"/>
+              <a:buChar char="•"/>
+              <a:defRPr sz="1800" kern="1200">
+                <a:solidFill>
+                  <a:schemeClr val="tx1"/>
+                </a:solidFill>
+                <a:latin typeface="+mn-lt"/>
+                <a:ea typeface="+mn-ea"/>
+                <a:cs typeface="+mn-cs"/>
+              </a:defRPr>
+            </a:lvl5pPr>
+            <a:lvl6pPr marL="2514600" indent="-228600" algn="l" defTabSz="914400" rtl="0" eaLnBrk="1" latinLnBrk="0" hangingPunct="1">
+              <a:lnSpc>
+                <a:spcPct val="90000"/>
+              </a:lnSpc>
+              <a:spcBef>
+                <a:spcPts val="500"/>
+              </a:spcBef>
+              <a:buFont typeface="Arial" panose="020B0604020202020204" pitchFamily="34" charset="0"/>
+              <a:buChar char="•"/>
+              <a:defRPr sz="1800" kern="1200">
+                <a:solidFill>
+                  <a:schemeClr val="tx1"/>
+                </a:solidFill>
+                <a:latin typeface="+mn-lt"/>
+                <a:ea typeface="+mn-ea"/>
+                <a:cs typeface="+mn-cs"/>
+              </a:defRPr>
+            </a:lvl6pPr>
+            <a:lvl7pPr marL="2971800" indent="-228600" algn="l" defTabSz="914400" rtl="0" eaLnBrk="1" latinLnBrk="0" hangingPunct="1">
+              <a:lnSpc>
+                <a:spcPct val="90000"/>
+              </a:lnSpc>
+              <a:spcBef>
+                <a:spcPts val="500"/>
+              </a:spcBef>
+              <a:buFont typeface="Arial" panose="020B0604020202020204" pitchFamily="34" charset="0"/>
+              <a:buChar char="•"/>
+              <a:defRPr sz="1800" kern="1200">
+                <a:solidFill>
+                  <a:schemeClr val="tx1"/>
+                </a:solidFill>
+                <a:latin typeface="+mn-lt"/>
+                <a:ea typeface="+mn-ea"/>
+                <a:cs typeface="+mn-cs"/>
+              </a:defRPr>
+            </a:lvl7pPr>
+            <a:lvl8pPr marL="3429000" indent="-228600" algn="l" defTabSz="914400" rtl="0" eaLnBrk="1" latinLnBrk="0" hangingPunct="1">
+              <a:lnSpc>
+                <a:spcPct val="90000"/>
+              </a:lnSpc>
+              <a:spcBef>
+                <a:spcPts val="500"/>
+              </a:spcBef>
+              <a:buFont typeface="Arial" panose="020B0604020202020204" pitchFamily="34" charset="0"/>
+              <a:buChar char="•"/>
+              <a:defRPr sz="1800" kern="1200">
+                <a:solidFill>
+                  <a:schemeClr val="tx1"/>
+                </a:solidFill>
+                <a:latin typeface="+mn-lt"/>
+                <a:ea typeface="+mn-ea"/>
+                <a:cs typeface="+mn-cs"/>
+              </a:defRPr>
+            </a:lvl8pPr>
+            <a:lvl9pPr marL="3886200" indent="-228600" algn="l" defTabSz="914400" rtl="0" eaLnBrk="1" latinLnBrk="0" hangingPunct="1">
+              <a:lnSpc>
+                <a:spcPct val="90000"/>
+              </a:lnSpc>
+              <a:spcBef>
+                <a:spcPts val="500"/>
+              </a:spcBef>
+              <a:buFont typeface="Arial" panose="020B0604020202020204" pitchFamily="34" charset="0"/>
+              <a:buChar char="•"/>
+              <a:defRPr sz="1800" kern="1200">
+                <a:solidFill>
+                  <a:schemeClr val="tx1"/>
+                </a:solidFill>
+                <a:latin typeface="+mn-lt"/>
+                <a:ea typeface="+mn-ea"/>
+                <a:cs typeface="+mn-cs"/>
+              </a:defRPr>
+            </a:lvl9pPr>
+          </a:lstStyle>
+          <a:p>
+            <a:pPr marL="0" indent="0">
+              <a:buNone/>
+            </a:pPr>
+            <a:r>
+              <a:rPr lang="en-US" altLang="zh-CN" sz="2400" b="1" dirty="0"/>
+              <a:t>5. General Framework</a:t>
+            </a:r>
+          </a:p>
+          <a:p>
+            <a:pPr marL="0" indent="0">
+              <a:buNone/>
+            </a:pPr>
+            <a:r>
+              <a:rPr lang="en-US" altLang="zh-CN" sz="2400" b="1" dirty="0"/>
+              <a:t>6. Open Problems (Challenges) and Future Works</a:t>
+            </a:r>
+          </a:p>
+          <a:p>
+            <a:pPr marL="0" indent="0">
+              <a:buNone/>
+            </a:pPr>
+            <a:r>
+              <a:rPr lang="en-US" altLang="zh-CN" sz="2400" b="1" dirty="0"/>
+              <a:t>7. Conclusion</a:t>
+            </a:r>
+          </a:p>
+          <a:p>
+            <a:pPr marL="457200" lvl="1" indent="0">
+              <a:buNone/>
+            </a:pPr>
+            <a:endParaRPr lang="en-US" altLang="zh-CN" dirty="0"/>
+          </a:p>
+        </p:txBody>
+      </p:sp>
+      <p:sp>
+        <p:nvSpPr>
+          <p:cNvPr id="6" name="文本框 5">
+            <a:extLst>
+              <a:ext uri="{FF2B5EF4-FFF2-40B4-BE49-F238E27FC236}">
+                <a16:creationId xmlns:a16="http://schemas.microsoft.com/office/drawing/2014/main" id="{6760A80F-7416-69A4-7793-A58C55F86F62}"/>
+              </a:ext>
+            </a:extLst>
+          </p:cNvPr>
+          <p:cNvSpPr txBox="1"/>
+          <p:nvPr/>
+        </p:nvSpPr>
+        <p:spPr>
+          <a:xfrm>
+            <a:off x="6098178" y="1509825"/>
+            <a:ext cx="5746492" cy="3782061"/>
+          </a:xfrm>
+          <a:custGeom>
+            <a:avLst/>
+            <a:gdLst>
+              <a:gd name="connsiteX0" fmla="*/ 0 w 5746492"/>
+              <a:gd name="connsiteY0" fmla="*/ 0 h 3782061"/>
+              <a:gd name="connsiteX1" fmla="*/ 689579 w 5746492"/>
+              <a:gd name="connsiteY1" fmla="*/ 0 h 3782061"/>
+              <a:gd name="connsiteX2" fmla="*/ 1321693 w 5746492"/>
+              <a:gd name="connsiteY2" fmla="*/ 0 h 3782061"/>
+              <a:gd name="connsiteX3" fmla="*/ 1896342 w 5746492"/>
+              <a:gd name="connsiteY3" fmla="*/ 0 h 3782061"/>
+              <a:gd name="connsiteX4" fmla="*/ 2585921 w 5746492"/>
+              <a:gd name="connsiteY4" fmla="*/ 0 h 3782061"/>
+              <a:gd name="connsiteX5" fmla="*/ 3275500 w 5746492"/>
+              <a:gd name="connsiteY5" fmla="*/ 0 h 3782061"/>
+              <a:gd name="connsiteX6" fmla="*/ 3792685 w 5746492"/>
+              <a:gd name="connsiteY6" fmla="*/ 0 h 3782061"/>
+              <a:gd name="connsiteX7" fmla="*/ 4367334 w 5746492"/>
+              <a:gd name="connsiteY7" fmla="*/ 0 h 3782061"/>
+              <a:gd name="connsiteX8" fmla="*/ 5056913 w 5746492"/>
+              <a:gd name="connsiteY8" fmla="*/ 0 h 3782061"/>
+              <a:gd name="connsiteX9" fmla="*/ 5746492 w 5746492"/>
+              <a:gd name="connsiteY9" fmla="*/ 0 h 3782061"/>
+              <a:gd name="connsiteX10" fmla="*/ 5746492 w 5746492"/>
+              <a:gd name="connsiteY10" fmla="*/ 615936 h 3782061"/>
+              <a:gd name="connsiteX11" fmla="*/ 5746492 w 5746492"/>
+              <a:gd name="connsiteY11" fmla="*/ 1042768 h 3782061"/>
+              <a:gd name="connsiteX12" fmla="*/ 5746492 w 5746492"/>
+              <a:gd name="connsiteY12" fmla="*/ 1658704 h 3782061"/>
+              <a:gd name="connsiteX13" fmla="*/ 5746492 w 5746492"/>
+              <a:gd name="connsiteY13" fmla="*/ 2236819 h 3782061"/>
+              <a:gd name="connsiteX14" fmla="*/ 5746492 w 5746492"/>
+              <a:gd name="connsiteY14" fmla="*/ 2814934 h 3782061"/>
+              <a:gd name="connsiteX15" fmla="*/ 5746492 w 5746492"/>
+              <a:gd name="connsiteY15" fmla="*/ 3317408 h 3782061"/>
+              <a:gd name="connsiteX16" fmla="*/ 5746492 w 5746492"/>
+              <a:gd name="connsiteY16" fmla="*/ 3782061 h 3782061"/>
+              <a:gd name="connsiteX17" fmla="*/ 5056913 w 5746492"/>
+              <a:gd name="connsiteY17" fmla="*/ 3782061 h 3782061"/>
+              <a:gd name="connsiteX18" fmla="*/ 4597194 w 5746492"/>
+              <a:gd name="connsiteY18" fmla="*/ 3782061 h 3782061"/>
+              <a:gd name="connsiteX19" fmla="*/ 3907615 w 5746492"/>
+              <a:gd name="connsiteY19" fmla="*/ 3782061 h 3782061"/>
+              <a:gd name="connsiteX20" fmla="*/ 3447895 w 5746492"/>
+              <a:gd name="connsiteY20" fmla="*/ 3782061 h 3782061"/>
+              <a:gd name="connsiteX21" fmla="*/ 2873246 w 5746492"/>
+              <a:gd name="connsiteY21" fmla="*/ 3782061 h 3782061"/>
+              <a:gd name="connsiteX22" fmla="*/ 2183667 w 5746492"/>
+              <a:gd name="connsiteY22" fmla="*/ 3782061 h 3782061"/>
+              <a:gd name="connsiteX23" fmla="*/ 1494088 w 5746492"/>
+              <a:gd name="connsiteY23" fmla="*/ 3782061 h 3782061"/>
+              <a:gd name="connsiteX24" fmla="*/ 861974 w 5746492"/>
+              <a:gd name="connsiteY24" fmla="*/ 3782061 h 3782061"/>
+              <a:gd name="connsiteX25" fmla="*/ 0 w 5746492"/>
+              <a:gd name="connsiteY25" fmla="*/ 3782061 h 3782061"/>
+              <a:gd name="connsiteX26" fmla="*/ 0 w 5746492"/>
+              <a:gd name="connsiteY26" fmla="*/ 3241767 h 3782061"/>
+              <a:gd name="connsiteX27" fmla="*/ 0 w 5746492"/>
+              <a:gd name="connsiteY27" fmla="*/ 2814934 h 3782061"/>
+              <a:gd name="connsiteX28" fmla="*/ 0 w 5746492"/>
+              <a:gd name="connsiteY28" fmla="*/ 2274640 h 3782061"/>
+              <a:gd name="connsiteX29" fmla="*/ 0 w 5746492"/>
+              <a:gd name="connsiteY29" fmla="*/ 1658704 h 3782061"/>
+              <a:gd name="connsiteX30" fmla="*/ 0 w 5746492"/>
+              <a:gd name="connsiteY30" fmla="*/ 1118409 h 3782061"/>
+              <a:gd name="connsiteX31" fmla="*/ 0 w 5746492"/>
+              <a:gd name="connsiteY31" fmla="*/ 615936 h 3782061"/>
+              <a:gd name="connsiteX32" fmla="*/ 0 w 5746492"/>
+              <a:gd name="connsiteY32" fmla="*/ 0 h 3782061"/>
+            </a:gdLst>
+            <a:ahLst/>
+            <a:cxnLst>
+              <a:cxn ang="0">
+                <a:pos x="connsiteX0" y="connsiteY0"/>
+              </a:cxn>
+              <a:cxn ang="0">
+                <a:pos x="connsiteX1" y="connsiteY1"/>
+              </a:cxn>
+              <a:cxn ang="0">
+                <a:pos x="connsiteX2" y="connsiteY2"/>
+              </a:cxn>
+              <a:cxn ang="0">
+                <a:pos x="connsiteX3" y="connsiteY3"/>
+              </a:cxn>
+              <a:cxn ang="0">
+                <a:pos x="connsiteX4" y="connsiteY4"/>
+              </a:cxn>
+              <a:cxn ang="0">
+                <a:pos x="connsiteX5" y="connsiteY5"/>
+              </a:cxn>
+              <a:cxn ang="0">
+                <a:pos x="connsiteX6" y="connsiteY6"/>
+              </a:cxn>
+              <a:cxn ang="0">
+                <a:pos x="connsiteX7" y="connsiteY7"/>
+              </a:cxn>
+              <a:cxn ang="0">
+                <a:pos x="connsiteX8" y="connsiteY8"/>
+              </a:cxn>
+              <a:cxn ang="0">
+                <a:pos x="connsiteX9" y="connsiteY9"/>
+              </a:cxn>
+              <a:cxn ang="0">
+                <a:pos x="connsiteX10" y="connsiteY10"/>
+              </a:cxn>
+              <a:cxn ang="0">
+                <a:pos x="connsiteX11" y="connsiteY11"/>
+              </a:cxn>
+              <a:cxn ang="0">
+                <a:pos x="connsiteX12" y="connsiteY12"/>
+              </a:cxn>
+              <a:cxn ang="0">
+                <a:pos x="connsiteX13" y="connsiteY13"/>
+              </a:cxn>
+              <a:cxn ang="0">
+                <a:pos x="connsiteX14" y="connsiteY14"/>
+              </a:cxn>
+              <a:cxn ang="0">
+                <a:pos x="connsiteX15" y="connsiteY15"/>
+              </a:cxn>
+              <a:cxn ang="0">
+                <a:pos x="connsiteX16" y="connsiteY16"/>
+              </a:cxn>
+              <a:cxn ang="0">
+                <a:pos x="connsiteX17" y="connsiteY17"/>
+              </a:cxn>
+              <a:cxn ang="0">
+                <a:pos x="connsiteX18" y="connsiteY18"/>
+              </a:cxn>
+              <a:cxn ang="0">
+                <a:pos x="connsiteX19" y="connsiteY19"/>
+              </a:cxn>
+              <a:cxn ang="0">
+                <a:pos x="connsiteX20" y="connsiteY20"/>
+              </a:cxn>
+              <a:cxn ang="0">
+                <a:pos x="connsiteX21" y="connsiteY21"/>
+              </a:cxn>
+              <a:cxn ang="0">
+                <a:pos x="connsiteX22" y="connsiteY22"/>
+              </a:cxn>
+              <a:cxn ang="0">
+                <a:pos x="connsiteX23" y="connsiteY23"/>
+              </a:cxn>
+              <a:cxn ang="0">
+                <a:pos x="connsiteX24" y="connsiteY24"/>
+              </a:cxn>
+              <a:cxn ang="0">
+                <a:pos x="connsiteX25" y="connsiteY25"/>
+              </a:cxn>
+              <a:cxn ang="0">
+                <a:pos x="connsiteX26" y="connsiteY26"/>
+              </a:cxn>
+              <a:cxn ang="0">
+                <a:pos x="connsiteX27" y="connsiteY27"/>
+              </a:cxn>
+              <a:cxn ang="0">
+                <a:pos x="connsiteX28" y="connsiteY28"/>
+              </a:cxn>
+              <a:cxn ang="0">
+                <a:pos x="connsiteX29" y="connsiteY29"/>
+              </a:cxn>
+              <a:cxn ang="0">
+                <a:pos x="connsiteX30" y="connsiteY30"/>
+              </a:cxn>
+              <a:cxn ang="0">
+                <a:pos x="connsiteX31" y="connsiteY31"/>
+              </a:cxn>
+              <a:cxn ang="0">
+                <a:pos x="connsiteX32" y="connsiteY32"/>
+              </a:cxn>
+            </a:cxnLst>
+            <a:rect l="l" t="t" r="r" b="b"/>
+            <a:pathLst>
+              <a:path w="5746492" h="3782061" fill="none" extrusionOk="0">
+                <a:moveTo>
+                  <a:pt x="0" y="0"/>
+                </a:moveTo>
+                <a:cubicBezTo>
+                  <a:pt x="171910" y="-64751"/>
+                  <a:pt x="545853" y="65483"/>
+                  <a:pt x="689579" y="0"/>
+                </a:cubicBezTo>
+                <a:cubicBezTo>
+                  <a:pt x="833305" y="-65483"/>
+                  <a:pt x="1167201" y="3348"/>
+                  <a:pt x="1321693" y="0"/>
+                </a:cubicBezTo>
+                <a:cubicBezTo>
+                  <a:pt x="1476185" y="-3348"/>
+                  <a:pt x="1693532" y="20838"/>
+                  <a:pt x="1896342" y="0"/>
+                </a:cubicBezTo>
+                <a:cubicBezTo>
+                  <a:pt x="2099152" y="-20838"/>
+                  <a:pt x="2254266" y="10864"/>
+                  <a:pt x="2585921" y="0"/>
+                </a:cubicBezTo>
+                <a:cubicBezTo>
+                  <a:pt x="2917576" y="-10864"/>
+                  <a:pt x="3049853" y="72394"/>
+                  <a:pt x="3275500" y="0"/>
+                </a:cubicBezTo>
+                <a:cubicBezTo>
+                  <a:pt x="3501147" y="-72394"/>
+                  <a:pt x="3674701" y="30808"/>
+                  <a:pt x="3792685" y="0"/>
+                </a:cubicBezTo>
+                <a:cubicBezTo>
+                  <a:pt x="3910670" y="-30808"/>
+                  <a:pt x="4159433" y="47115"/>
+                  <a:pt x="4367334" y="0"/>
+                </a:cubicBezTo>
+                <a:cubicBezTo>
+                  <a:pt x="4575235" y="-47115"/>
+                  <a:pt x="4788548" y="49978"/>
+                  <a:pt x="5056913" y="0"/>
+                </a:cubicBezTo>
+                <a:cubicBezTo>
+                  <a:pt x="5325278" y="-49978"/>
+                  <a:pt x="5482878" y="49459"/>
+                  <a:pt x="5746492" y="0"/>
+                </a:cubicBezTo>
+                <a:cubicBezTo>
+                  <a:pt x="5811377" y="138872"/>
+                  <a:pt x="5739600" y="421517"/>
+                  <a:pt x="5746492" y="615936"/>
+                </a:cubicBezTo>
+                <a:cubicBezTo>
+                  <a:pt x="5753384" y="810355"/>
+                  <a:pt x="5735304" y="928619"/>
+                  <a:pt x="5746492" y="1042768"/>
+                </a:cubicBezTo>
+                <a:cubicBezTo>
+                  <a:pt x="5757680" y="1156917"/>
+                  <a:pt x="5734215" y="1464261"/>
+                  <a:pt x="5746492" y="1658704"/>
+                </a:cubicBezTo>
+                <a:cubicBezTo>
+                  <a:pt x="5758769" y="1853147"/>
+                  <a:pt x="5690863" y="2012104"/>
+                  <a:pt x="5746492" y="2236819"/>
+                </a:cubicBezTo>
+                <a:cubicBezTo>
+                  <a:pt x="5802121" y="2461534"/>
+                  <a:pt x="5721395" y="2637672"/>
+                  <a:pt x="5746492" y="2814934"/>
+                </a:cubicBezTo>
+                <a:cubicBezTo>
+                  <a:pt x="5771589" y="2992196"/>
+                  <a:pt x="5716735" y="3171091"/>
+                  <a:pt x="5746492" y="3317408"/>
+                </a:cubicBezTo>
+                <a:cubicBezTo>
+                  <a:pt x="5776249" y="3463725"/>
+                  <a:pt x="5691781" y="3630336"/>
+                  <a:pt x="5746492" y="3782061"/>
+                </a:cubicBezTo>
+                <a:cubicBezTo>
+                  <a:pt x="5474253" y="3859619"/>
+                  <a:pt x="5309660" y="3716546"/>
+                  <a:pt x="5056913" y="3782061"/>
+                </a:cubicBezTo>
+                <a:cubicBezTo>
+                  <a:pt x="4804166" y="3847576"/>
+                  <a:pt x="4768883" y="3726955"/>
+                  <a:pt x="4597194" y="3782061"/>
+                </a:cubicBezTo>
+                <a:cubicBezTo>
+                  <a:pt x="4425505" y="3837167"/>
+                  <a:pt x="4123797" y="3752901"/>
+                  <a:pt x="3907615" y="3782061"/>
+                </a:cubicBezTo>
+                <a:cubicBezTo>
+                  <a:pt x="3691433" y="3811221"/>
+                  <a:pt x="3565449" y="3762727"/>
+                  <a:pt x="3447895" y="3782061"/>
+                </a:cubicBezTo>
+                <a:cubicBezTo>
+                  <a:pt x="3330341" y="3801395"/>
+                  <a:pt x="3118432" y="3767845"/>
+                  <a:pt x="2873246" y="3782061"/>
+                </a:cubicBezTo>
+                <a:cubicBezTo>
+                  <a:pt x="2628060" y="3796277"/>
+                  <a:pt x="2353074" y="3773040"/>
+                  <a:pt x="2183667" y="3782061"/>
+                </a:cubicBezTo>
+                <a:cubicBezTo>
+                  <a:pt x="2014260" y="3791082"/>
+                  <a:pt x="1649736" y="3751359"/>
+                  <a:pt x="1494088" y="3782061"/>
+                </a:cubicBezTo>
+                <a:cubicBezTo>
+                  <a:pt x="1338440" y="3812763"/>
+                  <a:pt x="1007506" y="3759858"/>
+                  <a:pt x="861974" y="3782061"/>
+                </a:cubicBezTo>
+                <a:cubicBezTo>
+                  <a:pt x="716442" y="3804264"/>
+                  <a:pt x="280617" y="3730128"/>
+                  <a:pt x="0" y="3782061"/>
+                </a:cubicBezTo>
+                <a:cubicBezTo>
+                  <a:pt x="-41501" y="3514664"/>
+                  <a:pt x="42598" y="3353043"/>
+                  <a:pt x="0" y="3241767"/>
+                </a:cubicBezTo>
+                <a:cubicBezTo>
+                  <a:pt x="-42598" y="3130491"/>
+                  <a:pt x="47145" y="2914993"/>
+                  <a:pt x="0" y="2814934"/>
+                </a:cubicBezTo>
+                <a:cubicBezTo>
+                  <a:pt x="-47145" y="2714875"/>
+                  <a:pt x="21533" y="2455880"/>
+                  <a:pt x="0" y="2274640"/>
+                </a:cubicBezTo>
+                <a:cubicBezTo>
+                  <a:pt x="-21533" y="2093400"/>
+                  <a:pt x="58369" y="1964175"/>
+                  <a:pt x="0" y="1658704"/>
+                </a:cubicBezTo>
+                <a:cubicBezTo>
+                  <a:pt x="-58369" y="1353233"/>
+                  <a:pt x="28805" y="1307885"/>
+                  <a:pt x="0" y="1118409"/>
+                </a:cubicBezTo>
+                <a:cubicBezTo>
+                  <a:pt x="-28805" y="928934"/>
+                  <a:pt x="53165" y="728329"/>
+                  <a:pt x="0" y="615936"/>
+                </a:cubicBezTo>
+                <a:cubicBezTo>
+                  <a:pt x="-53165" y="503543"/>
+                  <a:pt x="36050" y="137897"/>
+                  <a:pt x="0" y="0"/>
+                </a:cubicBezTo>
+                <a:close/>
+              </a:path>
+              <a:path w="5746492" h="3782061" stroke="0" extrusionOk="0">
+                <a:moveTo>
+                  <a:pt x="0" y="0"/>
+                </a:moveTo>
+                <a:cubicBezTo>
+                  <a:pt x="148413" y="-29646"/>
+                  <a:pt x="294406" y="27377"/>
+                  <a:pt x="402254" y="0"/>
+                </a:cubicBezTo>
+                <a:cubicBezTo>
+                  <a:pt x="510102" y="-27377"/>
+                  <a:pt x="812433" y="21431"/>
+                  <a:pt x="919439" y="0"/>
+                </a:cubicBezTo>
+                <a:cubicBezTo>
+                  <a:pt x="1026445" y="-21431"/>
+                  <a:pt x="1369496" y="10247"/>
+                  <a:pt x="1551553" y="0"/>
+                </a:cubicBezTo>
+                <a:cubicBezTo>
+                  <a:pt x="1733610" y="-10247"/>
+                  <a:pt x="2053974" y="48833"/>
+                  <a:pt x="2183667" y="0"/>
+                </a:cubicBezTo>
+                <a:cubicBezTo>
+                  <a:pt x="2313360" y="-48833"/>
+                  <a:pt x="2518529" y="25870"/>
+                  <a:pt x="2643386" y="0"/>
+                </a:cubicBezTo>
+                <a:cubicBezTo>
+                  <a:pt x="2768243" y="-25870"/>
+                  <a:pt x="2886256" y="26818"/>
+                  <a:pt x="3045641" y="0"/>
+                </a:cubicBezTo>
+                <a:cubicBezTo>
+                  <a:pt x="3205027" y="-26818"/>
+                  <a:pt x="3478333" y="31349"/>
+                  <a:pt x="3620290" y="0"/>
+                </a:cubicBezTo>
+                <a:cubicBezTo>
+                  <a:pt x="3762247" y="-31349"/>
+                  <a:pt x="4033694" y="21030"/>
+                  <a:pt x="4194939" y="0"/>
+                </a:cubicBezTo>
+                <a:cubicBezTo>
+                  <a:pt x="4356184" y="-21030"/>
+                  <a:pt x="4511351" y="6937"/>
+                  <a:pt x="4827053" y="0"/>
+                </a:cubicBezTo>
+                <a:cubicBezTo>
+                  <a:pt x="5142755" y="-6937"/>
+                  <a:pt x="5064161" y="40664"/>
+                  <a:pt x="5229308" y="0"/>
+                </a:cubicBezTo>
+                <a:cubicBezTo>
+                  <a:pt x="5394455" y="-40664"/>
+                  <a:pt x="5530930" y="20722"/>
+                  <a:pt x="5746492" y="0"/>
+                </a:cubicBezTo>
+                <a:cubicBezTo>
+                  <a:pt x="5752185" y="228322"/>
+                  <a:pt x="5698159" y="321034"/>
+                  <a:pt x="5746492" y="540294"/>
+                </a:cubicBezTo>
+                <a:cubicBezTo>
+                  <a:pt x="5794825" y="759554"/>
+                  <a:pt x="5725593" y="855491"/>
+                  <a:pt x="5746492" y="967127"/>
+                </a:cubicBezTo>
+                <a:cubicBezTo>
+                  <a:pt x="5767391" y="1078763"/>
+                  <a:pt x="5703382" y="1221822"/>
+                  <a:pt x="5746492" y="1393960"/>
+                </a:cubicBezTo>
+                <a:cubicBezTo>
+                  <a:pt x="5789602" y="1566098"/>
+                  <a:pt x="5740675" y="1807767"/>
+                  <a:pt x="5746492" y="1934254"/>
+                </a:cubicBezTo>
+                <a:cubicBezTo>
+                  <a:pt x="5752309" y="2060741"/>
+                  <a:pt x="5719629" y="2288982"/>
+                  <a:pt x="5746492" y="2512369"/>
+                </a:cubicBezTo>
+                <a:cubicBezTo>
+                  <a:pt x="5773355" y="2735756"/>
+                  <a:pt x="5727326" y="2784892"/>
+                  <a:pt x="5746492" y="2977022"/>
+                </a:cubicBezTo>
+                <a:cubicBezTo>
+                  <a:pt x="5765658" y="3169152"/>
+                  <a:pt x="5735084" y="3616024"/>
+                  <a:pt x="5746492" y="3782061"/>
+                </a:cubicBezTo>
+                <a:cubicBezTo>
+                  <a:pt x="5652986" y="3806379"/>
+                  <a:pt x="5448382" y="3750712"/>
+                  <a:pt x="5344238" y="3782061"/>
+                </a:cubicBezTo>
+                <a:cubicBezTo>
+                  <a:pt x="5240094" y="3813410"/>
+                  <a:pt x="5048997" y="3726947"/>
+                  <a:pt x="4884518" y="3782061"/>
+                </a:cubicBezTo>
+                <a:cubicBezTo>
+                  <a:pt x="4720039" y="3837175"/>
+                  <a:pt x="4667660" y="3743518"/>
+                  <a:pt x="4482264" y="3782061"/>
+                </a:cubicBezTo>
+                <a:cubicBezTo>
+                  <a:pt x="4296868" y="3820604"/>
+                  <a:pt x="4028556" y="3740921"/>
+                  <a:pt x="3850150" y="3782061"/>
+                </a:cubicBezTo>
+                <a:cubicBezTo>
+                  <a:pt x="3671744" y="3823201"/>
+                  <a:pt x="3538539" y="3753257"/>
+                  <a:pt x="3275500" y="3782061"/>
+                </a:cubicBezTo>
+                <a:cubicBezTo>
+                  <a:pt x="3012461" y="3810865"/>
+                  <a:pt x="2923682" y="3757129"/>
+                  <a:pt x="2585921" y="3782061"/>
+                </a:cubicBezTo>
+                <a:cubicBezTo>
+                  <a:pt x="2248160" y="3806993"/>
+                  <a:pt x="2189662" y="3773275"/>
+                  <a:pt x="1953807" y="3782061"/>
+                </a:cubicBezTo>
+                <a:cubicBezTo>
+                  <a:pt x="1717952" y="3790847"/>
+                  <a:pt x="1657943" y="3720002"/>
+                  <a:pt x="1379158" y="3782061"/>
+                </a:cubicBezTo>
+                <a:cubicBezTo>
+                  <a:pt x="1100373" y="3844120"/>
+                  <a:pt x="1002003" y="3739620"/>
+                  <a:pt x="689579" y="3782061"/>
+                </a:cubicBezTo>
+                <a:cubicBezTo>
+                  <a:pt x="377155" y="3824502"/>
+                  <a:pt x="194701" y="3730066"/>
+                  <a:pt x="0" y="3782061"/>
+                </a:cubicBezTo>
+                <a:cubicBezTo>
+                  <a:pt x="-39019" y="3676097"/>
+                  <a:pt x="29079" y="3488181"/>
+                  <a:pt x="0" y="3355228"/>
+                </a:cubicBezTo>
+                <a:cubicBezTo>
+                  <a:pt x="-29079" y="3222275"/>
+                  <a:pt x="47977" y="3095029"/>
+                  <a:pt x="0" y="2928396"/>
+                </a:cubicBezTo>
+                <a:cubicBezTo>
+                  <a:pt x="-47977" y="2761763"/>
+                  <a:pt x="32289" y="2616350"/>
+                  <a:pt x="0" y="2501563"/>
+                </a:cubicBezTo>
+                <a:cubicBezTo>
+                  <a:pt x="-32289" y="2386776"/>
+                  <a:pt x="36843" y="2025688"/>
+                  <a:pt x="0" y="1885628"/>
+                </a:cubicBezTo>
+                <a:cubicBezTo>
+                  <a:pt x="-36843" y="1745569"/>
+                  <a:pt x="10699" y="1500618"/>
+                  <a:pt x="0" y="1345333"/>
+                </a:cubicBezTo>
+                <a:cubicBezTo>
+                  <a:pt x="-10699" y="1190049"/>
+                  <a:pt x="65513" y="1026435"/>
+                  <a:pt x="0" y="767218"/>
+                </a:cubicBezTo>
+                <a:cubicBezTo>
+                  <a:pt x="-65513" y="508001"/>
+                  <a:pt x="33732" y="349964"/>
+                  <a:pt x="0" y="0"/>
+                </a:cubicBezTo>
+                <a:close/>
+              </a:path>
+            </a:pathLst>
+          </a:custGeom>
+          <a:ln w="57150">
+            <a:solidFill>
+              <a:schemeClr val="accent5">
+                <a:lumMod val="50000"/>
+              </a:schemeClr>
+            </a:solidFill>
+            <a:extLst>
+              <a:ext uri="{C807C97D-BFC1-408E-A445-0C87EB9F89A2}">
+                <ask:lineSketchStyleProps xmlns:ask="http://schemas.microsoft.com/office/drawing/2018/sketchyshapes" sd="1490146077">
+                  <a:prstGeom prst="rect">
+                    <a:avLst/>
+                  </a:prstGeom>
+                  <ask:type>
+                    <ask:lineSketchScribble/>
+                  </ask:type>
+                </ask:lineSketchStyleProps>
+              </a:ext>
+            </a:extLst>
+          </a:ln>
+        </p:spPr>
+        <p:style>
+          <a:lnRef idx="2">
+            <a:schemeClr val="accent1"/>
+          </a:lnRef>
+          <a:fillRef idx="1">
+            <a:schemeClr val="lt1"/>
+          </a:fillRef>
+          <a:effectRef idx="0">
+            <a:schemeClr val="accent1"/>
+          </a:effectRef>
+          <a:fontRef idx="minor">
+            <a:schemeClr val="dk1"/>
+          </a:fontRef>
+        </p:style>
+        <p:txBody>
+          <a:bodyPr wrap="square">
+            <a:spAutoFit/>
+          </a:bodyPr>
           <a:lstStyle/>
           <a:p>
-            <a:endParaRPr lang="zh-CN" altLang="en-US"/>
+            <a:pPr marL="171450" indent="-171450">
+              <a:lnSpc>
+                <a:spcPct val="150000"/>
+              </a:lnSpc>
+              <a:buFont typeface="Arial" panose="020B0604020202020204" pitchFamily="34" charset="0"/>
+              <a:buChar char="•"/>
+            </a:pPr>
+            <a:r>
+              <a:rPr lang="en-US" altLang="zh-CN" dirty="0">
+                <a:latin typeface="Times New Roman" panose="02020603050405020304" pitchFamily="18" charset="0"/>
+                <a:cs typeface="Times New Roman" panose="02020603050405020304" pitchFamily="18" charset="0"/>
+              </a:rPr>
+              <a:t>In </a:t>
+            </a:r>
+            <a:r>
+              <a:rPr lang="en-US" altLang="zh-CN" b="1" dirty="0">
+                <a:latin typeface="Times New Roman" panose="02020603050405020304" pitchFamily="18" charset="0"/>
+                <a:cs typeface="Times New Roman" panose="02020603050405020304" pitchFamily="18" charset="0"/>
+              </a:rPr>
+              <a:t>section 2</a:t>
+            </a:r>
+            <a:r>
+              <a:rPr lang="en-US" altLang="zh-CN" dirty="0">
+                <a:latin typeface="Times New Roman" panose="02020603050405020304" pitchFamily="18" charset="0"/>
+                <a:cs typeface="Times New Roman" panose="02020603050405020304" pitchFamily="18" charset="0"/>
+              </a:rPr>
+              <a:t>, also introduce common heuristics for every tasks; Draw a table about the relationship between tasks and heuristics, and also mark the property as Latency-Critical or Latency-Tolerant Task. Make common examples for each task.</a:t>
+            </a:r>
+          </a:p>
+          <a:p>
+            <a:pPr marL="171450" indent="-171450">
+              <a:lnSpc>
+                <a:spcPct val="150000"/>
+              </a:lnSpc>
+              <a:buFont typeface="Arial" panose="020B0604020202020204" pitchFamily="34" charset="0"/>
+              <a:buChar char="•"/>
+            </a:pPr>
+            <a:r>
+              <a:rPr lang="en-US" altLang="zh-CN" dirty="0">
+                <a:latin typeface="Times New Roman" panose="02020603050405020304" pitchFamily="18" charset="0"/>
+                <a:cs typeface="Times New Roman" panose="02020603050405020304" pitchFamily="18" charset="0"/>
+              </a:rPr>
+              <a:t>In </a:t>
+            </a:r>
+            <a:r>
+              <a:rPr lang="en-US" altLang="zh-CN" b="1" dirty="0">
+                <a:latin typeface="Times New Roman" panose="02020603050405020304" pitchFamily="18" charset="0"/>
+                <a:cs typeface="Times New Roman" panose="02020603050405020304" pitchFamily="18" charset="0"/>
+              </a:rPr>
+              <a:t>section 3</a:t>
+            </a:r>
+            <a:r>
+              <a:rPr lang="en-US" altLang="zh-CN" dirty="0">
+                <a:latin typeface="Times New Roman" panose="02020603050405020304" pitchFamily="18" charset="0"/>
+                <a:cs typeface="Times New Roman" panose="02020603050405020304" pitchFamily="18" charset="0"/>
+              </a:rPr>
+              <a:t>, for each method in each task, state the ML model, training method, inference location and improvement compared to traditional method (a line in the table).</a:t>
+            </a:r>
           </a:p>
         </p:txBody>
       </p:sp>
     </p:spTree>
     <p:extLst>
       <p:ext uri="{BB962C8B-B14F-4D97-AF65-F5344CB8AC3E}">
-        <p14:creationId xmlns:p14="http://schemas.microsoft.com/office/powerpoint/2010/main" val="2298568569"/>
+        <p14:creationId xmlns:p14="http://schemas.microsoft.com/office/powerpoint/2010/main" val="3863560523"/>
+      </p:ext>
+    </p:extLst>
+  </p:cSld>
+  <p:clrMapOvr>
+    <a:masterClrMapping/>
+  </p:clrMapOvr>
+</p:sld>
+</file>
+
+<file path=ppt/slides/slide3.xml><?xml version="1.0" encoding="utf-8"?>
+<p:sld xmlns:a="http://schemas.openxmlformats.org/drawingml/2006/main" xmlns:r="http://schemas.openxmlformats.org/officeDocument/2006/relationships" xmlns:p="http://schemas.openxmlformats.org/presentationml/2006/main">
+  <p:cSld>
+    <p:spTree>
+      <p:nvGrpSpPr>
+        <p:cNvPr id="1" name=""/>
+        <p:cNvGrpSpPr/>
+        <p:nvPr/>
+      </p:nvGrpSpPr>
+      <p:grpSpPr>
+        <a:xfrm>
+          <a:off x="0" y="0"/>
+          <a:ext cx="0" cy="0"/>
+          <a:chOff x="0" y="0"/>
+          <a:chExt cx="0" cy="0"/>
+        </a:xfrm>
+      </p:grpSpPr>
+      <p:sp>
+        <p:nvSpPr>
+          <p:cNvPr id="2" name="标题 1">
+            <a:extLst>
+              <a:ext uri="{FF2B5EF4-FFF2-40B4-BE49-F238E27FC236}">
+                <a16:creationId xmlns:a16="http://schemas.microsoft.com/office/drawing/2014/main" id="{263F94DF-5FBB-E1CA-1AA5-D7E737768244}"/>
+              </a:ext>
+            </a:extLst>
+          </p:cNvPr>
+          <p:cNvSpPr>
+            <a:spLocks noGrp="1"/>
+          </p:cNvSpPr>
+          <p:nvPr>
+            <p:ph type="title"/>
+          </p:nvPr>
+        </p:nvSpPr>
+        <p:spPr>
+          <a:xfrm>
+            <a:off x="838199" y="229733"/>
+            <a:ext cx="11789229" cy="451304"/>
+          </a:xfrm>
+        </p:spPr>
+        <p:txBody>
+          <a:bodyPr>
+            <a:noAutofit/>
+          </a:bodyPr>
+          <a:lstStyle/>
+          <a:p>
+            <a:r>
+              <a:rPr lang="en-US" altLang="zh-CN" sz="2800" b="1" dirty="0"/>
+              <a:t>I/O Scheduler (Manage a block device’s request queue)</a:t>
+            </a:r>
+            <a:endParaRPr lang="zh-CN" altLang="en-US" sz="2800" b="1" dirty="0"/>
+          </a:p>
+        </p:txBody>
+      </p:sp>
+      <p:sp>
+        <p:nvSpPr>
+          <p:cNvPr id="3" name="内容占位符 2">
+            <a:extLst>
+              <a:ext uri="{FF2B5EF4-FFF2-40B4-BE49-F238E27FC236}">
+                <a16:creationId xmlns:a16="http://schemas.microsoft.com/office/drawing/2014/main" id="{04057202-6AF7-C043-B925-0CA15DC783E5}"/>
+              </a:ext>
+            </a:extLst>
+          </p:cNvPr>
+          <p:cNvSpPr>
+            <a:spLocks noGrp="1"/>
+          </p:cNvSpPr>
+          <p:nvPr>
+            <p:ph idx="1"/>
+          </p:nvPr>
+        </p:nvSpPr>
+        <p:spPr>
+          <a:xfrm>
+            <a:off x="838200" y="859971"/>
+            <a:ext cx="10515600" cy="5316992"/>
+          </a:xfrm>
+        </p:spPr>
+        <p:txBody>
+          <a:bodyPr/>
+          <a:lstStyle/>
+          <a:p>
+            <a:r>
+              <a:rPr lang="en-US" altLang="zh-CN" dirty="0" err="1"/>
+              <a:t>Noop</a:t>
+            </a:r>
+            <a:endParaRPr lang="en-US" altLang="zh-CN" dirty="0"/>
+          </a:p>
+          <a:p>
+            <a:r>
+              <a:rPr lang="en-US" altLang="zh-CN" dirty="0" err="1"/>
+              <a:t>Cfq</a:t>
+            </a:r>
+            <a:endParaRPr lang="en-US" altLang="zh-CN" dirty="0"/>
+          </a:p>
+          <a:p>
+            <a:r>
+              <a:rPr lang="en-US" altLang="zh-CN" dirty="0"/>
+              <a:t>Deadline</a:t>
+            </a:r>
+          </a:p>
+          <a:p>
+            <a:r>
+              <a:rPr lang="en-US" altLang="zh-CN" dirty="0"/>
+              <a:t>Anticipatory</a:t>
+            </a:r>
+          </a:p>
+          <a:p>
+            <a:r>
+              <a:rPr lang="en-US" altLang="zh-CN"/>
+              <a:t>Linus Elevator </a:t>
+            </a:r>
+            <a:endParaRPr lang="zh-CN" altLang="en-US" dirty="0"/>
+          </a:p>
+        </p:txBody>
+      </p:sp>
+    </p:spTree>
+    <p:extLst>
+      <p:ext uri="{BB962C8B-B14F-4D97-AF65-F5344CB8AC3E}">
+        <p14:creationId xmlns:p14="http://schemas.microsoft.com/office/powerpoint/2010/main" val="1683538132"/>
       </p:ext>
     </p:extLst>
   </p:cSld>
@@ -4273,4 +6199,299 @@
     </a:ext>
   </a:extLst>
 </a:theme>
+</file>
+
+<file path=ppt/theme/theme2.xml><?xml version="1.0" encoding="utf-8"?>
+<a:theme xmlns:a="http://schemas.openxmlformats.org/drawingml/2006/main" name="Office 主题​​">
+  <a:themeElements>
+    <a:clrScheme name="Office">
+      <a:dk1>
+        <a:sysClr val="windowText" lastClr="000000"/>
+      </a:dk1>
+      <a:lt1>
+        <a:sysClr val="window" lastClr="FFFFFF"/>
+      </a:lt1>
+      <a:dk2>
+        <a:srgbClr val="44546A"/>
+      </a:dk2>
+      <a:lt2>
+        <a:srgbClr val="E7E6E6"/>
+      </a:lt2>
+      <a:accent1>
+        <a:srgbClr val="4472C4"/>
+      </a:accent1>
+      <a:accent2>
+        <a:srgbClr val="ED7D31"/>
+      </a:accent2>
+      <a:accent3>
+        <a:srgbClr val="A5A5A5"/>
+      </a:accent3>
+      <a:accent4>
+        <a:srgbClr val="FFC000"/>
+      </a:accent4>
+      <a:accent5>
+        <a:srgbClr val="5B9BD5"/>
+      </a:accent5>
+      <a:accent6>
+        <a:srgbClr val="70AD47"/>
+      </a:accent6>
+      <a:hlink>
+        <a:srgbClr val="0563C1"/>
+      </a:hlink>
+      <a:folHlink>
+        <a:srgbClr val="954F72"/>
+      </a:folHlink>
+    </a:clrScheme>
+    <a:fontScheme name="Office">
+      <a:majorFont>
+        <a:latin typeface="等线 Light" panose="020F0302020204030204"/>
+        <a:ea typeface=""/>
+        <a:cs typeface=""/>
+        <a:font script="Jpan" typeface="游ゴシック Light"/>
+        <a:font script="Hang" typeface="맑은 고딕"/>
+        <a:font script="Hans" typeface="等线 Light"/>
+        <a:font script="Hant" typeface="新細明體"/>
+        <a:font script="Arab" typeface="Times New Roman"/>
+        <a:font script="Hebr" typeface="Times New Roman"/>
+        <a:font script="Thai" typeface="Angsana New"/>
+        <a:font script="Ethi" typeface="Nyala"/>
+        <a:font script="Beng" typeface="Vrinda"/>
+        <a:font script="Gujr" typeface="Shruti"/>
+        <a:font script="Khmr" typeface="MoolBoran"/>
+        <a:font script="Knda" typeface="Tunga"/>
+        <a:font script="Guru" typeface="Raavi"/>
+        <a:font script="Cans" typeface="Euphemia"/>
+        <a:font script="Cher" typeface="Plantagenet Cherokee"/>
+        <a:font script="Yiii" typeface="Microsoft Yi Baiti"/>
+        <a:font script="Tibt" typeface="Microsoft Himalaya"/>
+        <a:font script="Thaa" typeface="MV Boli"/>
+        <a:font script="Deva" typeface="Mangal"/>
+        <a:font script="Telu" typeface="Gautami"/>
+        <a:font script="Taml" typeface="Latha"/>
+        <a:font script="Syrc" typeface="Estrangelo Edessa"/>
+        <a:font script="Orya" typeface="Kalinga"/>
+        <a:font script="Mlym" typeface="Kartika"/>
+        <a:font script="Laoo" typeface="DokChampa"/>
+        <a:font script="Sinh" typeface="Iskoola Pota"/>
+        <a:font script="Mong" typeface="Mongolian Baiti"/>
+        <a:font script="Viet" typeface="Times New Roman"/>
+        <a:font script="Uigh" typeface="Microsoft Uighur"/>
+        <a:font script="Geor" typeface="Sylfaen"/>
+        <a:font script="Armn" typeface="Arial"/>
+        <a:font script="Bugi" typeface="Leelawadee UI"/>
+        <a:font script="Bopo" typeface="Microsoft JhengHei"/>
+        <a:font script="Java" typeface="Javanese Text"/>
+        <a:font script="Lisu" typeface="Segoe UI"/>
+        <a:font script="Mymr" typeface="Myanmar Text"/>
+        <a:font script="Nkoo" typeface="Ebrima"/>
+        <a:font script="Olck" typeface="Nirmala UI"/>
+        <a:font script="Osma" typeface="Ebrima"/>
+        <a:font script="Phag" typeface="Phagspa"/>
+        <a:font script="Syrn" typeface="Estrangelo Edessa"/>
+        <a:font script="Syrj" typeface="Estrangelo Edessa"/>
+        <a:font script="Syre" typeface="Estrangelo Edessa"/>
+        <a:font script="Sora" typeface="Nirmala UI"/>
+        <a:font script="Tale" typeface="Microsoft Tai Le"/>
+        <a:font script="Talu" typeface="Microsoft New Tai Lue"/>
+        <a:font script="Tfng" typeface="Ebrima"/>
+      </a:majorFont>
+      <a:minorFont>
+        <a:latin typeface="等线" panose="020F0502020204030204"/>
+        <a:ea typeface=""/>
+        <a:cs typeface=""/>
+        <a:font script="Jpan" typeface="游ゴシック"/>
+        <a:font script="Hang" typeface="맑은 고딕"/>
+        <a:font script="Hans" typeface="等线"/>
+        <a:font script="Hant" typeface="新細明體"/>
+        <a:font script="Arab" typeface="Arial"/>
+        <a:font script="Hebr" typeface="Arial"/>
+        <a:font script="Thai" typeface="Cordia New"/>
+        <a:font script="Ethi" typeface="Nyala"/>
+        <a:font script="Beng" typeface="Vrinda"/>
+        <a:font script="Gujr" typeface="Shruti"/>
+        <a:font script="Khmr" typeface="DaunPenh"/>
+        <a:font script="Knda" typeface="Tunga"/>
+        <a:font script="Guru" typeface="Raavi"/>
+        <a:font script="Cans" typeface="Euphemia"/>
+        <a:font script="Cher" typeface="Plantagenet Cherokee"/>
+        <a:font script="Yiii" typeface="Microsoft Yi Baiti"/>
+        <a:font script="Tibt" typeface="Microsoft Himalaya"/>
+        <a:font script="Thaa" typeface="MV Boli"/>
+        <a:font script="Deva" typeface="Mangal"/>
+        <a:font script="Telu" typeface="Gautami"/>
+        <a:font script="Taml" typeface="Latha"/>
+        <a:font script="Syrc" typeface="Estrangelo Edessa"/>
+        <a:font script="Orya" typeface="Kalinga"/>
+        <a:font script="Mlym" typeface="Kartika"/>
+        <a:font script="Laoo" typeface="DokChampa"/>
+        <a:font script="Sinh" typeface="Iskoola Pota"/>
+        <a:font script="Mong" typeface="Mongolian Baiti"/>
+        <a:font script="Viet" typeface="Arial"/>
+        <a:font script="Uigh" typeface="Microsoft Uighur"/>
+        <a:font script="Geor" typeface="Sylfaen"/>
+        <a:font script="Armn" typeface="Arial"/>
+        <a:font script="Bugi" typeface="Leelawadee UI"/>
+        <a:font script="Bopo" typeface="Microsoft JhengHei"/>
+        <a:font script="Java" typeface="Javanese Text"/>
+        <a:font script="Lisu" typeface="Segoe UI"/>
+        <a:font script="Mymr" typeface="Myanmar Text"/>
+        <a:font script="Nkoo" typeface="Ebrima"/>
+        <a:font script="Olck" typeface="Nirmala UI"/>
+        <a:font script="Osma" typeface="Ebrima"/>
+        <a:font script="Phag" typeface="Phagspa"/>
+        <a:font script="Syrn" typeface="Estrangelo Edessa"/>
+        <a:font script="Syrj" typeface="Estrangelo Edessa"/>
+        <a:font script="Syre" typeface="Estrangelo Edessa"/>
+        <a:font script="Sora" typeface="Nirmala UI"/>
+        <a:font script="Tale" typeface="Microsoft Tai Le"/>
+        <a:font script="Talu" typeface="Microsoft New Tai Lue"/>
+        <a:font script="Tfng" typeface="Ebrima"/>
+      </a:minorFont>
+    </a:fontScheme>
+    <a:fmtScheme name="Office">
+      <a:fillStyleLst>
+        <a:solidFill>
+          <a:schemeClr val="phClr"/>
+        </a:solidFill>
+        <a:gradFill rotWithShape="1">
+          <a:gsLst>
+            <a:gs pos="0">
+              <a:schemeClr val="phClr">
+                <a:lumMod val="110000"/>
+                <a:satMod val="105000"/>
+                <a:tint val="67000"/>
+              </a:schemeClr>
+            </a:gs>
+            <a:gs pos="50000">
+              <a:schemeClr val="phClr">
+                <a:lumMod val="105000"/>
+                <a:satMod val="103000"/>
+                <a:tint val="73000"/>
+              </a:schemeClr>
+            </a:gs>
+            <a:gs pos="100000">
+              <a:schemeClr val="phClr">
+                <a:lumMod val="105000"/>
+                <a:satMod val="109000"/>
+                <a:tint val="81000"/>
+              </a:schemeClr>
+            </a:gs>
+          </a:gsLst>
+          <a:lin ang="5400000" scaled="0"/>
+        </a:gradFill>
+        <a:gradFill rotWithShape="1">
+          <a:gsLst>
+            <a:gs pos="0">
+              <a:schemeClr val="phClr">
+                <a:satMod val="103000"/>
+                <a:lumMod val="102000"/>
+                <a:tint val="94000"/>
+              </a:schemeClr>
+            </a:gs>
+            <a:gs pos="50000">
+              <a:schemeClr val="phClr">
+                <a:satMod val="110000"/>
+                <a:lumMod val="100000"/>
+                <a:shade val="100000"/>
+              </a:schemeClr>
+            </a:gs>
+            <a:gs pos="100000">
+              <a:schemeClr val="phClr">
+                <a:lumMod val="99000"/>
+                <a:satMod val="120000"/>
+                <a:shade val="78000"/>
+              </a:schemeClr>
+            </a:gs>
+          </a:gsLst>
+          <a:lin ang="5400000" scaled="0"/>
+        </a:gradFill>
+      </a:fillStyleLst>
+      <a:lnStyleLst>
+        <a:ln w="6350" cap="flat" cmpd="sng" algn="ctr">
+          <a:solidFill>
+            <a:schemeClr val="phClr"/>
+          </a:solidFill>
+          <a:prstDash val="solid"/>
+          <a:miter lim="800000"/>
+        </a:ln>
+        <a:ln w="12700" cap="flat" cmpd="sng" algn="ctr">
+          <a:solidFill>
+            <a:schemeClr val="phClr"/>
+          </a:solidFill>
+          <a:prstDash val="solid"/>
+          <a:miter lim="800000"/>
+        </a:ln>
+        <a:ln w="19050" cap="flat" cmpd="sng" algn="ctr">
+          <a:solidFill>
+            <a:schemeClr val="phClr"/>
+          </a:solidFill>
+          <a:prstDash val="solid"/>
+          <a:miter lim="800000"/>
+        </a:ln>
+      </a:lnStyleLst>
+      <a:effectStyleLst>
+        <a:effectStyle>
+          <a:effectLst/>
+        </a:effectStyle>
+        <a:effectStyle>
+          <a:effectLst/>
+        </a:effectStyle>
+        <a:effectStyle>
+          <a:effectLst>
+            <a:outerShdw blurRad="57150" dist="19050" dir="5400000" algn="ctr" rotWithShape="0">
+              <a:srgbClr val="000000">
+                <a:alpha val="63000"/>
+              </a:srgbClr>
+            </a:outerShdw>
+          </a:effectLst>
+        </a:effectStyle>
+      </a:effectStyleLst>
+      <a:bgFillStyleLst>
+        <a:solidFill>
+          <a:schemeClr val="phClr"/>
+        </a:solidFill>
+        <a:solidFill>
+          <a:schemeClr val="phClr">
+            <a:tint val="95000"/>
+            <a:satMod val="170000"/>
+          </a:schemeClr>
+        </a:solidFill>
+        <a:gradFill rotWithShape="1">
+          <a:gsLst>
+            <a:gs pos="0">
+              <a:schemeClr val="phClr">
+                <a:tint val="93000"/>
+                <a:satMod val="150000"/>
+                <a:shade val="98000"/>
+                <a:lumMod val="102000"/>
+              </a:schemeClr>
+            </a:gs>
+            <a:gs pos="50000">
+              <a:schemeClr val="phClr">
+                <a:tint val="98000"/>
+                <a:satMod val="130000"/>
+                <a:shade val="90000"/>
+                <a:lumMod val="103000"/>
+              </a:schemeClr>
+            </a:gs>
+            <a:gs pos="100000">
+              <a:schemeClr val="phClr">
+                <a:shade val="63000"/>
+                <a:satMod val="120000"/>
+              </a:schemeClr>
+            </a:gs>
+          </a:gsLst>
+          <a:lin ang="5400000" scaled="0"/>
+        </a:gradFill>
+      </a:bgFillStyleLst>
+    </a:fmtScheme>
+  </a:themeElements>
+  <a:objectDefaults/>
+  <a:extraClrSchemeLst/>
+  <a:extLst>
+    <a:ext uri="{05A4C25C-085E-4340-85A3-A5531E510DB2}">
+      <thm15:themeFamily xmlns:thm15="http://schemas.microsoft.com/office/thememl/2012/main" name="Office Theme" id="{62F939B6-93AF-4DB8-9C6B-D6C7DFDC589F}" vid="{4A3C46E8-61CC-4603-A589-7422A47A8E4A}"/>
+    </a:ext>
+  </a:extLst>
+</a:theme>
 </file>
--- a/Papers/ML Apply in OS/updates.pptx
+++ b/Papers/ML Apply in OS/updates.pptx
@@ -199,7 +199,7 @@
           <a:p>
             <a:fld id="{FAAEFEE4-5241-476D-A270-E097B1D7E668}" type="datetimeFigureOut">
               <a:rPr lang="zh-CN" altLang="en-US" smtClean="0"/>
-              <a:t>2023/10/6</a:t>
+              <a:t>2023/10/10</a:t>
             </a:fld>
             <a:endParaRPr lang="zh-CN" altLang="en-US"/>
           </a:p>
@@ -893,7 +893,7 @@
           <a:p>
             <a:fld id="{3446BE64-2E24-4CF0-9390-8E701061B494}" type="datetimeFigureOut">
               <a:rPr lang="zh-CN" altLang="en-US" smtClean="0"/>
-              <a:t>2023/10/6</a:t>
+              <a:t>2023/10/10</a:t>
             </a:fld>
             <a:endParaRPr lang="zh-CN" altLang="en-US"/>
           </a:p>
@@ -1091,7 +1091,7 @@
           <a:p>
             <a:fld id="{3446BE64-2E24-4CF0-9390-8E701061B494}" type="datetimeFigureOut">
               <a:rPr lang="zh-CN" altLang="en-US" smtClean="0"/>
-              <a:t>2023/10/6</a:t>
+              <a:t>2023/10/10</a:t>
             </a:fld>
             <a:endParaRPr lang="zh-CN" altLang="en-US"/>
           </a:p>
@@ -1299,7 +1299,7 @@
           <a:p>
             <a:fld id="{3446BE64-2E24-4CF0-9390-8E701061B494}" type="datetimeFigureOut">
               <a:rPr lang="zh-CN" altLang="en-US" smtClean="0"/>
-              <a:t>2023/10/6</a:t>
+              <a:t>2023/10/10</a:t>
             </a:fld>
             <a:endParaRPr lang="zh-CN" altLang="en-US"/>
           </a:p>
@@ -1497,7 +1497,7 @@
           <a:p>
             <a:fld id="{3446BE64-2E24-4CF0-9390-8E701061B494}" type="datetimeFigureOut">
               <a:rPr lang="zh-CN" altLang="en-US" smtClean="0"/>
-              <a:t>2023/10/6</a:t>
+              <a:t>2023/10/10</a:t>
             </a:fld>
             <a:endParaRPr lang="zh-CN" altLang="en-US"/>
           </a:p>
@@ -1772,7 +1772,7 @@
           <a:p>
             <a:fld id="{3446BE64-2E24-4CF0-9390-8E701061B494}" type="datetimeFigureOut">
               <a:rPr lang="zh-CN" altLang="en-US" smtClean="0"/>
-              <a:t>2023/10/6</a:t>
+              <a:t>2023/10/10</a:t>
             </a:fld>
             <a:endParaRPr lang="zh-CN" altLang="en-US"/>
           </a:p>
@@ -2037,7 +2037,7 @@
           <a:p>
             <a:fld id="{3446BE64-2E24-4CF0-9390-8E701061B494}" type="datetimeFigureOut">
               <a:rPr lang="zh-CN" altLang="en-US" smtClean="0"/>
-              <a:t>2023/10/6</a:t>
+              <a:t>2023/10/10</a:t>
             </a:fld>
             <a:endParaRPr lang="zh-CN" altLang="en-US"/>
           </a:p>
@@ -2449,7 +2449,7 @@
           <a:p>
             <a:fld id="{3446BE64-2E24-4CF0-9390-8E701061B494}" type="datetimeFigureOut">
               <a:rPr lang="zh-CN" altLang="en-US" smtClean="0"/>
-              <a:t>2023/10/6</a:t>
+              <a:t>2023/10/10</a:t>
             </a:fld>
             <a:endParaRPr lang="zh-CN" altLang="en-US"/>
           </a:p>
@@ -2590,7 +2590,7 @@
           <a:p>
             <a:fld id="{3446BE64-2E24-4CF0-9390-8E701061B494}" type="datetimeFigureOut">
               <a:rPr lang="zh-CN" altLang="en-US" smtClean="0"/>
-              <a:t>2023/10/6</a:t>
+              <a:t>2023/10/10</a:t>
             </a:fld>
             <a:endParaRPr lang="zh-CN" altLang="en-US"/>
           </a:p>
@@ -2703,7 +2703,7 @@
           <a:p>
             <a:fld id="{3446BE64-2E24-4CF0-9390-8E701061B494}" type="datetimeFigureOut">
               <a:rPr lang="zh-CN" altLang="en-US" smtClean="0"/>
-              <a:t>2023/10/6</a:t>
+              <a:t>2023/10/10</a:t>
             </a:fld>
             <a:endParaRPr lang="zh-CN" altLang="en-US"/>
           </a:p>
@@ -3014,7 +3014,7 @@
           <a:p>
             <a:fld id="{3446BE64-2E24-4CF0-9390-8E701061B494}" type="datetimeFigureOut">
               <a:rPr lang="zh-CN" altLang="en-US" smtClean="0"/>
-              <a:t>2023/10/6</a:t>
+              <a:t>2023/10/10</a:t>
             </a:fld>
             <a:endParaRPr lang="zh-CN" altLang="en-US"/>
           </a:p>
@@ -3302,7 +3302,7 @@
           <a:p>
             <a:fld id="{3446BE64-2E24-4CF0-9390-8E701061B494}" type="datetimeFigureOut">
               <a:rPr lang="zh-CN" altLang="en-US" smtClean="0"/>
-              <a:t>2023/10/6</a:t>
+              <a:t>2023/10/10</a:t>
             </a:fld>
             <a:endParaRPr lang="zh-CN" altLang="en-US"/>
           </a:p>
@@ -3543,7 +3543,7 @@
           <a:p>
             <a:fld id="{3446BE64-2E24-4CF0-9390-8E701061B494}" type="datetimeFigureOut">
               <a:rPr lang="zh-CN" altLang="en-US" smtClean="0"/>
-              <a:t>2023/10/6</a:t>
+              <a:t>2023/10/10</a:t>
             </a:fld>
             <a:endParaRPr lang="zh-CN" altLang="en-US"/>
           </a:p>
@@ -5852,44 +5852,97 @@
         <p:spPr>
           <a:xfrm>
             <a:off x="838200" y="859971"/>
-            <a:ext cx="10515600" cy="5316992"/>
+            <a:ext cx="10493830" cy="5638800"/>
           </a:xfrm>
         </p:spPr>
         <p:txBody>
-          <a:bodyPr/>
+          <a:bodyPr>
+            <a:normAutofit/>
+          </a:bodyPr>
           <a:lstStyle/>
           <a:p>
             <a:r>
-              <a:rPr lang="en-US" altLang="zh-CN" dirty="0" err="1"/>
+              <a:rPr lang="en-US" altLang="zh-CN" sz="2400" dirty="0"/>
+              <a:t>Basic Scheduling: (Queueing Algorithm)</a:t>
+            </a:r>
+          </a:p>
+          <a:p>
+            <a:pPr lvl="1"/>
+            <a:r>
+              <a:rPr lang="en-US" altLang="zh-CN" sz="2000" dirty="0" err="1"/>
               <a:t>Noop</a:t>
             </a:r>
-            <a:endParaRPr lang="en-US" altLang="zh-CN" dirty="0"/>
-          </a:p>
-          <a:p>
-            <a:r>
-              <a:rPr lang="en-US" altLang="zh-CN" dirty="0" err="1"/>
-              <a:t>Cfq</a:t>
-            </a:r>
-            <a:endParaRPr lang="en-US" altLang="zh-CN" dirty="0"/>
-          </a:p>
-          <a:p>
-            <a:r>
-              <a:rPr lang="en-US" altLang="zh-CN" dirty="0"/>
+            <a:endParaRPr lang="en-US" altLang="zh-CN" sz="2000" dirty="0"/>
+          </a:p>
+          <a:p>
+            <a:pPr lvl="1"/>
+            <a:r>
+              <a:rPr lang="en-US" altLang="zh-CN" sz="2000" dirty="0"/>
+              <a:t>CFQ</a:t>
+            </a:r>
+          </a:p>
+          <a:p>
+            <a:pPr lvl="1"/>
+            <a:r>
+              <a:rPr lang="en-US" altLang="zh-CN" sz="2000" dirty="0"/>
               <a:t>Deadline</a:t>
             </a:r>
           </a:p>
           <a:p>
-            <a:r>
-              <a:rPr lang="en-US" altLang="zh-CN" dirty="0"/>
+            <a:pPr lvl="1"/>
+            <a:r>
+              <a:rPr lang="en-US" altLang="zh-CN" sz="2000" dirty="0"/>
               <a:t>Anticipatory</a:t>
             </a:r>
           </a:p>
           <a:p>
             <a:r>
-              <a:rPr lang="en-US" altLang="zh-CN"/>
-              <a:t>Linus Elevator </a:t>
-            </a:r>
-            <a:endParaRPr lang="zh-CN" altLang="en-US" dirty="0"/>
+              <a:rPr lang="en-US" altLang="zh-CN" sz="2400" dirty="0"/>
+              <a:t>Heuristics:</a:t>
+            </a:r>
+          </a:p>
+          <a:p>
+            <a:pPr lvl="1"/>
+            <a:r>
+              <a:rPr lang="en-US" altLang="zh-CN" sz="2000" dirty="0"/>
+              <a:t>New queueing techniques (introduce new considerations)</a:t>
+            </a:r>
+          </a:p>
+          <a:p>
+            <a:pPr lvl="1"/>
+            <a:r>
+              <a:rPr lang="en-US" altLang="zh-CN" sz="2000" dirty="0"/>
+              <a:t>Model-based</a:t>
+            </a:r>
+          </a:p>
+          <a:p>
+            <a:pPr lvl="2"/>
+            <a:r>
+              <a:rPr lang="en-US" altLang="zh-CN" sz="1600" dirty="0"/>
+              <a:t>Traveling salesman problem</a:t>
+            </a:r>
+          </a:p>
+          <a:p>
+            <a:pPr lvl="2"/>
+            <a:r>
+              <a:rPr lang="en-US" altLang="zh-CN" sz="1600" dirty="0"/>
+              <a:t>K-coloring problem</a:t>
+            </a:r>
+          </a:p>
+          <a:p>
+            <a:pPr lvl="2"/>
+            <a:endParaRPr lang="en-US" altLang="zh-CN" sz="1600" dirty="0"/>
+          </a:p>
+          <a:p>
+            <a:pPr lvl="1"/>
+            <a:r>
+              <a:rPr lang="en-US" altLang="zh-CN" sz="2000" dirty="0"/>
+              <a:t>Device-specific</a:t>
+            </a:r>
+            <a:r>
+              <a:rPr lang="en-US" altLang="zh-CN" sz="2000"/>
+              <a:t>/Black-box Model</a:t>
+            </a:r>
           </a:p>
         </p:txBody>
       </p:sp>

--- a/Papers/ML Apply in OS/updates.pptx
+++ b/Papers/ML Apply in OS/updates.pptx
@@ -5,12 +5,14 @@
     <p:sldMasterId id="2147483648" r:id="rId1"/>
   </p:sldMasterIdLst>
   <p:notesMasterIdLst>
-    <p:notesMasterId r:id="rId5"/>
+    <p:notesMasterId r:id="rId7"/>
   </p:notesMasterIdLst>
   <p:sldIdLst>
     <p:sldId id="257" r:id="rId2"/>
     <p:sldId id="259" r:id="rId3"/>
     <p:sldId id="260" r:id="rId4"/>
+    <p:sldId id="262" r:id="rId5"/>
+    <p:sldId id="263" r:id="rId6"/>
   </p:sldIdLst>
   <p:sldSz cx="12192000" cy="6858000"/>
   <p:notesSz cx="6858000" cy="9144000"/>
@@ -199,7 +201,7 @@
           <a:p>
             <a:fld id="{FAAEFEE4-5241-476D-A270-E097B1D7E668}" type="datetimeFigureOut">
               <a:rPr lang="zh-CN" altLang="en-US" smtClean="0"/>
-              <a:t>2023/10/10</a:t>
+              <a:t>2023/10/12</a:t>
             </a:fld>
             <a:endParaRPr lang="zh-CN" altLang="en-US"/>
           </a:p>
@@ -706,6 +708,34 @@
           <a:bodyPr/>
           <a:lstStyle/>
           <a:p>
+            <a:r>
+              <a:rPr lang="en-US" altLang="zh-CN" dirty="0" err="1"/>
+              <a:t>Noop</a:t>
+            </a:r>
+            <a:r>
+              <a:rPr lang="en-US" altLang="zh-CN" dirty="0"/>
+              <a:t>: Random</a:t>
+            </a:r>
+          </a:p>
+          <a:p>
+            <a:r>
+              <a:rPr lang="en-US" altLang="zh-CN" dirty="0"/>
+              <a:t>Deadline: sort based on deadline</a:t>
+            </a:r>
+          </a:p>
+          <a:p>
+            <a:r>
+              <a:rPr lang="en-US" altLang="zh-CN" dirty="0"/>
+              <a:t>Anticipatory: predict the location for next request</a:t>
+            </a:r>
+          </a:p>
+          <a:p>
+            <a:r>
+              <a:rPr lang="en-US" altLang="zh-CN" dirty="0"/>
+              <a:t>CFQ: one queue for one process; round-robin way</a:t>
+            </a:r>
+          </a:p>
+          <a:p>
             <a:endParaRPr lang="zh-CN" altLang="en-US" dirty="0"/>
           </a:p>
         </p:txBody>
@@ -737,6 +767,178 @@
     <p:extLst>
       <p:ext uri="{BB962C8B-B14F-4D97-AF65-F5344CB8AC3E}">
         <p14:creationId xmlns:p14="http://schemas.microsoft.com/office/powerpoint/2010/main" val="254929210"/>
+      </p:ext>
+    </p:extLst>
+  </p:cSld>
+  <p:clrMapOvr>
+    <a:masterClrMapping/>
+  </p:clrMapOvr>
+</p:notes>
+</file>
+
+<file path=ppt/notesSlides/notesSlide4.xml><?xml version="1.0" encoding="utf-8"?>
+<p:notes xmlns:a="http://schemas.openxmlformats.org/drawingml/2006/main" xmlns:r="http://schemas.openxmlformats.org/officeDocument/2006/relationships" xmlns:p="http://schemas.openxmlformats.org/presentationml/2006/main">
+  <p:cSld>
+    <p:spTree>
+      <p:nvGrpSpPr>
+        <p:cNvPr id="1" name=""/>
+        <p:cNvGrpSpPr/>
+        <p:nvPr/>
+      </p:nvGrpSpPr>
+      <p:grpSpPr>
+        <a:xfrm>
+          <a:off x="0" y="0"/>
+          <a:ext cx="0" cy="0"/>
+          <a:chOff x="0" y="0"/>
+          <a:chExt cx="0" cy="0"/>
+        </a:xfrm>
+      </p:grpSpPr>
+      <p:sp>
+        <p:nvSpPr>
+          <p:cNvPr id="2" name="幻灯片图像占位符 1"/>
+          <p:cNvSpPr>
+            <a:spLocks noGrp="1" noRot="1" noChangeAspect="1"/>
+          </p:cNvSpPr>
+          <p:nvPr>
+            <p:ph type="sldImg"/>
+          </p:nvPr>
+        </p:nvSpPr>
+        <p:spPr/>
+      </p:sp>
+      <p:sp>
+        <p:nvSpPr>
+          <p:cNvPr id="3" name="备注占位符 2"/>
+          <p:cNvSpPr>
+            <a:spLocks noGrp="1"/>
+          </p:cNvSpPr>
+          <p:nvPr>
+            <p:ph type="body" idx="1"/>
+          </p:nvPr>
+        </p:nvSpPr>
+        <p:spPr/>
+        <p:txBody>
+          <a:bodyPr/>
+          <a:lstStyle/>
+          <a:p>
+            <a:endParaRPr lang="zh-CN" altLang="en-US" dirty="0"/>
+          </a:p>
+        </p:txBody>
+      </p:sp>
+      <p:sp>
+        <p:nvSpPr>
+          <p:cNvPr id="4" name="灯片编号占位符 3"/>
+          <p:cNvSpPr>
+            <a:spLocks noGrp="1"/>
+          </p:cNvSpPr>
+          <p:nvPr>
+            <p:ph type="sldNum" sz="quarter" idx="5"/>
+          </p:nvPr>
+        </p:nvSpPr>
+        <p:spPr/>
+        <p:txBody>
+          <a:bodyPr/>
+          <a:lstStyle/>
+          <a:p>
+            <a:fld id="{DB4026C6-A45E-455A-8608-93E05E851B40}" type="slidenum">
+              <a:rPr lang="zh-CN" altLang="en-US" smtClean="0"/>
+              <a:t>4</a:t>
+            </a:fld>
+            <a:endParaRPr lang="zh-CN" altLang="en-US"/>
+          </a:p>
+        </p:txBody>
+      </p:sp>
+    </p:spTree>
+    <p:extLst>
+      <p:ext uri="{BB962C8B-B14F-4D97-AF65-F5344CB8AC3E}">
+        <p14:creationId xmlns:p14="http://schemas.microsoft.com/office/powerpoint/2010/main" val="3860250940"/>
+      </p:ext>
+    </p:extLst>
+  </p:cSld>
+  <p:clrMapOvr>
+    <a:masterClrMapping/>
+  </p:clrMapOvr>
+</p:notes>
+</file>
+
+<file path=ppt/notesSlides/notesSlide5.xml><?xml version="1.0" encoding="utf-8"?>
+<p:notes xmlns:a="http://schemas.openxmlformats.org/drawingml/2006/main" xmlns:r="http://schemas.openxmlformats.org/officeDocument/2006/relationships" xmlns:p="http://schemas.openxmlformats.org/presentationml/2006/main">
+  <p:cSld>
+    <p:spTree>
+      <p:nvGrpSpPr>
+        <p:cNvPr id="1" name=""/>
+        <p:cNvGrpSpPr/>
+        <p:nvPr/>
+      </p:nvGrpSpPr>
+      <p:grpSpPr>
+        <a:xfrm>
+          <a:off x="0" y="0"/>
+          <a:ext cx="0" cy="0"/>
+          <a:chOff x="0" y="0"/>
+          <a:chExt cx="0" cy="0"/>
+        </a:xfrm>
+      </p:grpSpPr>
+      <p:sp>
+        <p:nvSpPr>
+          <p:cNvPr id="2" name="幻灯片图像占位符 1"/>
+          <p:cNvSpPr>
+            <a:spLocks noGrp="1" noRot="1" noChangeAspect="1"/>
+          </p:cNvSpPr>
+          <p:nvPr>
+            <p:ph type="sldImg"/>
+          </p:nvPr>
+        </p:nvSpPr>
+        <p:spPr/>
+      </p:sp>
+      <p:sp>
+        <p:nvSpPr>
+          <p:cNvPr id="3" name="备注占位符 2"/>
+          <p:cNvSpPr>
+            <a:spLocks noGrp="1"/>
+          </p:cNvSpPr>
+          <p:nvPr>
+            <p:ph type="body" idx="1"/>
+          </p:nvPr>
+        </p:nvSpPr>
+        <p:spPr/>
+        <p:txBody>
+          <a:bodyPr/>
+          <a:lstStyle/>
+          <a:p>
+            <a:r>
+              <a:rPr lang="en-US" altLang="zh-CN" dirty="0"/>
+              <a:t>Each source will have a flow, it will have the transmission rate and order for sending.</a:t>
+            </a:r>
+            <a:endParaRPr lang="zh-CN" altLang="en-US" dirty="0"/>
+          </a:p>
+        </p:txBody>
+      </p:sp>
+      <p:sp>
+        <p:nvSpPr>
+          <p:cNvPr id="4" name="灯片编号占位符 3"/>
+          <p:cNvSpPr>
+            <a:spLocks noGrp="1"/>
+          </p:cNvSpPr>
+          <p:nvPr>
+            <p:ph type="sldNum" sz="quarter" idx="5"/>
+          </p:nvPr>
+        </p:nvSpPr>
+        <p:spPr/>
+        <p:txBody>
+          <a:bodyPr/>
+          <a:lstStyle/>
+          <a:p>
+            <a:fld id="{DB4026C6-A45E-455A-8608-93E05E851B40}" type="slidenum">
+              <a:rPr lang="zh-CN" altLang="en-US" smtClean="0"/>
+              <a:t>5</a:t>
+            </a:fld>
+            <a:endParaRPr lang="zh-CN" altLang="en-US"/>
+          </a:p>
+        </p:txBody>
+      </p:sp>
+    </p:spTree>
+    <p:extLst>
+      <p:ext uri="{BB962C8B-B14F-4D97-AF65-F5344CB8AC3E}">
+        <p14:creationId xmlns:p14="http://schemas.microsoft.com/office/powerpoint/2010/main" val="3343294484"/>
       </p:ext>
     </p:extLst>
   </p:cSld>
@@ -893,7 +1095,7 @@
           <a:p>
             <a:fld id="{3446BE64-2E24-4CF0-9390-8E701061B494}" type="datetimeFigureOut">
               <a:rPr lang="zh-CN" altLang="en-US" smtClean="0"/>
-              <a:t>2023/10/10</a:t>
+              <a:t>2023/10/12</a:t>
             </a:fld>
             <a:endParaRPr lang="zh-CN" altLang="en-US"/>
           </a:p>
@@ -1091,7 +1293,7 @@
           <a:p>
             <a:fld id="{3446BE64-2E24-4CF0-9390-8E701061B494}" type="datetimeFigureOut">
               <a:rPr lang="zh-CN" altLang="en-US" smtClean="0"/>
-              <a:t>2023/10/10</a:t>
+              <a:t>2023/10/12</a:t>
             </a:fld>
             <a:endParaRPr lang="zh-CN" altLang="en-US"/>
           </a:p>
@@ -1299,7 +1501,7 @@
           <a:p>
             <a:fld id="{3446BE64-2E24-4CF0-9390-8E701061B494}" type="datetimeFigureOut">
               <a:rPr lang="zh-CN" altLang="en-US" smtClean="0"/>
-              <a:t>2023/10/10</a:t>
+              <a:t>2023/10/12</a:t>
             </a:fld>
             <a:endParaRPr lang="zh-CN" altLang="en-US"/>
           </a:p>
@@ -1497,7 +1699,7 @@
           <a:p>
             <a:fld id="{3446BE64-2E24-4CF0-9390-8E701061B494}" type="datetimeFigureOut">
               <a:rPr lang="zh-CN" altLang="en-US" smtClean="0"/>
-              <a:t>2023/10/10</a:t>
+              <a:t>2023/10/12</a:t>
             </a:fld>
             <a:endParaRPr lang="zh-CN" altLang="en-US"/>
           </a:p>
@@ -1772,7 +1974,7 @@
           <a:p>
             <a:fld id="{3446BE64-2E24-4CF0-9390-8E701061B494}" type="datetimeFigureOut">
               <a:rPr lang="zh-CN" altLang="en-US" smtClean="0"/>
-              <a:t>2023/10/10</a:t>
+              <a:t>2023/10/12</a:t>
             </a:fld>
             <a:endParaRPr lang="zh-CN" altLang="en-US"/>
           </a:p>
@@ -2037,7 +2239,7 @@
           <a:p>
             <a:fld id="{3446BE64-2E24-4CF0-9390-8E701061B494}" type="datetimeFigureOut">
               <a:rPr lang="zh-CN" altLang="en-US" smtClean="0"/>
-              <a:t>2023/10/10</a:t>
+              <a:t>2023/10/12</a:t>
             </a:fld>
             <a:endParaRPr lang="zh-CN" altLang="en-US"/>
           </a:p>
@@ -2449,7 +2651,7 @@
           <a:p>
             <a:fld id="{3446BE64-2E24-4CF0-9390-8E701061B494}" type="datetimeFigureOut">
               <a:rPr lang="zh-CN" altLang="en-US" smtClean="0"/>
-              <a:t>2023/10/10</a:t>
+              <a:t>2023/10/12</a:t>
             </a:fld>
             <a:endParaRPr lang="zh-CN" altLang="en-US"/>
           </a:p>
@@ -2590,7 +2792,7 @@
           <a:p>
             <a:fld id="{3446BE64-2E24-4CF0-9390-8E701061B494}" type="datetimeFigureOut">
               <a:rPr lang="zh-CN" altLang="en-US" smtClean="0"/>
-              <a:t>2023/10/10</a:t>
+              <a:t>2023/10/12</a:t>
             </a:fld>
             <a:endParaRPr lang="zh-CN" altLang="en-US"/>
           </a:p>
@@ -2703,7 +2905,7 @@
           <a:p>
             <a:fld id="{3446BE64-2E24-4CF0-9390-8E701061B494}" type="datetimeFigureOut">
               <a:rPr lang="zh-CN" altLang="en-US" smtClean="0"/>
-              <a:t>2023/10/10</a:t>
+              <a:t>2023/10/12</a:t>
             </a:fld>
             <a:endParaRPr lang="zh-CN" altLang="en-US"/>
           </a:p>
@@ -3014,7 +3216,7 @@
           <a:p>
             <a:fld id="{3446BE64-2E24-4CF0-9390-8E701061B494}" type="datetimeFigureOut">
               <a:rPr lang="zh-CN" altLang="en-US" smtClean="0"/>
-              <a:t>2023/10/10</a:t>
+              <a:t>2023/10/12</a:t>
             </a:fld>
             <a:endParaRPr lang="zh-CN" altLang="en-US"/>
           </a:p>
@@ -3302,7 +3504,7 @@
           <a:p>
             <a:fld id="{3446BE64-2E24-4CF0-9390-8E701061B494}" type="datetimeFigureOut">
               <a:rPr lang="zh-CN" altLang="en-US" smtClean="0"/>
-              <a:t>2023/10/10</a:t>
+              <a:t>2023/10/12</a:t>
             </a:fld>
             <a:endParaRPr lang="zh-CN" altLang="en-US"/>
           </a:p>
@@ -3543,7 +3745,7 @@
           <a:p>
             <a:fld id="{3446BE64-2E24-4CF0-9390-8E701061B494}" type="datetimeFigureOut">
               <a:rPr lang="zh-CN" altLang="en-US" smtClean="0"/>
-              <a:t>2023/10/10</a:t>
+              <a:t>2023/10/12</a:t>
             </a:fld>
             <a:endParaRPr lang="zh-CN" altLang="en-US"/>
           </a:p>
@@ -4862,7 +5064,7 @@
             </a:pPr>
             <a:r>
               <a:rPr lang="en-US" altLang="zh-CN" dirty="0"/>
-              <a:t>3.2 Task2: Scheduling</a:t>
+              <a:t>3.2 Task2: Process Scheduling</a:t>
             </a:r>
           </a:p>
           <a:p>
@@ -5815,7 +6017,7 @@
         </p:nvSpPr>
         <p:spPr>
           <a:xfrm>
-            <a:off x="838199" y="229733"/>
+            <a:off x="838200" y="650443"/>
             <a:ext cx="11789229" cy="451304"/>
           </a:xfrm>
         </p:spPr>
@@ -5851,8 +6053,8 @@
         </p:nvSpPr>
         <p:spPr>
           <a:xfrm>
-            <a:off x="838200" y="859971"/>
-            <a:ext cx="10493830" cy="5638800"/>
+            <a:off x="838200" y="1528293"/>
+            <a:ext cx="10493830" cy="4970478"/>
           </a:xfrm>
         </p:spPr>
         <p:txBody>
@@ -5863,7 +6065,15 @@
           <a:p>
             <a:r>
               <a:rPr lang="en-US" altLang="zh-CN" sz="2400" dirty="0"/>
-              <a:t>Basic Scheduling: (Queueing Algorithm)</a:t>
+              <a:t>Basic Scheduling: (</a:t>
+            </a:r>
+            <a:r>
+              <a:rPr lang="en-US" altLang="zh-CN" sz="2400" b="1" dirty="0"/>
+              <a:t>Queueing Algorithm</a:t>
+            </a:r>
+            <a:r>
+              <a:rPr lang="en-US" altLang="zh-CN" sz="2400" dirty="0"/>
+              <a:t>)</a:t>
             </a:r>
           </a:p>
           <a:p>
@@ -5878,7 +6088,7 @@
             <a:pPr lvl="1"/>
             <a:r>
               <a:rPr lang="en-US" altLang="zh-CN" sz="2000" dirty="0"/>
-              <a:t>CFQ</a:t>
+              <a:t>Completely Fair Queuing</a:t>
             </a:r>
           </a:p>
           <a:p>
@@ -5897,8 +6107,12 @@
           </a:p>
           <a:p>
             <a:r>
+              <a:rPr lang="en-US" altLang="zh-CN" sz="2400" b="1" dirty="0"/>
+              <a:t>Heuristics</a:t>
+            </a:r>
+            <a:r>
               <a:rPr lang="en-US" altLang="zh-CN" sz="2400" dirty="0"/>
-              <a:t>Heuristics:</a:t>
+              <a:t>:</a:t>
             </a:r>
           </a:p>
           <a:p>
@@ -5930,18 +6144,17 @@
             </a:r>
           </a:p>
           <a:p>
-            <a:pPr lvl="2"/>
-            <a:endParaRPr lang="en-US" altLang="zh-CN" sz="1600" dirty="0"/>
-          </a:p>
-          <a:p>
             <a:pPr lvl="1"/>
             <a:r>
               <a:rPr lang="en-US" altLang="zh-CN" sz="2000" dirty="0"/>
               <a:t>Device-specific</a:t>
             </a:r>
-            <a:r>
-              <a:rPr lang="en-US" altLang="zh-CN" sz="2000"/>
-              <a:t>/Black-box Model</a:t>
+          </a:p>
+          <a:p>
+            <a:pPr lvl="1"/>
+            <a:r>
+              <a:rPr lang="en-US" altLang="zh-CN" sz="2000" dirty="0"/>
+              <a:t>Based on historical statistics</a:t>
             </a:r>
           </a:p>
         </p:txBody>
@@ -5950,6 +6163,436 @@
     <p:extLst>
       <p:ext uri="{BB962C8B-B14F-4D97-AF65-F5344CB8AC3E}">
         <p14:creationId xmlns:p14="http://schemas.microsoft.com/office/powerpoint/2010/main" val="1683538132"/>
+      </p:ext>
+    </p:extLst>
+  </p:cSld>
+  <p:clrMapOvr>
+    <a:masterClrMapping/>
+  </p:clrMapOvr>
+</p:sld>
+</file>
+
+<file path=ppt/slides/slide4.xml><?xml version="1.0" encoding="utf-8"?>
+<p:sld xmlns:a="http://schemas.openxmlformats.org/drawingml/2006/main" xmlns:r="http://schemas.openxmlformats.org/officeDocument/2006/relationships" xmlns:p="http://schemas.openxmlformats.org/presentationml/2006/main">
+  <p:cSld>
+    <p:spTree>
+      <p:nvGrpSpPr>
+        <p:cNvPr id="1" name=""/>
+        <p:cNvGrpSpPr/>
+        <p:nvPr/>
+      </p:nvGrpSpPr>
+      <p:grpSpPr>
+        <a:xfrm>
+          <a:off x="0" y="0"/>
+          <a:ext cx="0" cy="0"/>
+          <a:chOff x="0" y="0"/>
+          <a:chExt cx="0" cy="0"/>
+        </a:xfrm>
+      </p:grpSpPr>
+      <p:sp>
+        <p:nvSpPr>
+          <p:cNvPr id="2" name="标题 1">
+            <a:extLst>
+              <a:ext uri="{FF2B5EF4-FFF2-40B4-BE49-F238E27FC236}">
+                <a16:creationId xmlns:a16="http://schemas.microsoft.com/office/drawing/2014/main" id="{263F94DF-5FBB-E1CA-1AA5-D7E737768244}"/>
+              </a:ext>
+            </a:extLst>
+          </p:cNvPr>
+          <p:cNvSpPr>
+            <a:spLocks noGrp="1"/>
+          </p:cNvSpPr>
+          <p:nvPr>
+            <p:ph type="title"/>
+          </p:nvPr>
+        </p:nvSpPr>
+        <p:spPr>
+          <a:xfrm>
+            <a:off x="838200" y="650443"/>
+            <a:ext cx="11789229" cy="451304"/>
+          </a:xfrm>
+        </p:spPr>
+        <p:txBody>
+          <a:bodyPr>
+            <a:noAutofit/>
+          </a:bodyPr>
+          <a:lstStyle/>
+          <a:p>
+            <a:r>
+              <a:rPr lang="en-US" altLang="zh-CN" sz="2800" b="1" dirty="0"/>
+              <a:t>Scheduler (Schedule the process on multi-processors)</a:t>
+            </a:r>
+            <a:endParaRPr lang="zh-CN" altLang="en-US" sz="2800" b="1" dirty="0"/>
+          </a:p>
+        </p:txBody>
+      </p:sp>
+      <p:sp>
+        <p:nvSpPr>
+          <p:cNvPr id="3" name="内容占位符 2">
+            <a:extLst>
+              <a:ext uri="{FF2B5EF4-FFF2-40B4-BE49-F238E27FC236}">
+                <a16:creationId xmlns:a16="http://schemas.microsoft.com/office/drawing/2014/main" id="{04057202-6AF7-C043-B925-0CA15DC783E5}"/>
+              </a:ext>
+            </a:extLst>
+          </p:cNvPr>
+          <p:cNvSpPr>
+            <a:spLocks noGrp="1"/>
+          </p:cNvSpPr>
+          <p:nvPr>
+            <p:ph idx="1"/>
+          </p:nvPr>
+        </p:nvSpPr>
+        <p:spPr>
+          <a:xfrm>
+            <a:off x="838200" y="1528293"/>
+            <a:ext cx="10493830" cy="5245994"/>
+          </a:xfrm>
+        </p:spPr>
+        <p:txBody>
+          <a:bodyPr>
+            <a:normAutofit/>
+          </a:bodyPr>
+          <a:lstStyle/>
+          <a:p>
+            <a:r>
+              <a:rPr lang="en-US" altLang="zh-CN" sz="2400" dirty="0"/>
+              <a:t>Basic Scheduling: (</a:t>
+            </a:r>
+            <a:r>
+              <a:rPr lang="en-US" altLang="zh-CN" sz="2400" b="1" dirty="0"/>
+              <a:t>Queueing</a:t>
+            </a:r>
+            <a:r>
+              <a:rPr lang="en-US" altLang="zh-CN" sz="2400" dirty="0"/>
+              <a:t> Algorithm)</a:t>
+            </a:r>
+          </a:p>
+          <a:p>
+            <a:pPr lvl="1"/>
+            <a:r>
+              <a:rPr lang="en-US" altLang="zh-CN" sz="2000" dirty="0"/>
+              <a:t>Earliest Deadline First</a:t>
+            </a:r>
+          </a:p>
+          <a:p>
+            <a:pPr lvl="1"/>
+            <a:r>
+              <a:rPr lang="en-US" altLang="zh-CN" sz="2000" dirty="0"/>
+              <a:t>First Come First Serve (FCFS)</a:t>
+            </a:r>
+          </a:p>
+          <a:p>
+            <a:pPr lvl="1"/>
+            <a:r>
+              <a:rPr lang="en-US" altLang="zh-CN" sz="2000" dirty="0"/>
+              <a:t>Least Estimated Work First (LEWF)</a:t>
+            </a:r>
+          </a:p>
+          <a:p>
+            <a:pPr lvl="1"/>
+            <a:r>
+              <a:rPr lang="en-US" altLang="zh-CN" sz="2000" dirty="0"/>
+              <a:t>Least Estimated Remaining Work First (LERWF)</a:t>
+            </a:r>
+          </a:p>
+          <a:p>
+            <a:r>
+              <a:rPr lang="en-US" altLang="zh-CN" sz="2400" b="1" dirty="0"/>
+              <a:t>Heuristics</a:t>
+            </a:r>
+            <a:r>
+              <a:rPr lang="en-US" altLang="zh-CN" sz="2400" dirty="0"/>
+              <a:t>:</a:t>
+            </a:r>
+          </a:p>
+          <a:p>
+            <a:pPr lvl="1"/>
+            <a:r>
+              <a:rPr lang="en-US" altLang="zh-CN" sz="2000" dirty="0"/>
+              <a:t>Optimization Problem View (Model-based)</a:t>
+            </a:r>
+          </a:p>
+          <a:p>
+            <a:pPr lvl="2"/>
+            <a:r>
+              <a:rPr lang="en-US" altLang="zh-CN" sz="1600" dirty="0"/>
+              <a:t>Genetic Algorithm</a:t>
+            </a:r>
+          </a:p>
+          <a:p>
+            <a:pPr lvl="2"/>
+            <a:r>
+              <a:rPr lang="en-US" altLang="zh-CN" sz="1600" dirty="0"/>
+              <a:t>Greedy Algorithm</a:t>
+            </a:r>
+          </a:p>
+          <a:p>
+            <a:pPr lvl="2"/>
+            <a:r>
+              <a:rPr lang="en-US" altLang="zh-CN" sz="1600" dirty="0"/>
+              <a:t>Dynamic Programming</a:t>
+            </a:r>
+          </a:p>
+          <a:p>
+            <a:pPr lvl="2"/>
+            <a:r>
+              <a:rPr lang="en-US" altLang="zh-CN" sz="1600" dirty="0"/>
+              <a:t>Distributed Computation</a:t>
+            </a:r>
+          </a:p>
+          <a:p>
+            <a:pPr lvl="1"/>
+            <a:r>
+              <a:rPr lang="en-US" altLang="zh-CN" sz="2000" dirty="0"/>
+              <a:t>Statistics</a:t>
+            </a:r>
+          </a:p>
+          <a:p>
+            <a:pPr lvl="2"/>
+            <a:r>
+              <a:rPr lang="en-US" altLang="zh-CN" sz="1600" dirty="0"/>
+              <a:t>Hardware provided</a:t>
+            </a:r>
+          </a:p>
+          <a:p>
+            <a:pPr lvl="2"/>
+            <a:r>
+              <a:rPr lang="en-US" altLang="zh-CN" sz="1600" dirty="0"/>
+              <a:t>User provided</a:t>
+            </a:r>
+          </a:p>
+          <a:p>
+            <a:pPr lvl="1"/>
+            <a:r>
+              <a:rPr lang="en-US" altLang="zh-CN" sz="2000" dirty="0"/>
+              <a:t>Based on historical statistics</a:t>
+            </a:r>
+          </a:p>
+        </p:txBody>
+      </p:sp>
+    </p:spTree>
+    <p:extLst>
+      <p:ext uri="{BB962C8B-B14F-4D97-AF65-F5344CB8AC3E}">
+        <p14:creationId xmlns:p14="http://schemas.microsoft.com/office/powerpoint/2010/main" val="2843935425"/>
+      </p:ext>
+    </p:extLst>
+  </p:cSld>
+  <p:clrMapOvr>
+    <a:masterClrMapping/>
+  </p:clrMapOvr>
+</p:sld>
+</file>
+
+<file path=ppt/slides/slide5.xml><?xml version="1.0" encoding="utf-8"?>
+<p:sld xmlns:a="http://schemas.openxmlformats.org/drawingml/2006/main" xmlns:r="http://schemas.openxmlformats.org/officeDocument/2006/relationships" xmlns:p="http://schemas.openxmlformats.org/presentationml/2006/main">
+  <p:cSld>
+    <p:spTree>
+      <p:nvGrpSpPr>
+        <p:cNvPr id="1" name=""/>
+        <p:cNvGrpSpPr/>
+        <p:nvPr/>
+      </p:nvGrpSpPr>
+      <p:grpSpPr>
+        <a:xfrm>
+          <a:off x="0" y="0"/>
+          <a:ext cx="0" cy="0"/>
+          <a:chOff x="0" y="0"/>
+          <a:chExt cx="0" cy="0"/>
+        </a:xfrm>
+      </p:grpSpPr>
+      <p:sp>
+        <p:nvSpPr>
+          <p:cNvPr id="2" name="标题 1">
+            <a:extLst>
+              <a:ext uri="{FF2B5EF4-FFF2-40B4-BE49-F238E27FC236}">
+                <a16:creationId xmlns:a16="http://schemas.microsoft.com/office/drawing/2014/main" id="{263F94DF-5FBB-E1CA-1AA5-D7E737768244}"/>
+              </a:ext>
+            </a:extLst>
+          </p:cNvPr>
+          <p:cNvSpPr>
+            <a:spLocks noGrp="1"/>
+          </p:cNvSpPr>
+          <p:nvPr>
+            <p:ph type="title"/>
+          </p:nvPr>
+        </p:nvSpPr>
+        <p:spPr>
+          <a:xfrm>
+            <a:off x="838200" y="650443"/>
+            <a:ext cx="11789229" cy="451304"/>
+          </a:xfrm>
+        </p:spPr>
+        <p:txBody>
+          <a:bodyPr>
+            <a:noAutofit/>
+          </a:bodyPr>
+          <a:lstStyle/>
+          <a:p>
+            <a:r>
+              <a:rPr lang="en-US" altLang="zh-CN" sz="2800" b="1" dirty="0"/>
+              <a:t>Network (Congestion Control &amp; Modify Transmission Rate &amp; Flow)</a:t>
+            </a:r>
+            <a:endParaRPr lang="zh-CN" altLang="en-US" sz="2800" b="1" dirty="0"/>
+          </a:p>
+        </p:txBody>
+      </p:sp>
+      <p:sp>
+        <p:nvSpPr>
+          <p:cNvPr id="3" name="内容占位符 2">
+            <a:extLst>
+              <a:ext uri="{FF2B5EF4-FFF2-40B4-BE49-F238E27FC236}">
+                <a16:creationId xmlns:a16="http://schemas.microsoft.com/office/drawing/2014/main" id="{04057202-6AF7-C043-B925-0CA15DC783E5}"/>
+              </a:ext>
+            </a:extLst>
+          </p:cNvPr>
+          <p:cNvSpPr>
+            <a:spLocks noGrp="1"/>
+          </p:cNvSpPr>
+          <p:nvPr>
+            <p:ph idx="1"/>
+          </p:nvPr>
+        </p:nvSpPr>
+        <p:spPr>
+          <a:xfrm>
+            <a:off x="838200" y="1528293"/>
+            <a:ext cx="10493830" cy="5245994"/>
+          </a:xfrm>
+        </p:spPr>
+        <p:txBody>
+          <a:bodyPr>
+            <a:normAutofit/>
+          </a:bodyPr>
+          <a:lstStyle/>
+          <a:p>
+            <a:pPr>
+              <a:lnSpc>
+                <a:spcPct val="100000"/>
+              </a:lnSpc>
+            </a:pPr>
+            <a:r>
+              <a:rPr lang="en-US" altLang="zh-CN" b="1" dirty="0"/>
+              <a:t>Heuristics</a:t>
+            </a:r>
+            <a:r>
+              <a:rPr lang="en-US" altLang="zh-CN" dirty="0"/>
+              <a:t>:</a:t>
+            </a:r>
+          </a:p>
+          <a:p>
+            <a:pPr lvl="1">
+              <a:lnSpc>
+                <a:spcPct val="100000"/>
+              </a:lnSpc>
+            </a:pPr>
+            <a:r>
+              <a:rPr lang="en-US" altLang="zh-CN" dirty="0"/>
+              <a:t>Iterative Algorithm (Model-based)</a:t>
+            </a:r>
+          </a:p>
+          <a:p>
+            <a:pPr lvl="2">
+              <a:lnSpc>
+                <a:spcPct val="100000"/>
+              </a:lnSpc>
+            </a:pPr>
+            <a:r>
+              <a:rPr lang="en-US" altLang="zh-CN" sz="1800" dirty="0"/>
+              <a:t>Gradient Projection</a:t>
+            </a:r>
+          </a:p>
+          <a:p>
+            <a:pPr lvl="2">
+              <a:lnSpc>
+                <a:spcPct val="100000"/>
+              </a:lnSpc>
+            </a:pPr>
+            <a:r>
+              <a:rPr lang="en-US" altLang="zh-CN" sz="1800" dirty="0"/>
+              <a:t>Distributed Computation</a:t>
+            </a:r>
+          </a:p>
+          <a:p>
+            <a:pPr lvl="1">
+              <a:lnSpc>
+                <a:spcPct val="100000"/>
+              </a:lnSpc>
+            </a:pPr>
+            <a:r>
+              <a:rPr lang="en-US" altLang="zh-CN" dirty="0"/>
+              <a:t>New Policies (TCP)</a:t>
+            </a:r>
+          </a:p>
+          <a:p>
+            <a:pPr lvl="2">
+              <a:lnSpc>
+                <a:spcPct val="100000"/>
+              </a:lnSpc>
+            </a:pPr>
+            <a:r>
+              <a:rPr lang="en-US" altLang="zh-CN" sz="1800" dirty="0"/>
+              <a:t>Based on RTT</a:t>
+            </a:r>
+          </a:p>
+          <a:p>
+            <a:pPr lvl="2">
+              <a:lnSpc>
+                <a:spcPct val="100000"/>
+              </a:lnSpc>
+            </a:pPr>
+            <a:r>
+              <a:rPr lang="en-US" altLang="zh-CN" sz="1800" dirty="0"/>
+              <a:t>Based on packet loss rate</a:t>
+            </a:r>
+          </a:p>
+          <a:p>
+            <a:pPr lvl="2">
+              <a:lnSpc>
+                <a:spcPct val="100000"/>
+              </a:lnSpc>
+            </a:pPr>
+            <a:r>
+              <a:rPr lang="en-US" altLang="zh-CN" sz="1800" dirty="0"/>
+              <a:t>Combination of both</a:t>
+            </a:r>
+          </a:p>
+          <a:p>
+            <a:pPr lvl="1">
+              <a:lnSpc>
+                <a:spcPct val="100000"/>
+              </a:lnSpc>
+            </a:pPr>
+            <a:r>
+              <a:rPr lang="en-US" altLang="zh-CN" dirty="0"/>
+              <a:t>Queueing</a:t>
+            </a:r>
+          </a:p>
+          <a:p>
+            <a:pPr lvl="2">
+              <a:lnSpc>
+                <a:spcPct val="100000"/>
+              </a:lnSpc>
+            </a:pPr>
+            <a:r>
+              <a:rPr lang="en-US" altLang="zh-CN" sz="1800" dirty="0"/>
+              <a:t>Fair Queueing Algorithm</a:t>
+            </a:r>
+          </a:p>
+          <a:p>
+            <a:pPr lvl="2">
+              <a:lnSpc>
+                <a:spcPct val="100000"/>
+              </a:lnSpc>
+            </a:pPr>
+            <a:r>
+              <a:rPr lang="en-US" altLang="zh-CN" sz="1800" dirty="0"/>
+              <a:t>Start-Time Fair Queueing</a:t>
+            </a:r>
+          </a:p>
+        </p:txBody>
+      </p:sp>
+    </p:spTree>
+    <p:extLst>
+      <p:ext uri="{BB962C8B-B14F-4D97-AF65-F5344CB8AC3E}">
+        <p14:creationId xmlns:p14="http://schemas.microsoft.com/office/powerpoint/2010/main" val="894404082"/>
       </p:ext>
     </p:extLst>
   </p:cSld>

--- a/Papers/ML Apply in OS/updates.pptx
+++ b/Papers/ML Apply in OS/updates.pptx
@@ -5,7 +5,7 @@
     <p:sldMasterId id="2147483648" r:id="rId1"/>
   </p:sldMasterIdLst>
   <p:notesMasterIdLst>
-    <p:notesMasterId r:id="rId7"/>
+    <p:notesMasterId r:id="rId8"/>
   </p:notesMasterIdLst>
   <p:sldIdLst>
     <p:sldId id="257" r:id="rId2"/>
@@ -13,6 +13,7 @@
     <p:sldId id="260" r:id="rId4"/>
     <p:sldId id="262" r:id="rId5"/>
     <p:sldId id="263" r:id="rId6"/>
+    <p:sldId id="264" r:id="rId7"/>
   </p:sldIdLst>
   <p:sldSz cx="12192000" cy="6858000"/>
   <p:notesSz cx="6858000" cy="9144000"/>
@@ -201,7 +202,7 @@
           <a:p>
             <a:fld id="{FAAEFEE4-5241-476D-A270-E097B1D7E668}" type="datetimeFigureOut">
               <a:rPr lang="zh-CN" altLang="en-US" smtClean="0"/>
-              <a:t>2023/10/12</a:t>
+              <a:t>2023/10/13</a:t>
             </a:fld>
             <a:endParaRPr lang="zh-CN" altLang="en-US"/>
           </a:p>
@@ -948,6 +949,114 @@
 </p:notes>
 </file>
 
+<file path=ppt/notesSlides/notesSlide6.xml><?xml version="1.0" encoding="utf-8"?>
+<p:notes xmlns:a="http://schemas.openxmlformats.org/drawingml/2006/main" xmlns:r="http://schemas.openxmlformats.org/officeDocument/2006/relationships" xmlns:p="http://schemas.openxmlformats.org/presentationml/2006/main">
+  <p:cSld>
+    <p:spTree>
+      <p:nvGrpSpPr>
+        <p:cNvPr id="1" name=""/>
+        <p:cNvGrpSpPr/>
+        <p:nvPr/>
+      </p:nvGrpSpPr>
+      <p:grpSpPr>
+        <a:xfrm>
+          <a:off x="0" y="0"/>
+          <a:ext cx="0" cy="0"/>
+          <a:chOff x="0" y="0"/>
+          <a:chExt cx="0" cy="0"/>
+        </a:xfrm>
+      </p:grpSpPr>
+      <p:sp>
+        <p:nvSpPr>
+          <p:cNvPr id="2" name="幻灯片图像占位符 1"/>
+          <p:cNvSpPr>
+            <a:spLocks noGrp="1" noRot="1" noChangeAspect="1"/>
+          </p:cNvSpPr>
+          <p:nvPr>
+            <p:ph type="sldImg"/>
+          </p:nvPr>
+        </p:nvSpPr>
+        <p:spPr/>
+      </p:sp>
+      <p:sp>
+        <p:nvSpPr>
+          <p:cNvPr id="3" name="备注占位符 2"/>
+          <p:cNvSpPr>
+            <a:spLocks noGrp="1"/>
+          </p:cNvSpPr>
+          <p:nvPr>
+            <p:ph type="body" idx="1"/>
+          </p:nvPr>
+        </p:nvSpPr>
+        <p:spPr/>
+        <p:txBody>
+          <a:bodyPr/>
+          <a:lstStyle/>
+          <a:p>
+            <a:r>
+              <a:rPr lang="en-US" altLang="zh-CN" dirty="0"/>
+              <a:t>Revision 2</a:t>
+            </a:r>
+          </a:p>
+          <a:p>
+            <a:pPr marL="171450" indent="-171450">
+              <a:buFont typeface="Arial" panose="020B0604020202020204" pitchFamily="34" charset="0"/>
+              <a:buChar char="•"/>
+            </a:pPr>
+            <a:endParaRPr lang="en-US" altLang="zh-CN" dirty="0"/>
+          </a:p>
+          <a:p>
+            <a:pPr marL="171450" indent="-171450">
+              <a:buFont typeface="Arial" panose="020B0604020202020204" pitchFamily="34" charset="0"/>
+              <a:buChar char="•"/>
+            </a:pPr>
+            <a:endParaRPr lang="en-US" altLang="zh-CN" dirty="0"/>
+          </a:p>
+          <a:p>
+            <a:pPr marL="171450" indent="-171450">
+              <a:buFont typeface="Arial" panose="020B0604020202020204" pitchFamily="34" charset="0"/>
+              <a:buChar char="•"/>
+            </a:pPr>
+            <a:endParaRPr lang="zh-CN" altLang="en-US" dirty="0"/>
+          </a:p>
+        </p:txBody>
+      </p:sp>
+      <p:sp>
+        <p:nvSpPr>
+          <p:cNvPr id="4" name="灯片编号占位符 3"/>
+          <p:cNvSpPr>
+            <a:spLocks noGrp="1"/>
+          </p:cNvSpPr>
+          <p:nvPr>
+            <p:ph type="sldNum" sz="quarter" idx="5"/>
+          </p:nvPr>
+        </p:nvSpPr>
+        <p:spPr/>
+        <p:txBody>
+          <a:bodyPr/>
+          <a:lstStyle/>
+          <a:p>
+            <a:fld id="{DB4026C6-A45E-455A-8608-93E05E851B40}" type="slidenum">
+              <a:rPr lang="zh-CN" altLang="en-US" smtClean="0"/>
+              <a:t>6</a:t>
+            </a:fld>
+            <a:endParaRPr lang="zh-CN" altLang="en-US"/>
+          </a:p>
+        </p:txBody>
+      </p:sp>
+    </p:spTree>
+    <p:extLst>
+      <p:ext uri="{BB962C8B-B14F-4D97-AF65-F5344CB8AC3E}">
+        <p14:creationId xmlns:p14="http://schemas.microsoft.com/office/powerpoint/2010/main" val="2452141918"/>
+      </p:ext>
+    </p:extLst>
+  </p:cSld>
+  <p:clrMapOvr>
+    <a:masterClrMapping/>
+  </p:clrMapOvr>
+</p:notes>
+</file>
+
 <file path=ppt/slideLayouts/slideLayout1.xml><?xml version="1.0" encoding="utf-8"?>
 <p:sldLayout xmlns:a="http://schemas.openxmlformats.org/drawingml/2006/main" xmlns:r="http://schemas.openxmlformats.org/officeDocument/2006/relationships" xmlns:p="http://schemas.openxmlformats.org/presentationml/2006/main" type="title" preserve="1">
   <p:cSld name="标题幻灯片">
@@ -1095,7 +1204,7 @@
           <a:p>
             <a:fld id="{3446BE64-2E24-4CF0-9390-8E701061B494}" type="datetimeFigureOut">
               <a:rPr lang="zh-CN" altLang="en-US" smtClean="0"/>
-              <a:t>2023/10/12</a:t>
+              <a:t>2023/10/13</a:t>
             </a:fld>
             <a:endParaRPr lang="zh-CN" altLang="en-US"/>
           </a:p>
@@ -1293,7 +1402,7 @@
           <a:p>
             <a:fld id="{3446BE64-2E24-4CF0-9390-8E701061B494}" type="datetimeFigureOut">
               <a:rPr lang="zh-CN" altLang="en-US" smtClean="0"/>
-              <a:t>2023/10/12</a:t>
+              <a:t>2023/10/13</a:t>
             </a:fld>
             <a:endParaRPr lang="zh-CN" altLang="en-US"/>
           </a:p>
@@ -1501,7 +1610,7 @@
           <a:p>
             <a:fld id="{3446BE64-2E24-4CF0-9390-8E701061B494}" type="datetimeFigureOut">
               <a:rPr lang="zh-CN" altLang="en-US" smtClean="0"/>
-              <a:t>2023/10/12</a:t>
+              <a:t>2023/10/13</a:t>
             </a:fld>
             <a:endParaRPr lang="zh-CN" altLang="en-US"/>
           </a:p>
@@ -1699,7 +1808,7 @@
           <a:p>
             <a:fld id="{3446BE64-2E24-4CF0-9390-8E701061B494}" type="datetimeFigureOut">
               <a:rPr lang="zh-CN" altLang="en-US" smtClean="0"/>
-              <a:t>2023/10/12</a:t>
+              <a:t>2023/10/13</a:t>
             </a:fld>
             <a:endParaRPr lang="zh-CN" altLang="en-US"/>
           </a:p>
@@ -1974,7 +2083,7 @@
           <a:p>
             <a:fld id="{3446BE64-2E24-4CF0-9390-8E701061B494}" type="datetimeFigureOut">
               <a:rPr lang="zh-CN" altLang="en-US" smtClean="0"/>
-              <a:t>2023/10/12</a:t>
+              <a:t>2023/10/13</a:t>
             </a:fld>
             <a:endParaRPr lang="zh-CN" altLang="en-US"/>
           </a:p>
@@ -2239,7 +2348,7 @@
           <a:p>
             <a:fld id="{3446BE64-2E24-4CF0-9390-8E701061B494}" type="datetimeFigureOut">
               <a:rPr lang="zh-CN" altLang="en-US" smtClean="0"/>
-              <a:t>2023/10/12</a:t>
+              <a:t>2023/10/13</a:t>
             </a:fld>
             <a:endParaRPr lang="zh-CN" altLang="en-US"/>
           </a:p>
@@ -2651,7 +2760,7 @@
           <a:p>
             <a:fld id="{3446BE64-2E24-4CF0-9390-8E701061B494}" type="datetimeFigureOut">
               <a:rPr lang="zh-CN" altLang="en-US" smtClean="0"/>
-              <a:t>2023/10/12</a:t>
+              <a:t>2023/10/13</a:t>
             </a:fld>
             <a:endParaRPr lang="zh-CN" altLang="en-US"/>
           </a:p>
@@ -2792,7 +2901,7 @@
           <a:p>
             <a:fld id="{3446BE64-2E24-4CF0-9390-8E701061B494}" type="datetimeFigureOut">
               <a:rPr lang="zh-CN" altLang="en-US" smtClean="0"/>
-              <a:t>2023/10/12</a:t>
+              <a:t>2023/10/13</a:t>
             </a:fld>
             <a:endParaRPr lang="zh-CN" altLang="en-US"/>
           </a:p>
@@ -2905,7 +3014,7 @@
           <a:p>
             <a:fld id="{3446BE64-2E24-4CF0-9390-8E701061B494}" type="datetimeFigureOut">
               <a:rPr lang="zh-CN" altLang="en-US" smtClean="0"/>
-              <a:t>2023/10/12</a:t>
+              <a:t>2023/10/13</a:t>
             </a:fld>
             <a:endParaRPr lang="zh-CN" altLang="en-US"/>
           </a:p>
@@ -3216,7 +3325,7 @@
           <a:p>
             <a:fld id="{3446BE64-2E24-4CF0-9390-8E701061B494}" type="datetimeFigureOut">
               <a:rPr lang="zh-CN" altLang="en-US" smtClean="0"/>
-              <a:t>2023/10/12</a:t>
+              <a:t>2023/10/13</a:t>
             </a:fld>
             <a:endParaRPr lang="zh-CN" altLang="en-US"/>
           </a:p>
@@ -3504,7 +3613,7 @@
           <a:p>
             <a:fld id="{3446BE64-2E24-4CF0-9390-8E701061B494}" type="datetimeFigureOut">
               <a:rPr lang="zh-CN" altLang="en-US" smtClean="0"/>
-              <a:t>2023/10/12</a:t>
+              <a:t>2023/10/13</a:t>
             </a:fld>
             <a:endParaRPr lang="zh-CN" altLang="en-US"/>
           </a:p>
@@ -3745,7 +3854,7 @@
           <a:p>
             <a:fld id="{3446BE64-2E24-4CF0-9390-8E701061B494}" type="datetimeFigureOut">
               <a:rPr lang="zh-CN" altLang="en-US" smtClean="0"/>
-              <a:t>2023/10/12</a:t>
+              <a:t>2023/10/13</a:t>
             </a:fld>
             <a:endParaRPr lang="zh-CN" altLang="en-US"/>
           </a:p>
@@ -6079,29 +6188,29 @@
           <a:p>
             <a:pPr lvl="1"/>
             <a:r>
-              <a:rPr lang="en-US" altLang="zh-CN" sz="2000" dirty="0" err="1"/>
+              <a:rPr lang="en-US" altLang="zh-CN" dirty="0" err="1"/>
               <a:t>Noop</a:t>
             </a:r>
-            <a:endParaRPr lang="en-US" altLang="zh-CN" sz="2000" dirty="0"/>
+            <a:endParaRPr lang="en-US" altLang="zh-CN" dirty="0"/>
           </a:p>
           <a:p>
             <a:pPr lvl="1"/>
             <a:r>
-              <a:rPr lang="en-US" altLang="zh-CN" sz="2000" dirty="0"/>
+              <a:rPr lang="en-US" altLang="zh-CN" dirty="0"/>
               <a:t>Completely Fair Queuing</a:t>
             </a:r>
           </a:p>
           <a:p>
             <a:pPr lvl="1"/>
             <a:r>
-              <a:rPr lang="en-US" altLang="zh-CN" sz="2000" dirty="0"/>
+              <a:rPr lang="en-US" altLang="zh-CN" dirty="0"/>
               <a:t>Deadline</a:t>
             </a:r>
           </a:p>
           <a:p>
             <a:pPr lvl="1"/>
             <a:r>
-              <a:rPr lang="en-US" altLang="zh-CN" sz="2000" dirty="0"/>
+              <a:rPr lang="en-US" altLang="zh-CN" dirty="0"/>
               <a:t>Anticipatory</a:t>
             </a:r>
           </a:p>
@@ -6118,43 +6227,50 @@
           <a:p>
             <a:pPr lvl="1"/>
             <a:r>
-              <a:rPr lang="en-US" altLang="zh-CN" sz="2000" dirty="0"/>
+              <a:rPr lang="en-US" altLang="zh-CN" dirty="0"/>
               <a:t>New queueing techniques (introduce new considerations)</a:t>
             </a:r>
           </a:p>
           <a:p>
             <a:pPr lvl="1"/>
             <a:r>
-              <a:rPr lang="en-US" altLang="zh-CN" sz="2000" dirty="0"/>
+              <a:rPr lang="en-US" altLang="zh-CN" dirty="0"/>
               <a:t>Model-based</a:t>
             </a:r>
           </a:p>
           <a:p>
             <a:pPr lvl="2"/>
             <a:r>
-              <a:rPr lang="en-US" altLang="zh-CN" sz="1600" dirty="0"/>
+              <a:rPr lang="en-US" altLang="zh-CN" sz="1800" dirty="0"/>
               <a:t>Traveling salesman problem</a:t>
             </a:r>
           </a:p>
           <a:p>
             <a:pPr lvl="2"/>
             <a:r>
-              <a:rPr lang="en-US" altLang="zh-CN" sz="1600" dirty="0"/>
+              <a:rPr lang="en-US" altLang="zh-CN" sz="1800" dirty="0"/>
               <a:t>K-coloring problem</a:t>
             </a:r>
           </a:p>
           <a:p>
             <a:pPr lvl="1"/>
             <a:r>
-              <a:rPr lang="en-US" altLang="zh-CN" sz="2000" dirty="0"/>
-              <a:t>Device-specific</a:t>
-            </a:r>
-          </a:p>
-          <a:p>
-            <a:pPr lvl="1"/>
-            <a:r>
-              <a:rPr lang="en-US" altLang="zh-CN" sz="2000" dirty="0"/>
-              <a:t>Based on historical statistics</a:t>
+              <a:rPr lang="en-US" altLang="zh-CN" dirty="0"/>
+              <a:t>Statistic-base</a:t>
+            </a:r>
+          </a:p>
+          <a:p>
+            <a:pPr lvl="2"/>
+            <a:r>
+              <a:rPr lang="en-US" altLang="zh-CN" sz="1800" dirty="0"/>
+              <a:t>Device-specific Information</a:t>
+            </a:r>
+          </a:p>
+          <a:p>
+            <a:pPr lvl="2"/>
+            <a:r>
+              <a:rPr lang="en-US" altLang="zh-CN" sz="1800" dirty="0"/>
+              <a:t>History</a:t>
             </a:r>
           </a:p>
         </p:txBody>
@@ -6343,28 +6459,28 @@
             <a:pPr lvl="1"/>
             <a:r>
               <a:rPr lang="en-US" altLang="zh-CN" sz="2000" dirty="0"/>
-              <a:t>Statistics</a:t>
+              <a:t>Statistics-based</a:t>
             </a:r>
           </a:p>
           <a:p>
             <a:pPr lvl="2"/>
             <a:r>
               <a:rPr lang="en-US" altLang="zh-CN" sz="1600" dirty="0"/>
-              <a:t>Hardware provided</a:t>
+              <a:t>Historical</a:t>
             </a:r>
           </a:p>
           <a:p>
             <a:pPr lvl="2"/>
             <a:r>
               <a:rPr lang="en-US" altLang="zh-CN" sz="1600" dirty="0"/>
-              <a:t>User provided</a:t>
-            </a:r>
-          </a:p>
-          <a:p>
-            <a:pPr lvl="1"/>
-            <a:r>
-              <a:rPr lang="en-US" altLang="zh-CN" sz="2000" dirty="0"/>
-              <a:t>Based on historical statistics</a:t>
+              <a:t>Device specific Information</a:t>
+            </a:r>
+          </a:p>
+          <a:p>
+            <a:pPr lvl="2"/>
+            <a:r>
+              <a:rPr lang="en-US" altLang="zh-CN" sz="1600" dirty="0"/>
+              <a:t>User provided information</a:t>
             </a:r>
           </a:p>
         </p:txBody>
@@ -6484,7 +6600,7 @@
               </a:lnSpc>
             </a:pPr>
             <a:r>
-              <a:rPr lang="en-US" altLang="zh-CN" dirty="0"/>
+              <a:rPr lang="en-US" altLang="zh-CN" sz="2800" dirty="0"/>
               <a:t>Iterative Algorithm (Model-based)</a:t>
             </a:r>
           </a:p>
@@ -6495,7 +6611,7 @@
               </a:lnSpc>
             </a:pPr>
             <a:r>
-              <a:rPr lang="en-US" altLang="zh-CN" sz="1800" dirty="0"/>
+              <a:rPr lang="en-US" altLang="zh-CN" dirty="0"/>
               <a:t>Gradient Projection</a:t>
             </a:r>
           </a:p>
@@ -6506,7 +6622,7 @@
               </a:lnSpc>
             </a:pPr>
             <a:r>
-              <a:rPr lang="en-US" altLang="zh-CN" sz="1800" dirty="0"/>
+              <a:rPr lang="en-US" altLang="zh-CN" dirty="0"/>
               <a:t>Distributed Computation</a:t>
             </a:r>
           </a:p>
@@ -6517,7 +6633,7 @@
               </a:lnSpc>
             </a:pPr>
             <a:r>
-              <a:rPr lang="en-US" altLang="zh-CN" dirty="0"/>
+              <a:rPr lang="en-US" altLang="zh-CN" sz="2800" dirty="0"/>
               <a:t>New Policies (TCP)</a:t>
             </a:r>
           </a:p>
@@ -6528,7 +6644,7 @@
               </a:lnSpc>
             </a:pPr>
             <a:r>
-              <a:rPr lang="en-US" altLang="zh-CN" sz="1800" dirty="0"/>
+              <a:rPr lang="en-US" altLang="zh-CN" dirty="0"/>
               <a:t>Based on RTT</a:t>
             </a:r>
           </a:p>
@@ -6539,7 +6655,7 @@
               </a:lnSpc>
             </a:pPr>
             <a:r>
-              <a:rPr lang="en-US" altLang="zh-CN" sz="1800" dirty="0"/>
+              <a:rPr lang="en-US" altLang="zh-CN" dirty="0"/>
               <a:t>Based on packet loss rate</a:t>
             </a:r>
           </a:p>
@@ -6550,7 +6666,7 @@
               </a:lnSpc>
             </a:pPr>
             <a:r>
-              <a:rPr lang="en-US" altLang="zh-CN" sz="1800" dirty="0"/>
+              <a:rPr lang="en-US" altLang="zh-CN" dirty="0"/>
               <a:t>Combination of both</a:t>
             </a:r>
           </a:p>
@@ -6561,7 +6677,7 @@
               </a:lnSpc>
             </a:pPr>
             <a:r>
-              <a:rPr lang="en-US" altLang="zh-CN" dirty="0"/>
+              <a:rPr lang="en-US" altLang="zh-CN" sz="2800" dirty="0"/>
               <a:t>Queueing</a:t>
             </a:r>
           </a:p>
@@ -6572,7 +6688,7 @@
               </a:lnSpc>
             </a:pPr>
             <a:r>
-              <a:rPr lang="en-US" altLang="zh-CN" sz="1800" dirty="0"/>
+              <a:rPr lang="en-US" altLang="zh-CN" dirty="0"/>
               <a:t>Fair Queueing Algorithm</a:t>
             </a:r>
           </a:p>
@@ -6583,7 +6699,7 @@
               </a:lnSpc>
             </a:pPr>
             <a:r>
-              <a:rPr lang="en-US" altLang="zh-CN" sz="1800" dirty="0"/>
+              <a:rPr lang="en-US" altLang="zh-CN" dirty="0"/>
               <a:t>Start-Time Fair Queueing</a:t>
             </a:r>
           </a:p>
@@ -6593,6 +6709,607 @@
     <p:extLst>
       <p:ext uri="{BB962C8B-B14F-4D97-AF65-F5344CB8AC3E}">
         <p14:creationId xmlns:p14="http://schemas.microsoft.com/office/powerpoint/2010/main" val="894404082"/>
+      </p:ext>
+    </p:extLst>
+  </p:cSld>
+  <p:clrMapOvr>
+    <a:masterClrMapping/>
+  </p:clrMapOvr>
+</p:sld>
+</file>
+
+<file path=ppt/slides/slide6.xml><?xml version="1.0" encoding="utf-8"?>
+<p:sld xmlns:a="http://schemas.openxmlformats.org/drawingml/2006/main" xmlns:r="http://schemas.openxmlformats.org/officeDocument/2006/relationships" xmlns:p="http://schemas.openxmlformats.org/presentationml/2006/main">
+  <p:cSld>
+    <p:spTree>
+      <p:nvGrpSpPr>
+        <p:cNvPr id="1" name=""/>
+        <p:cNvGrpSpPr/>
+        <p:nvPr/>
+      </p:nvGrpSpPr>
+      <p:grpSpPr>
+        <a:xfrm>
+          <a:off x="0" y="0"/>
+          <a:ext cx="0" cy="0"/>
+          <a:chOff x="0" y="0"/>
+          <a:chExt cx="0" cy="0"/>
+        </a:xfrm>
+      </p:grpSpPr>
+      <p:sp>
+        <p:nvSpPr>
+          <p:cNvPr id="3" name="内容占位符 2">
+            <a:extLst>
+              <a:ext uri="{FF2B5EF4-FFF2-40B4-BE49-F238E27FC236}">
+                <a16:creationId xmlns:a16="http://schemas.microsoft.com/office/drawing/2014/main" id="{045FD70F-167B-A83C-4E9D-C9A0144FC33E}"/>
+              </a:ext>
+            </a:extLst>
+          </p:cNvPr>
+          <p:cNvSpPr>
+            <a:spLocks noGrp="1"/>
+          </p:cNvSpPr>
+          <p:nvPr>
+            <p:ph idx="1"/>
+          </p:nvPr>
+        </p:nvSpPr>
+        <p:spPr>
+          <a:xfrm>
+            <a:off x="838200" y="180755"/>
+            <a:ext cx="11006470" cy="2658141"/>
+          </a:xfrm>
+        </p:spPr>
+        <p:txBody>
+          <a:bodyPr>
+            <a:normAutofit lnSpcReduction="10000"/>
+          </a:bodyPr>
+          <a:lstStyle/>
+          <a:p>
+            <a:pPr marL="514350" indent="-514350">
+              <a:buAutoNum type="arabicPeriod"/>
+            </a:pPr>
+            <a:r>
+              <a:rPr lang="en-US" altLang="zh-CN" sz="2400" b="1" dirty="0"/>
+              <a:t>Introduction</a:t>
+            </a:r>
+          </a:p>
+          <a:p>
+            <a:pPr marL="514350" indent="-514350">
+              <a:buAutoNum type="arabicPeriod"/>
+            </a:pPr>
+            <a:r>
+              <a:rPr lang="en-US" altLang="zh-CN" sz="2400" b="1" dirty="0"/>
+              <a:t>Overview of Operating System Tasks (Background)</a:t>
+            </a:r>
+          </a:p>
+          <a:p>
+            <a:pPr marL="457200" lvl="1" indent="0">
+              <a:buNone/>
+            </a:pPr>
+            <a:r>
+              <a:rPr lang="en-US" altLang="zh-CN" dirty="0"/>
+              <a:t>2.1 Task1: I/O Scheduling</a:t>
+            </a:r>
+          </a:p>
+          <a:p>
+            <a:pPr marL="457200" lvl="1" indent="0">
+              <a:buNone/>
+            </a:pPr>
+            <a:r>
+              <a:rPr lang="en-US" altLang="zh-CN" dirty="0"/>
+              <a:t>2.2 Task2: Process Scheduling</a:t>
+            </a:r>
+          </a:p>
+          <a:p>
+            <a:pPr marL="457200" lvl="1" indent="0">
+              <a:buNone/>
+            </a:pPr>
+            <a:r>
+              <a:rPr lang="en-US" altLang="zh-CN" dirty="0"/>
+              <a:t>2.3 Task3: Space Allocation</a:t>
+            </a:r>
+          </a:p>
+          <a:p>
+            <a:pPr marL="457200" lvl="1" indent="0">
+              <a:buNone/>
+            </a:pPr>
+            <a:r>
+              <a:rPr lang="en-US" altLang="zh-CN" dirty="0"/>
+              <a:t>2.4 Task4: Storage Management</a:t>
+            </a:r>
+          </a:p>
+          <a:p>
+            <a:pPr marL="457200" lvl="1" indent="0">
+              <a:buNone/>
+            </a:pPr>
+            <a:r>
+              <a:rPr lang="en-US" altLang="zh-CN" dirty="0"/>
+              <a:t>2.5 Task5: Network</a:t>
+            </a:r>
+          </a:p>
+        </p:txBody>
+      </p:sp>
+      <p:sp>
+        <p:nvSpPr>
+          <p:cNvPr id="4" name="内容占位符 2">
+            <a:extLst>
+              <a:ext uri="{FF2B5EF4-FFF2-40B4-BE49-F238E27FC236}">
+                <a16:creationId xmlns:a16="http://schemas.microsoft.com/office/drawing/2014/main" id="{88717713-596C-62BC-DF26-9B011FB98446}"/>
+              </a:ext>
+            </a:extLst>
+          </p:cNvPr>
+          <p:cNvSpPr txBox="1">
+            <a:spLocks/>
+          </p:cNvSpPr>
+          <p:nvPr/>
+        </p:nvSpPr>
+        <p:spPr>
+          <a:xfrm>
+            <a:off x="838200" y="2883197"/>
+            <a:ext cx="10515600" cy="2463210"/>
+          </a:xfrm>
+          <a:prstGeom prst="rect">
+            <a:avLst/>
+          </a:prstGeom>
+        </p:spPr>
+        <p:txBody>
+          <a:bodyPr vert="horz" lIns="91440" tIns="45720" rIns="91440" bIns="45720" rtlCol="0">
+            <a:normAutofit/>
+          </a:bodyPr>
+          <a:lstStyle>
+            <a:lvl1pPr marL="228600" indent="-228600" algn="l" defTabSz="914400" rtl="0" eaLnBrk="1" latinLnBrk="0" hangingPunct="1">
+              <a:lnSpc>
+                <a:spcPct val="90000"/>
+              </a:lnSpc>
+              <a:spcBef>
+                <a:spcPts val="1000"/>
+              </a:spcBef>
+              <a:buFont typeface="Arial" panose="020B0604020202020204" pitchFamily="34" charset="0"/>
+              <a:buChar char="•"/>
+              <a:defRPr sz="2800" kern="1200">
+                <a:solidFill>
+                  <a:schemeClr val="tx1"/>
+                </a:solidFill>
+                <a:latin typeface="+mn-lt"/>
+                <a:ea typeface="+mn-ea"/>
+                <a:cs typeface="+mn-cs"/>
+              </a:defRPr>
+            </a:lvl1pPr>
+            <a:lvl2pPr marL="685800" indent="-228600" algn="l" defTabSz="914400" rtl="0" eaLnBrk="1" latinLnBrk="0" hangingPunct="1">
+              <a:lnSpc>
+                <a:spcPct val="90000"/>
+              </a:lnSpc>
+              <a:spcBef>
+                <a:spcPts val="500"/>
+              </a:spcBef>
+              <a:buFont typeface="Arial" panose="020B0604020202020204" pitchFamily="34" charset="0"/>
+              <a:buChar char="•"/>
+              <a:defRPr sz="2400" kern="1200">
+                <a:solidFill>
+                  <a:schemeClr val="tx1"/>
+                </a:solidFill>
+                <a:latin typeface="+mn-lt"/>
+                <a:ea typeface="+mn-ea"/>
+                <a:cs typeface="+mn-cs"/>
+              </a:defRPr>
+            </a:lvl2pPr>
+            <a:lvl3pPr marL="1143000" indent="-228600" algn="l" defTabSz="914400" rtl="0" eaLnBrk="1" latinLnBrk="0" hangingPunct="1">
+              <a:lnSpc>
+                <a:spcPct val="90000"/>
+              </a:lnSpc>
+              <a:spcBef>
+                <a:spcPts val="500"/>
+              </a:spcBef>
+              <a:buFont typeface="Arial" panose="020B0604020202020204" pitchFamily="34" charset="0"/>
+              <a:buChar char="•"/>
+              <a:defRPr sz="2000" kern="1200">
+                <a:solidFill>
+                  <a:schemeClr val="tx1"/>
+                </a:solidFill>
+                <a:latin typeface="+mn-lt"/>
+                <a:ea typeface="+mn-ea"/>
+                <a:cs typeface="+mn-cs"/>
+              </a:defRPr>
+            </a:lvl3pPr>
+            <a:lvl4pPr marL="1600200" indent="-228600" algn="l" defTabSz="914400" rtl="0" eaLnBrk="1" latinLnBrk="0" hangingPunct="1">
+              <a:lnSpc>
+                <a:spcPct val="90000"/>
+              </a:lnSpc>
+              <a:spcBef>
+                <a:spcPts val="500"/>
+              </a:spcBef>
+              <a:buFont typeface="Arial" panose="020B0604020202020204" pitchFamily="34" charset="0"/>
+              <a:buChar char="•"/>
+              <a:defRPr sz="1800" kern="1200">
+                <a:solidFill>
+                  <a:schemeClr val="tx1"/>
+                </a:solidFill>
+                <a:latin typeface="+mn-lt"/>
+                <a:ea typeface="+mn-ea"/>
+                <a:cs typeface="+mn-cs"/>
+              </a:defRPr>
+            </a:lvl4pPr>
+            <a:lvl5pPr marL="2057400" indent="-228600" algn="l" defTabSz="914400" rtl="0" eaLnBrk="1" latinLnBrk="0" hangingPunct="1">
+              <a:lnSpc>
+                <a:spcPct val="90000"/>
+              </a:lnSpc>
+              <a:spcBef>
+                <a:spcPts val="500"/>
+              </a:spcBef>
+              <a:buFont typeface="Arial" panose="020B0604020202020204" pitchFamily="34" charset="0"/>
+              <a:buChar char="•"/>
+              <a:defRPr sz="1800" kern="1200">
+                <a:solidFill>
+                  <a:schemeClr val="tx1"/>
+                </a:solidFill>
+                <a:latin typeface="+mn-lt"/>
+                <a:ea typeface="+mn-ea"/>
+                <a:cs typeface="+mn-cs"/>
+              </a:defRPr>
+            </a:lvl5pPr>
+            <a:lvl6pPr marL="2514600" indent="-228600" algn="l" defTabSz="914400" rtl="0" eaLnBrk="1" latinLnBrk="0" hangingPunct="1">
+              <a:lnSpc>
+                <a:spcPct val="90000"/>
+              </a:lnSpc>
+              <a:spcBef>
+                <a:spcPts val="500"/>
+              </a:spcBef>
+              <a:buFont typeface="Arial" panose="020B0604020202020204" pitchFamily="34" charset="0"/>
+              <a:buChar char="•"/>
+              <a:defRPr sz="1800" kern="1200">
+                <a:solidFill>
+                  <a:schemeClr val="tx1"/>
+                </a:solidFill>
+                <a:latin typeface="+mn-lt"/>
+                <a:ea typeface="+mn-ea"/>
+                <a:cs typeface="+mn-cs"/>
+              </a:defRPr>
+            </a:lvl6pPr>
+            <a:lvl7pPr marL="2971800" indent="-228600" algn="l" defTabSz="914400" rtl="0" eaLnBrk="1" latinLnBrk="0" hangingPunct="1">
+              <a:lnSpc>
+                <a:spcPct val="90000"/>
+              </a:lnSpc>
+              <a:spcBef>
+                <a:spcPts val="500"/>
+              </a:spcBef>
+              <a:buFont typeface="Arial" panose="020B0604020202020204" pitchFamily="34" charset="0"/>
+              <a:buChar char="•"/>
+              <a:defRPr sz="1800" kern="1200">
+                <a:solidFill>
+                  <a:schemeClr val="tx1"/>
+                </a:solidFill>
+                <a:latin typeface="+mn-lt"/>
+                <a:ea typeface="+mn-ea"/>
+                <a:cs typeface="+mn-cs"/>
+              </a:defRPr>
+            </a:lvl7pPr>
+            <a:lvl8pPr marL="3429000" indent="-228600" algn="l" defTabSz="914400" rtl="0" eaLnBrk="1" latinLnBrk="0" hangingPunct="1">
+              <a:lnSpc>
+                <a:spcPct val="90000"/>
+              </a:lnSpc>
+              <a:spcBef>
+                <a:spcPts val="500"/>
+              </a:spcBef>
+              <a:buFont typeface="Arial" panose="020B0604020202020204" pitchFamily="34" charset="0"/>
+              <a:buChar char="•"/>
+              <a:defRPr sz="1800" kern="1200">
+                <a:solidFill>
+                  <a:schemeClr val="tx1"/>
+                </a:solidFill>
+                <a:latin typeface="+mn-lt"/>
+                <a:ea typeface="+mn-ea"/>
+                <a:cs typeface="+mn-cs"/>
+              </a:defRPr>
+            </a:lvl8pPr>
+            <a:lvl9pPr marL="3886200" indent="-228600" algn="l" defTabSz="914400" rtl="0" eaLnBrk="1" latinLnBrk="0" hangingPunct="1">
+              <a:lnSpc>
+                <a:spcPct val="90000"/>
+              </a:lnSpc>
+              <a:spcBef>
+                <a:spcPts val="500"/>
+              </a:spcBef>
+              <a:buFont typeface="Arial" panose="020B0604020202020204" pitchFamily="34" charset="0"/>
+              <a:buChar char="•"/>
+              <a:defRPr sz="1800" kern="1200">
+                <a:solidFill>
+                  <a:schemeClr val="tx1"/>
+                </a:solidFill>
+                <a:latin typeface="+mn-lt"/>
+                <a:ea typeface="+mn-ea"/>
+                <a:cs typeface="+mn-cs"/>
+              </a:defRPr>
+            </a:lvl9pPr>
+          </a:lstStyle>
+          <a:p>
+            <a:pPr marL="0" indent="0">
+              <a:buNone/>
+            </a:pPr>
+            <a:r>
+              <a:rPr lang="en-US" altLang="zh-CN" sz="2400" b="1" dirty="0"/>
+              <a:t>3. Machine Learning in These Tasks</a:t>
+            </a:r>
+          </a:p>
+          <a:p>
+            <a:pPr marL="457200" lvl="1" indent="0">
+              <a:buNone/>
+            </a:pPr>
+            <a:r>
+              <a:rPr lang="en-US" altLang="zh-CN" dirty="0"/>
+              <a:t>3.1 Task1: I/O Scheduling</a:t>
+            </a:r>
+          </a:p>
+          <a:p>
+            <a:pPr marL="457200" lvl="1" indent="0">
+              <a:buNone/>
+            </a:pPr>
+            <a:r>
+              <a:rPr lang="en-US" altLang="zh-CN" dirty="0"/>
+              <a:t>3.2 Task2: Process Scheduling</a:t>
+            </a:r>
+          </a:p>
+          <a:p>
+            <a:pPr marL="457200" lvl="1" indent="0">
+              <a:buNone/>
+            </a:pPr>
+            <a:r>
+              <a:rPr lang="en-US" altLang="zh-CN" dirty="0"/>
+              <a:t>3.3 Task3: Space Allocation</a:t>
+            </a:r>
+          </a:p>
+          <a:p>
+            <a:pPr marL="457200" lvl="1" indent="0">
+              <a:buNone/>
+            </a:pPr>
+            <a:r>
+              <a:rPr lang="en-US" altLang="zh-CN" dirty="0"/>
+              <a:t>3.4 Task4: Storage Management</a:t>
+            </a:r>
+          </a:p>
+          <a:p>
+            <a:pPr marL="457200" lvl="1" indent="0">
+              <a:buNone/>
+            </a:pPr>
+            <a:r>
+              <a:rPr lang="en-US" altLang="zh-CN" dirty="0"/>
+              <a:t>3.5 Task5: Network</a:t>
+            </a:r>
+          </a:p>
+          <a:p>
+            <a:pPr marL="457200" lvl="1" indent="0">
+              <a:buNone/>
+            </a:pPr>
+            <a:endParaRPr lang="en-US" altLang="zh-CN" dirty="0"/>
+          </a:p>
+        </p:txBody>
+      </p:sp>
+      <p:sp>
+        <p:nvSpPr>
+          <p:cNvPr id="5" name="内容占位符 2">
+            <a:extLst>
+              <a:ext uri="{FF2B5EF4-FFF2-40B4-BE49-F238E27FC236}">
+                <a16:creationId xmlns:a16="http://schemas.microsoft.com/office/drawing/2014/main" id="{BF2FB792-550A-9AB8-56FE-096B629EDE5F}"/>
+              </a:ext>
+            </a:extLst>
+          </p:cNvPr>
+          <p:cNvSpPr txBox="1">
+            <a:spLocks/>
+          </p:cNvSpPr>
+          <p:nvPr/>
+        </p:nvSpPr>
+        <p:spPr>
+          <a:xfrm>
+            <a:off x="838200" y="5346407"/>
+            <a:ext cx="10515600" cy="1373371"/>
+          </a:xfrm>
+          <a:prstGeom prst="rect">
+            <a:avLst/>
+          </a:prstGeom>
+        </p:spPr>
+        <p:txBody>
+          <a:bodyPr vert="horz" lIns="91440" tIns="45720" rIns="91440" bIns="45720" rtlCol="0">
+            <a:normAutofit/>
+          </a:bodyPr>
+          <a:lstStyle>
+            <a:lvl1pPr marL="228600" indent="-228600" algn="l" defTabSz="914400" rtl="0" eaLnBrk="1" latinLnBrk="0" hangingPunct="1">
+              <a:lnSpc>
+                <a:spcPct val="90000"/>
+              </a:lnSpc>
+              <a:spcBef>
+                <a:spcPts val="1000"/>
+              </a:spcBef>
+              <a:buFont typeface="Arial" panose="020B0604020202020204" pitchFamily="34" charset="0"/>
+              <a:buChar char="•"/>
+              <a:defRPr sz="2800" kern="1200">
+                <a:solidFill>
+                  <a:schemeClr val="tx1"/>
+                </a:solidFill>
+                <a:latin typeface="+mn-lt"/>
+                <a:ea typeface="+mn-ea"/>
+                <a:cs typeface="+mn-cs"/>
+              </a:defRPr>
+            </a:lvl1pPr>
+            <a:lvl2pPr marL="685800" indent="-228600" algn="l" defTabSz="914400" rtl="0" eaLnBrk="1" latinLnBrk="0" hangingPunct="1">
+              <a:lnSpc>
+                <a:spcPct val="90000"/>
+              </a:lnSpc>
+              <a:spcBef>
+                <a:spcPts val="500"/>
+              </a:spcBef>
+              <a:buFont typeface="Arial" panose="020B0604020202020204" pitchFamily="34" charset="0"/>
+              <a:buChar char="•"/>
+              <a:defRPr sz="2400" kern="1200">
+                <a:solidFill>
+                  <a:schemeClr val="tx1"/>
+                </a:solidFill>
+                <a:latin typeface="+mn-lt"/>
+                <a:ea typeface="+mn-ea"/>
+                <a:cs typeface="+mn-cs"/>
+              </a:defRPr>
+            </a:lvl2pPr>
+            <a:lvl3pPr marL="1143000" indent="-228600" algn="l" defTabSz="914400" rtl="0" eaLnBrk="1" latinLnBrk="0" hangingPunct="1">
+              <a:lnSpc>
+                <a:spcPct val="90000"/>
+              </a:lnSpc>
+              <a:spcBef>
+                <a:spcPts val="500"/>
+              </a:spcBef>
+              <a:buFont typeface="Arial" panose="020B0604020202020204" pitchFamily="34" charset="0"/>
+              <a:buChar char="•"/>
+              <a:defRPr sz="2000" kern="1200">
+                <a:solidFill>
+                  <a:schemeClr val="tx1"/>
+                </a:solidFill>
+                <a:latin typeface="+mn-lt"/>
+                <a:ea typeface="+mn-ea"/>
+                <a:cs typeface="+mn-cs"/>
+              </a:defRPr>
+            </a:lvl3pPr>
+            <a:lvl4pPr marL="1600200" indent="-228600" algn="l" defTabSz="914400" rtl="0" eaLnBrk="1" latinLnBrk="0" hangingPunct="1">
+              <a:lnSpc>
+                <a:spcPct val="90000"/>
+              </a:lnSpc>
+              <a:spcBef>
+                <a:spcPts val="500"/>
+              </a:spcBef>
+              <a:buFont typeface="Arial" panose="020B0604020202020204" pitchFamily="34" charset="0"/>
+              <a:buChar char="•"/>
+              <a:defRPr sz="1800" kern="1200">
+                <a:solidFill>
+                  <a:schemeClr val="tx1"/>
+                </a:solidFill>
+                <a:latin typeface="+mn-lt"/>
+                <a:ea typeface="+mn-ea"/>
+                <a:cs typeface="+mn-cs"/>
+              </a:defRPr>
+            </a:lvl4pPr>
+            <a:lvl5pPr marL="2057400" indent="-228600" algn="l" defTabSz="914400" rtl="0" eaLnBrk="1" latinLnBrk="0" hangingPunct="1">
+              <a:lnSpc>
+                <a:spcPct val="90000"/>
+              </a:lnSpc>
+              <a:spcBef>
+                <a:spcPts val="500"/>
+              </a:spcBef>
+              <a:buFont typeface="Arial" panose="020B0604020202020204" pitchFamily="34" charset="0"/>
+              <a:buChar char="•"/>
+              <a:defRPr sz="1800" kern="1200">
+                <a:solidFill>
+                  <a:schemeClr val="tx1"/>
+                </a:solidFill>
+                <a:latin typeface="+mn-lt"/>
+                <a:ea typeface="+mn-ea"/>
+                <a:cs typeface="+mn-cs"/>
+              </a:defRPr>
+            </a:lvl5pPr>
+            <a:lvl6pPr marL="2514600" indent="-228600" algn="l" defTabSz="914400" rtl="0" eaLnBrk="1" latinLnBrk="0" hangingPunct="1">
+              <a:lnSpc>
+                <a:spcPct val="90000"/>
+              </a:lnSpc>
+              <a:spcBef>
+                <a:spcPts val="500"/>
+              </a:spcBef>
+              <a:buFont typeface="Arial" panose="020B0604020202020204" pitchFamily="34" charset="0"/>
+              <a:buChar char="•"/>
+              <a:defRPr sz="1800" kern="1200">
+                <a:solidFill>
+                  <a:schemeClr val="tx1"/>
+                </a:solidFill>
+                <a:latin typeface="+mn-lt"/>
+                <a:ea typeface="+mn-ea"/>
+                <a:cs typeface="+mn-cs"/>
+              </a:defRPr>
+            </a:lvl6pPr>
+            <a:lvl7pPr marL="2971800" indent="-228600" algn="l" defTabSz="914400" rtl="0" eaLnBrk="1" latinLnBrk="0" hangingPunct="1">
+              <a:lnSpc>
+                <a:spcPct val="90000"/>
+              </a:lnSpc>
+              <a:spcBef>
+                <a:spcPts val="500"/>
+              </a:spcBef>
+              <a:buFont typeface="Arial" panose="020B0604020202020204" pitchFamily="34" charset="0"/>
+              <a:buChar char="•"/>
+              <a:defRPr sz="1800" kern="1200">
+                <a:solidFill>
+                  <a:schemeClr val="tx1"/>
+                </a:solidFill>
+                <a:latin typeface="+mn-lt"/>
+                <a:ea typeface="+mn-ea"/>
+                <a:cs typeface="+mn-cs"/>
+              </a:defRPr>
+            </a:lvl7pPr>
+            <a:lvl8pPr marL="3429000" indent="-228600" algn="l" defTabSz="914400" rtl="0" eaLnBrk="1" latinLnBrk="0" hangingPunct="1">
+              <a:lnSpc>
+                <a:spcPct val="90000"/>
+              </a:lnSpc>
+              <a:spcBef>
+                <a:spcPts val="500"/>
+              </a:spcBef>
+              <a:buFont typeface="Arial" panose="020B0604020202020204" pitchFamily="34" charset="0"/>
+              <a:buChar char="•"/>
+              <a:defRPr sz="1800" kern="1200">
+                <a:solidFill>
+                  <a:schemeClr val="tx1"/>
+                </a:solidFill>
+                <a:latin typeface="+mn-lt"/>
+                <a:ea typeface="+mn-ea"/>
+                <a:cs typeface="+mn-cs"/>
+              </a:defRPr>
+            </a:lvl8pPr>
+            <a:lvl9pPr marL="3886200" indent="-228600" algn="l" defTabSz="914400" rtl="0" eaLnBrk="1" latinLnBrk="0" hangingPunct="1">
+              <a:lnSpc>
+                <a:spcPct val="90000"/>
+              </a:lnSpc>
+              <a:spcBef>
+                <a:spcPts val="500"/>
+              </a:spcBef>
+              <a:buFont typeface="Arial" panose="020B0604020202020204" pitchFamily="34" charset="0"/>
+              <a:buChar char="•"/>
+              <a:defRPr sz="1800" kern="1200">
+                <a:solidFill>
+                  <a:schemeClr val="tx1"/>
+                </a:solidFill>
+                <a:latin typeface="+mn-lt"/>
+                <a:ea typeface="+mn-ea"/>
+                <a:cs typeface="+mn-cs"/>
+              </a:defRPr>
+            </a:lvl9pPr>
+          </a:lstStyle>
+          <a:p>
+            <a:pPr marL="0" indent="0">
+              <a:buNone/>
+            </a:pPr>
+            <a:r>
+              <a:rPr lang="en-US" altLang="zh-CN" sz="2400" b="1" dirty="0"/>
+              <a:t>5. General Framework</a:t>
+            </a:r>
+          </a:p>
+          <a:p>
+            <a:pPr marL="0" indent="0">
+              <a:buNone/>
+            </a:pPr>
+            <a:r>
+              <a:rPr lang="en-US" altLang="zh-CN" sz="2400" b="1" dirty="0"/>
+              <a:t>6. Open Problems (Challenges) and Future Works</a:t>
+            </a:r>
+          </a:p>
+          <a:p>
+            <a:pPr marL="0" indent="0">
+              <a:buNone/>
+            </a:pPr>
+            <a:r>
+              <a:rPr lang="en-US" altLang="zh-CN" sz="2400" b="1" dirty="0"/>
+              <a:t>7. Conclusion</a:t>
+            </a:r>
+          </a:p>
+          <a:p>
+            <a:pPr marL="457200" lvl="1" indent="0">
+              <a:buNone/>
+            </a:pPr>
+            <a:endParaRPr lang="en-US" altLang="zh-CN" dirty="0"/>
+          </a:p>
+        </p:txBody>
+      </p:sp>
+    </p:spTree>
+    <p:extLst>
+      <p:ext uri="{BB962C8B-B14F-4D97-AF65-F5344CB8AC3E}">
+        <p14:creationId xmlns:p14="http://schemas.microsoft.com/office/powerpoint/2010/main" val="1852155045"/>
       </p:ext>
     </p:extLst>
   </p:cSld>

--- a/Papers/ML Apply in OS/updates.pptx
+++ b/Papers/ML Apply in OS/updates.pptx
@@ -5,7 +5,7 @@
     <p:sldMasterId id="2147483648" r:id="rId1"/>
   </p:sldMasterIdLst>
   <p:notesMasterIdLst>
-    <p:notesMasterId r:id="rId8"/>
+    <p:notesMasterId r:id="rId9"/>
   </p:notesMasterIdLst>
   <p:sldIdLst>
     <p:sldId id="257" r:id="rId2"/>
@@ -14,6 +14,7 @@
     <p:sldId id="262" r:id="rId5"/>
     <p:sldId id="263" r:id="rId6"/>
     <p:sldId id="264" r:id="rId7"/>
+    <p:sldId id="265" r:id="rId8"/>
   </p:sldIdLst>
   <p:sldSz cx="12192000" cy="6858000"/>
   <p:notesSz cx="6858000" cy="9144000"/>
@@ -202,7 +203,7 @@
           <a:p>
             <a:fld id="{FAAEFEE4-5241-476D-A270-E097B1D7E668}" type="datetimeFigureOut">
               <a:rPr lang="zh-CN" altLang="en-US" smtClean="0"/>
-              <a:t>2023/10/13</a:t>
+              <a:t>2023/10/14</a:t>
             </a:fld>
             <a:endParaRPr lang="zh-CN" altLang="en-US"/>
           </a:p>
@@ -1204,7 +1205,7 @@
           <a:p>
             <a:fld id="{3446BE64-2E24-4CF0-9390-8E701061B494}" type="datetimeFigureOut">
               <a:rPr lang="zh-CN" altLang="en-US" smtClean="0"/>
-              <a:t>2023/10/13</a:t>
+              <a:t>2023/10/14</a:t>
             </a:fld>
             <a:endParaRPr lang="zh-CN" altLang="en-US"/>
           </a:p>
@@ -1402,7 +1403,7 @@
           <a:p>
             <a:fld id="{3446BE64-2E24-4CF0-9390-8E701061B494}" type="datetimeFigureOut">
               <a:rPr lang="zh-CN" altLang="en-US" smtClean="0"/>
-              <a:t>2023/10/13</a:t>
+              <a:t>2023/10/14</a:t>
             </a:fld>
             <a:endParaRPr lang="zh-CN" altLang="en-US"/>
           </a:p>
@@ -1610,7 +1611,7 @@
           <a:p>
             <a:fld id="{3446BE64-2E24-4CF0-9390-8E701061B494}" type="datetimeFigureOut">
               <a:rPr lang="zh-CN" altLang="en-US" smtClean="0"/>
-              <a:t>2023/10/13</a:t>
+              <a:t>2023/10/14</a:t>
             </a:fld>
             <a:endParaRPr lang="zh-CN" altLang="en-US"/>
           </a:p>
@@ -1808,7 +1809,7 @@
           <a:p>
             <a:fld id="{3446BE64-2E24-4CF0-9390-8E701061B494}" type="datetimeFigureOut">
               <a:rPr lang="zh-CN" altLang="en-US" smtClean="0"/>
-              <a:t>2023/10/13</a:t>
+              <a:t>2023/10/14</a:t>
             </a:fld>
             <a:endParaRPr lang="zh-CN" altLang="en-US"/>
           </a:p>
@@ -2083,7 +2084,7 @@
           <a:p>
             <a:fld id="{3446BE64-2E24-4CF0-9390-8E701061B494}" type="datetimeFigureOut">
               <a:rPr lang="zh-CN" altLang="en-US" smtClean="0"/>
-              <a:t>2023/10/13</a:t>
+              <a:t>2023/10/14</a:t>
             </a:fld>
             <a:endParaRPr lang="zh-CN" altLang="en-US"/>
           </a:p>
@@ -2348,7 +2349,7 @@
           <a:p>
             <a:fld id="{3446BE64-2E24-4CF0-9390-8E701061B494}" type="datetimeFigureOut">
               <a:rPr lang="zh-CN" altLang="en-US" smtClean="0"/>
-              <a:t>2023/10/13</a:t>
+              <a:t>2023/10/14</a:t>
             </a:fld>
             <a:endParaRPr lang="zh-CN" altLang="en-US"/>
           </a:p>
@@ -2760,7 +2761,7 @@
           <a:p>
             <a:fld id="{3446BE64-2E24-4CF0-9390-8E701061B494}" type="datetimeFigureOut">
               <a:rPr lang="zh-CN" altLang="en-US" smtClean="0"/>
-              <a:t>2023/10/13</a:t>
+              <a:t>2023/10/14</a:t>
             </a:fld>
             <a:endParaRPr lang="zh-CN" altLang="en-US"/>
           </a:p>
@@ -2901,7 +2902,7 @@
           <a:p>
             <a:fld id="{3446BE64-2E24-4CF0-9390-8E701061B494}" type="datetimeFigureOut">
               <a:rPr lang="zh-CN" altLang="en-US" smtClean="0"/>
-              <a:t>2023/10/13</a:t>
+              <a:t>2023/10/14</a:t>
             </a:fld>
             <a:endParaRPr lang="zh-CN" altLang="en-US"/>
           </a:p>
@@ -3014,7 +3015,7 @@
           <a:p>
             <a:fld id="{3446BE64-2E24-4CF0-9390-8E701061B494}" type="datetimeFigureOut">
               <a:rPr lang="zh-CN" altLang="en-US" smtClean="0"/>
-              <a:t>2023/10/13</a:t>
+              <a:t>2023/10/14</a:t>
             </a:fld>
             <a:endParaRPr lang="zh-CN" altLang="en-US"/>
           </a:p>
@@ -3325,7 +3326,7 @@
           <a:p>
             <a:fld id="{3446BE64-2E24-4CF0-9390-8E701061B494}" type="datetimeFigureOut">
               <a:rPr lang="zh-CN" altLang="en-US" smtClean="0"/>
-              <a:t>2023/10/13</a:t>
+              <a:t>2023/10/14</a:t>
             </a:fld>
             <a:endParaRPr lang="zh-CN" altLang="en-US"/>
           </a:p>
@@ -3613,7 +3614,7 @@
           <a:p>
             <a:fld id="{3446BE64-2E24-4CF0-9390-8E701061B494}" type="datetimeFigureOut">
               <a:rPr lang="zh-CN" altLang="en-US" smtClean="0"/>
-              <a:t>2023/10/13</a:t>
+              <a:t>2023/10/14</a:t>
             </a:fld>
             <a:endParaRPr lang="zh-CN" altLang="en-US"/>
           </a:p>
@@ -3854,7 +3855,7 @@
           <a:p>
             <a:fld id="{3446BE64-2E24-4CF0-9390-8E701061B494}" type="datetimeFigureOut">
               <a:rPr lang="zh-CN" altLang="en-US" smtClean="0"/>
-              <a:t>2023/10/13</a:t>
+              <a:t>2023/10/14</a:t>
             </a:fld>
             <a:endParaRPr lang="zh-CN" altLang="en-US"/>
           </a:p>
@@ -5408,7 +5409,7 @@
             </a:pPr>
             <a:r>
               <a:rPr lang="en-US" altLang="zh-CN" sz="2400" b="1" dirty="0"/>
-              <a:t>5. General Framework</a:t>
+              <a:t>4. General Framework</a:t>
             </a:r>
           </a:p>
           <a:p>
@@ -5417,7 +5418,7 @@
             </a:pPr>
             <a:r>
               <a:rPr lang="en-US" altLang="zh-CN" sz="2400" b="1" dirty="0"/>
-              <a:t>6. Open Problems (Challenges) and Future Works</a:t>
+              <a:t>5. Open Problems (Challenges) and Future Works</a:t>
             </a:r>
           </a:p>
           <a:p>
@@ -5426,7 +5427,7 @@
             </a:pPr>
             <a:r>
               <a:rPr lang="en-US" altLang="zh-CN" sz="2400" b="1" dirty="0"/>
-              <a:t>7. Conclusion</a:t>
+              <a:t>6. Conclusion</a:t>
             </a:r>
           </a:p>
           <a:p>
@@ -6753,7 +6754,7 @@
         </p:nvSpPr>
         <p:spPr>
           <a:xfrm>
-            <a:off x="838200" y="180755"/>
+            <a:off x="914400" y="770859"/>
             <a:ext cx="11006470" cy="2658141"/>
           </a:xfrm>
         </p:spPr>
@@ -6803,17 +6804,43 @@
               <a:buNone/>
             </a:pPr>
             <a:r>
+              <a:rPr lang="en-US" altLang="zh-CN" dirty="0">
+                <a:solidFill>
+                  <a:schemeClr val="bg2">
+                    <a:lumMod val="75000"/>
+                  </a:schemeClr>
+                </a:solidFill>
+              </a:rPr>
+              <a:t>2.3 Task3:</a:t>
+            </a:r>
+            <a:r>
+              <a:rPr lang="zh-CN" altLang="en-US" dirty="0">
+                <a:solidFill>
+                  <a:schemeClr val="bg2">
+                    <a:lumMod val="75000"/>
+                  </a:schemeClr>
+                </a:solidFill>
+              </a:rPr>
+              <a:t> </a:t>
+            </a:r>
+            <a:r>
+              <a:rPr lang="en-US" altLang="zh-CN" dirty="0">
+                <a:solidFill>
+                  <a:schemeClr val="bg2">
+                    <a:lumMod val="75000"/>
+                  </a:schemeClr>
+                </a:solidFill>
+              </a:rPr>
+              <a:t>Cloud </a:t>
+            </a:r>
+          </a:p>
+          <a:p>
+            <a:pPr marL="457200" lvl="1" indent="0">
+              <a:buNone/>
+            </a:pPr>
+            <a:r>
               <a:rPr lang="en-US" altLang="zh-CN" dirty="0"/>
-              <a:t>2.3 Task3: Space Allocation</a:t>
-            </a:r>
-          </a:p>
-          <a:p>
-            <a:pPr marL="457200" lvl="1" indent="0">
-              <a:buNone/>
-            </a:pPr>
-            <a:r>
-              <a:rPr lang="en-US" altLang="zh-CN" dirty="0"/>
-              <a:t>2.4 Task4: Storage Management</a:t>
+              <a:t>2.4 Task4: Memory Management</a:t>
             </a:r>
           </a:p>
           <a:p>
@@ -6843,8 +6870,8 @@
         </p:nvSpPr>
         <p:spPr>
           <a:xfrm>
-            <a:off x="838200" y="2883197"/>
-            <a:ext cx="10515600" cy="2463210"/>
+            <a:off x="914400" y="3582154"/>
+            <a:ext cx="10515600" cy="436950"/>
           </a:xfrm>
           <a:prstGeom prst="rect">
             <a:avLst/>
@@ -7031,51 +7058,6 @@
             <a:pPr marL="457200" lvl="1" indent="0">
               <a:buNone/>
             </a:pPr>
-            <a:r>
-              <a:rPr lang="en-US" altLang="zh-CN" dirty="0"/>
-              <a:t>3.1 Task1: I/O Scheduling</a:t>
-            </a:r>
-          </a:p>
-          <a:p>
-            <a:pPr marL="457200" lvl="1" indent="0">
-              <a:buNone/>
-            </a:pPr>
-            <a:r>
-              <a:rPr lang="en-US" altLang="zh-CN" dirty="0"/>
-              <a:t>3.2 Task2: Process Scheduling</a:t>
-            </a:r>
-          </a:p>
-          <a:p>
-            <a:pPr marL="457200" lvl="1" indent="0">
-              <a:buNone/>
-            </a:pPr>
-            <a:r>
-              <a:rPr lang="en-US" altLang="zh-CN" dirty="0"/>
-              <a:t>3.3 Task3: Space Allocation</a:t>
-            </a:r>
-          </a:p>
-          <a:p>
-            <a:pPr marL="457200" lvl="1" indent="0">
-              <a:buNone/>
-            </a:pPr>
-            <a:r>
-              <a:rPr lang="en-US" altLang="zh-CN" dirty="0"/>
-              <a:t>3.4 Task4: Storage Management</a:t>
-            </a:r>
-          </a:p>
-          <a:p>
-            <a:pPr marL="457200" lvl="1" indent="0">
-              <a:buNone/>
-            </a:pPr>
-            <a:r>
-              <a:rPr lang="en-US" altLang="zh-CN" dirty="0"/>
-              <a:t>3.5 Task5: Network</a:t>
-            </a:r>
-          </a:p>
-          <a:p>
-            <a:pPr marL="457200" lvl="1" indent="0">
-              <a:buNone/>
-            </a:pPr>
             <a:endParaRPr lang="en-US" altLang="zh-CN" dirty="0"/>
           </a:p>
         </p:txBody>
@@ -7096,7 +7078,7 @@
         </p:nvSpPr>
         <p:spPr>
           <a:xfrm>
-            <a:off x="838200" y="5346407"/>
+            <a:off x="914400" y="4019104"/>
             <a:ext cx="10515600" cy="1373371"/>
           </a:xfrm>
           <a:prstGeom prst="rect">
@@ -7277,7 +7259,7 @@
             </a:pPr>
             <a:r>
               <a:rPr lang="en-US" altLang="zh-CN" sz="2400" b="1" dirty="0"/>
-              <a:t>5. General Framework</a:t>
+              <a:t>4. General Framework</a:t>
             </a:r>
           </a:p>
           <a:p>
@@ -7286,7 +7268,7 @@
             </a:pPr>
             <a:r>
               <a:rPr lang="en-US" altLang="zh-CN" sz="2400" b="1" dirty="0"/>
-              <a:t>6. Open Problems (Challenges) and Future Works</a:t>
+              <a:t>5. Open Problems (Challenges) and Future Works</a:t>
             </a:r>
           </a:p>
           <a:p>
@@ -7295,7 +7277,7 @@
             </a:pPr>
             <a:r>
               <a:rPr lang="en-US" altLang="zh-CN" sz="2400" b="1" dirty="0"/>
-              <a:t>7. Conclusion</a:t>
+              <a:t>6. Conclusion</a:t>
             </a:r>
           </a:p>
           <a:p>
@@ -7310,6 +7292,304 @@
     <p:extLst>
       <p:ext uri="{BB962C8B-B14F-4D97-AF65-F5344CB8AC3E}">
         <p14:creationId xmlns:p14="http://schemas.microsoft.com/office/powerpoint/2010/main" val="1852155045"/>
+      </p:ext>
+    </p:extLst>
+  </p:cSld>
+  <p:clrMapOvr>
+    <a:masterClrMapping/>
+  </p:clrMapOvr>
+</p:sld>
+</file>
+
+<file path=ppt/slides/slide7.xml><?xml version="1.0" encoding="utf-8"?>
+<p:sld xmlns:a="http://schemas.openxmlformats.org/drawingml/2006/main" xmlns:r="http://schemas.openxmlformats.org/officeDocument/2006/relationships" xmlns:p="http://schemas.openxmlformats.org/presentationml/2006/main">
+  <p:cSld>
+    <p:spTree>
+      <p:nvGrpSpPr>
+        <p:cNvPr id="1" name=""/>
+        <p:cNvGrpSpPr/>
+        <p:nvPr/>
+      </p:nvGrpSpPr>
+      <p:grpSpPr>
+        <a:xfrm>
+          <a:off x="0" y="0"/>
+          <a:ext cx="0" cy="0"/>
+          <a:chOff x="0" y="0"/>
+          <a:chExt cx="0" cy="0"/>
+        </a:xfrm>
+      </p:grpSpPr>
+      <p:sp>
+        <p:nvSpPr>
+          <p:cNvPr id="2" name="标题 1">
+            <a:extLst>
+              <a:ext uri="{FF2B5EF4-FFF2-40B4-BE49-F238E27FC236}">
+                <a16:creationId xmlns:a16="http://schemas.microsoft.com/office/drawing/2014/main" id="{32C121A3-61BC-9BAB-7CF0-A60E9D75D3DF}"/>
+              </a:ext>
+            </a:extLst>
+          </p:cNvPr>
+          <p:cNvSpPr>
+            <a:spLocks noGrp="1"/>
+          </p:cNvSpPr>
+          <p:nvPr>
+            <p:ph type="title"/>
+          </p:nvPr>
+        </p:nvSpPr>
+        <p:spPr>
+          <a:xfrm>
+            <a:off x="838200" y="550183"/>
+            <a:ext cx="10515600" cy="669018"/>
+          </a:xfrm>
+        </p:spPr>
+        <p:txBody>
+          <a:bodyPr>
+            <a:normAutofit/>
+          </a:bodyPr>
+          <a:lstStyle/>
+          <a:p>
+            <a:r>
+              <a:rPr lang="en-US" altLang="zh-CN" sz="3600" b="1" dirty="0"/>
+              <a:t>Specific Tasks</a:t>
+            </a:r>
+            <a:endParaRPr lang="zh-CN" altLang="en-US" sz="3600" b="1" dirty="0"/>
+          </a:p>
+        </p:txBody>
+      </p:sp>
+      <p:sp>
+        <p:nvSpPr>
+          <p:cNvPr id="3" name="内容占位符 2">
+            <a:extLst>
+              <a:ext uri="{FF2B5EF4-FFF2-40B4-BE49-F238E27FC236}">
+                <a16:creationId xmlns:a16="http://schemas.microsoft.com/office/drawing/2014/main" id="{5A662629-53E1-F75F-57F6-64F21E926A3B}"/>
+              </a:ext>
+            </a:extLst>
+          </p:cNvPr>
+          <p:cNvSpPr>
+            <a:spLocks noGrp="1"/>
+          </p:cNvSpPr>
+          <p:nvPr>
+            <p:ph idx="1"/>
+          </p:nvPr>
+        </p:nvSpPr>
+        <p:spPr>
+          <a:xfrm>
+            <a:off x="1045029" y="1632860"/>
+            <a:ext cx="6019800" cy="5910942"/>
+          </a:xfrm>
+        </p:spPr>
+        <p:txBody>
+          <a:bodyPr>
+            <a:normAutofit/>
+          </a:bodyPr>
+          <a:lstStyle/>
+          <a:p>
+            <a:r>
+              <a:rPr lang="en-US" altLang="zh-CN" b="1" dirty="0"/>
+              <a:t>I/O Scheduling</a:t>
+            </a:r>
+          </a:p>
+          <a:p>
+            <a:pPr lvl="1"/>
+            <a:r>
+              <a:rPr lang="en-US" altLang="zh-CN" dirty="0"/>
+              <a:t>Tape</a:t>
+            </a:r>
+          </a:p>
+          <a:p>
+            <a:pPr lvl="1"/>
+            <a:r>
+              <a:rPr lang="en-US" altLang="zh-CN" dirty="0"/>
+              <a:t>Disk</a:t>
+            </a:r>
+          </a:p>
+          <a:p>
+            <a:pPr lvl="1"/>
+            <a:r>
+              <a:rPr lang="en-US" altLang="zh-CN" dirty="0"/>
+              <a:t>SSD</a:t>
+            </a:r>
+          </a:p>
+          <a:p>
+            <a:pPr lvl="1"/>
+            <a:r>
+              <a:rPr lang="en-US" altLang="zh-CN" dirty="0"/>
+              <a:t>Generally</a:t>
+            </a:r>
+          </a:p>
+          <a:p>
+            <a:pPr marL="457200" lvl="1" indent="0">
+              <a:buNone/>
+            </a:pPr>
+            <a:endParaRPr lang="en-US" altLang="zh-CN" dirty="0"/>
+          </a:p>
+          <a:p>
+            <a:r>
+              <a:rPr lang="en-US" altLang="zh-CN" b="1" dirty="0"/>
+              <a:t>Process Scheduling</a:t>
+            </a:r>
+          </a:p>
+          <a:p>
+            <a:pPr lvl="1"/>
+            <a:r>
+              <a:rPr lang="en-US" altLang="zh-CN" dirty="0"/>
+              <a:t>Multiprocessor Scheduling</a:t>
+            </a:r>
+          </a:p>
+          <a:p>
+            <a:pPr lvl="1"/>
+            <a:r>
+              <a:rPr lang="en-US" altLang="zh-CN" dirty="0"/>
+              <a:t>Basic Process Scheduler</a:t>
+            </a:r>
+          </a:p>
+          <a:p>
+            <a:pPr lvl="1"/>
+            <a:r>
+              <a:rPr lang="en-US" altLang="zh-CN" dirty="0"/>
+              <a:t>Many-core Scheduling</a:t>
+            </a:r>
+          </a:p>
+          <a:p>
+            <a:pPr lvl="1"/>
+            <a:r>
+              <a:rPr lang="en-US" altLang="zh-CN" dirty="0"/>
+              <a:t>Multi-threaded processor scheduling</a:t>
+            </a:r>
+          </a:p>
+          <a:p>
+            <a:pPr marL="0" indent="0">
+              <a:buNone/>
+            </a:pPr>
+            <a:endParaRPr lang="zh-CN" altLang="en-US" dirty="0"/>
+          </a:p>
+        </p:txBody>
+      </p:sp>
+      <p:sp>
+        <p:nvSpPr>
+          <p:cNvPr id="5" name="文本框 4">
+            <a:extLst>
+              <a:ext uri="{FF2B5EF4-FFF2-40B4-BE49-F238E27FC236}">
+                <a16:creationId xmlns:a16="http://schemas.microsoft.com/office/drawing/2014/main" id="{60E25BE4-D3AA-16DB-7E9D-995244E3C7C8}"/>
+              </a:ext>
+            </a:extLst>
+          </p:cNvPr>
+          <p:cNvSpPr txBox="1"/>
+          <p:nvPr/>
+        </p:nvSpPr>
+        <p:spPr>
+          <a:xfrm>
+            <a:off x="6096000" y="1578430"/>
+            <a:ext cx="7053943" cy="3908762"/>
+          </a:xfrm>
+          <a:prstGeom prst="rect">
+            <a:avLst/>
+          </a:prstGeom>
+          <a:noFill/>
+        </p:spPr>
+        <p:txBody>
+          <a:bodyPr wrap="square">
+            <a:spAutoFit/>
+          </a:bodyPr>
+          <a:lstStyle/>
+          <a:p>
+            <a:pPr marL="285750" indent="-285750">
+              <a:buFont typeface="Arial" panose="020B0604020202020204" pitchFamily="34" charset="0"/>
+              <a:buChar char="•"/>
+            </a:pPr>
+            <a:r>
+              <a:rPr lang="en-US" altLang="zh-CN" sz="2800" b="1" dirty="0"/>
+              <a:t>Memory Management</a:t>
+            </a:r>
+          </a:p>
+          <a:p>
+            <a:pPr marL="742950" lvl="1" indent="-285750">
+              <a:buFont typeface="Arial" panose="020B0604020202020204" pitchFamily="34" charset="0"/>
+              <a:buChar char="•"/>
+            </a:pPr>
+            <a:r>
+              <a:rPr lang="en-US" altLang="zh-CN" sz="2400" dirty="0"/>
+              <a:t>Cache Management</a:t>
+            </a:r>
+          </a:p>
+          <a:p>
+            <a:pPr marL="742950" lvl="1" indent="-285750">
+              <a:buFont typeface="Arial" panose="020B0604020202020204" pitchFamily="34" charset="0"/>
+              <a:buChar char="•"/>
+            </a:pPr>
+            <a:r>
+              <a:rPr lang="en-US" altLang="zh-CN" sz="2400" dirty="0"/>
+              <a:t>Readahead</a:t>
+            </a:r>
+          </a:p>
+          <a:p>
+            <a:pPr marL="742950" lvl="1" indent="-285750">
+              <a:buFont typeface="Arial" panose="020B0604020202020204" pitchFamily="34" charset="0"/>
+              <a:buChar char="•"/>
+            </a:pPr>
+            <a:r>
+              <a:rPr lang="en-US" altLang="zh-CN" sz="2400" dirty="0"/>
+              <a:t>Page Replacement Algorithm</a:t>
+            </a:r>
+          </a:p>
+          <a:p>
+            <a:pPr marL="742950" lvl="1" indent="-285750">
+              <a:buFont typeface="Arial" panose="020B0604020202020204" pitchFamily="34" charset="0"/>
+              <a:buChar char="•"/>
+            </a:pPr>
+            <a:r>
+              <a:rPr lang="en-US" altLang="zh-CN" sz="2400" dirty="0"/>
+              <a:t>Page Management</a:t>
+            </a:r>
+          </a:p>
+          <a:p>
+            <a:pPr lvl="1"/>
+            <a:endParaRPr lang="en-US" altLang="zh-CN" sz="2400" dirty="0"/>
+          </a:p>
+          <a:p>
+            <a:pPr marL="285750" indent="-285750">
+              <a:buFont typeface="Arial" panose="020B0604020202020204" pitchFamily="34" charset="0"/>
+              <a:buChar char="•"/>
+            </a:pPr>
+            <a:r>
+              <a:rPr lang="en-US" altLang="zh-CN" sz="2800" b="1" dirty="0"/>
+              <a:t>Network</a:t>
+            </a:r>
+          </a:p>
+          <a:p>
+            <a:pPr marL="742950" lvl="1" indent="-285750">
+              <a:buFont typeface="Arial" panose="020B0604020202020204" pitchFamily="34" charset="0"/>
+              <a:buChar char="•"/>
+            </a:pPr>
+            <a:r>
+              <a:rPr lang="en-US" altLang="zh-CN" sz="2400" dirty="0"/>
+              <a:t>Packet Scheduler</a:t>
+            </a:r>
+          </a:p>
+          <a:p>
+            <a:pPr marL="742950" lvl="1" indent="-285750">
+              <a:buFont typeface="Arial" panose="020B0604020202020204" pitchFamily="34" charset="0"/>
+              <a:buChar char="•"/>
+            </a:pPr>
+            <a:r>
+              <a:rPr lang="en-US" altLang="zh-CN" sz="2400" dirty="0"/>
+              <a:t>Congestion Control</a:t>
+            </a:r>
+          </a:p>
+          <a:p>
+            <a:pPr marL="742950" lvl="1" indent="-285750">
+              <a:buFont typeface="Arial" panose="020B0604020202020204" pitchFamily="34" charset="0"/>
+              <a:buChar char="•"/>
+            </a:pPr>
+            <a:r>
+              <a:rPr lang="en-US" altLang="zh-CN" sz="2400" dirty="0"/>
+              <a:t>Flow Control</a:t>
+            </a:r>
+          </a:p>
+        </p:txBody>
+      </p:sp>
+    </p:spTree>
+    <p:extLst>
+      <p:ext uri="{BB962C8B-B14F-4D97-AF65-F5344CB8AC3E}">
+        <p14:creationId xmlns:p14="http://schemas.microsoft.com/office/powerpoint/2010/main" val="3165820902"/>
       </p:ext>
     </p:extLst>
   </p:cSld>

--- a/Papers/ML Apply in OS/updates.pptx
+++ b/Papers/ML Apply in OS/updates.pptx
@@ -5,7 +5,7 @@
     <p:sldMasterId id="2147483648" r:id="rId1"/>
   </p:sldMasterIdLst>
   <p:notesMasterIdLst>
-    <p:notesMasterId r:id="rId9"/>
+    <p:notesMasterId r:id="rId10"/>
   </p:notesMasterIdLst>
   <p:sldIdLst>
     <p:sldId id="257" r:id="rId2"/>
@@ -15,6 +15,7 @@
     <p:sldId id="263" r:id="rId6"/>
     <p:sldId id="264" r:id="rId7"/>
     <p:sldId id="265" r:id="rId8"/>
+    <p:sldId id="266" r:id="rId9"/>
   </p:sldIdLst>
   <p:sldSz cx="12192000" cy="6858000"/>
   <p:notesSz cx="6858000" cy="9144000"/>
@@ -203,7 +204,7 @@
           <a:p>
             <a:fld id="{FAAEFEE4-5241-476D-A270-E097B1D7E668}" type="datetimeFigureOut">
               <a:rPr lang="zh-CN" altLang="en-US" smtClean="0"/>
-              <a:t>2023/10/14</a:t>
+              <a:t>2023/10/19</a:t>
             </a:fld>
             <a:endParaRPr lang="zh-CN" altLang="en-US"/>
           </a:p>
@@ -996,7 +997,7 @@
           <a:p>
             <a:r>
               <a:rPr lang="en-US" altLang="zh-CN" dirty="0"/>
-              <a:t>Revision 2</a:t>
+              <a:t>Revision 3</a:t>
             </a:r>
           </a:p>
           <a:p>
@@ -1205,7 +1206,7 @@
           <a:p>
             <a:fld id="{3446BE64-2E24-4CF0-9390-8E701061B494}" type="datetimeFigureOut">
               <a:rPr lang="zh-CN" altLang="en-US" smtClean="0"/>
-              <a:t>2023/10/14</a:t>
+              <a:t>2023/10/19</a:t>
             </a:fld>
             <a:endParaRPr lang="zh-CN" altLang="en-US"/>
           </a:p>
@@ -1403,7 +1404,7 @@
           <a:p>
             <a:fld id="{3446BE64-2E24-4CF0-9390-8E701061B494}" type="datetimeFigureOut">
               <a:rPr lang="zh-CN" altLang="en-US" smtClean="0"/>
-              <a:t>2023/10/14</a:t>
+              <a:t>2023/10/19</a:t>
             </a:fld>
             <a:endParaRPr lang="zh-CN" altLang="en-US"/>
           </a:p>
@@ -1611,7 +1612,7 @@
           <a:p>
             <a:fld id="{3446BE64-2E24-4CF0-9390-8E701061B494}" type="datetimeFigureOut">
               <a:rPr lang="zh-CN" altLang="en-US" smtClean="0"/>
-              <a:t>2023/10/14</a:t>
+              <a:t>2023/10/19</a:t>
             </a:fld>
             <a:endParaRPr lang="zh-CN" altLang="en-US"/>
           </a:p>
@@ -1809,7 +1810,7 @@
           <a:p>
             <a:fld id="{3446BE64-2E24-4CF0-9390-8E701061B494}" type="datetimeFigureOut">
               <a:rPr lang="zh-CN" altLang="en-US" smtClean="0"/>
-              <a:t>2023/10/14</a:t>
+              <a:t>2023/10/19</a:t>
             </a:fld>
             <a:endParaRPr lang="zh-CN" altLang="en-US"/>
           </a:p>
@@ -2084,7 +2085,7 @@
           <a:p>
             <a:fld id="{3446BE64-2E24-4CF0-9390-8E701061B494}" type="datetimeFigureOut">
               <a:rPr lang="zh-CN" altLang="en-US" smtClean="0"/>
-              <a:t>2023/10/14</a:t>
+              <a:t>2023/10/19</a:t>
             </a:fld>
             <a:endParaRPr lang="zh-CN" altLang="en-US"/>
           </a:p>
@@ -2349,7 +2350,7 @@
           <a:p>
             <a:fld id="{3446BE64-2E24-4CF0-9390-8E701061B494}" type="datetimeFigureOut">
               <a:rPr lang="zh-CN" altLang="en-US" smtClean="0"/>
-              <a:t>2023/10/14</a:t>
+              <a:t>2023/10/19</a:t>
             </a:fld>
             <a:endParaRPr lang="zh-CN" altLang="en-US"/>
           </a:p>
@@ -2761,7 +2762,7 @@
           <a:p>
             <a:fld id="{3446BE64-2E24-4CF0-9390-8E701061B494}" type="datetimeFigureOut">
               <a:rPr lang="zh-CN" altLang="en-US" smtClean="0"/>
-              <a:t>2023/10/14</a:t>
+              <a:t>2023/10/19</a:t>
             </a:fld>
             <a:endParaRPr lang="zh-CN" altLang="en-US"/>
           </a:p>
@@ -2902,7 +2903,7 @@
           <a:p>
             <a:fld id="{3446BE64-2E24-4CF0-9390-8E701061B494}" type="datetimeFigureOut">
               <a:rPr lang="zh-CN" altLang="en-US" smtClean="0"/>
-              <a:t>2023/10/14</a:t>
+              <a:t>2023/10/19</a:t>
             </a:fld>
             <a:endParaRPr lang="zh-CN" altLang="en-US"/>
           </a:p>
@@ -3015,7 +3016,7 @@
           <a:p>
             <a:fld id="{3446BE64-2E24-4CF0-9390-8E701061B494}" type="datetimeFigureOut">
               <a:rPr lang="zh-CN" altLang="en-US" smtClean="0"/>
-              <a:t>2023/10/14</a:t>
+              <a:t>2023/10/19</a:t>
             </a:fld>
             <a:endParaRPr lang="zh-CN" altLang="en-US"/>
           </a:p>
@@ -3326,7 +3327,7 @@
           <a:p>
             <a:fld id="{3446BE64-2E24-4CF0-9390-8E701061B494}" type="datetimeFigureOut">
               <a:rPr lang="zh-CN" altLang="en-US" smtClean="0"/>
-              <a:t>2023/10/14</a:t>
+              <a:t>2023/10/19</a:t>
             </a:fld>
             <a:endParaRPr lang="zh-CN" altLang="en-US"/>
           </a:p>
@@ -3614,7 +3615,7 @@
           <a:p>
             <a:fld id="{3446BE64-2E24-4CF0-9390-8E701061B494}" type="datetimeFigureOut">
               <a:rPr lang="zh-CN" altLang="en-US" smtClean="0"/>
-              <a:t>2023/10/14</a:t>
+              <a:t>2023/10/19</a:t>
             </a:fld>
             <a:endParaRPr lang="zh-CN" altLang="en-US"/>
           </a:p>
@@ -3855,7 +3856,7 @@
           <a:p>
             <a:fld id="{3446BE64-2E24-4CF0-9390-8E701061B494}" type="datetimeFigureOut">
               <a:rPr lang="zh-CN" altLang="en-US" smtClean="0"/>
-              <a:t>2023/10/14</a:t>
+              <a:t>2023/10/19</a:t>
             </a:fld>
             <a:endParaRPr lang="zh-CN" altLang="en-US"/>
           </a:p>
@@ -6804,34 +6805,8 @@
               <a:buNone/>
             </a:pPr>
             <a:r>
-              <a:rPr lang="en-US" altLang="zh-CN" dirty="0">
-                <a:solidFill>
-                  <a:schemeClr val="bg2">
-                    <a:lumMod val="75000"/>
-                  </a:schemeClr>
-                </a:solidFill>
-              </a:rPr>
-              <a:t>2.3 Task3:</a:t>
-            </a:r>
-            <a:r>
-              <a:rPr lang="zh-CN" altLang="en-US" dirty="0">
-                <a:solidFill>
-                  <a:schemeClr val="bg2">
-                    <a:lumMod val="75000"/>
-                  </a:schemeClr>
-                </a:solidFill>
-              </a:rPr>
-              <a:t> </a:t>
-            </a:r>
-            <a:r>
-              <a:rPr lang="en-US" altLang="zh-CN" dirty="0">
-                <a:solidFill>
-                  <a:schemeClr val="bg2">
-                    <a:lumMod val="75000"/>
-                  </a:schemeClr>
-                </a:solidFill>
-              </a:rPr>
-              <a:t>Cloud </a:t>
+              <a:rPr lang="en-US" altLang="zh-CN" dirty="0"/>
+              <a:t>2.3 Task3: Memory Management</a:t>
             </a:r>
           </a:p>
           <a:p>
@@ -6840,7 +6815,7 @@
             </a:pPr>
             <a:r>
               <a:rPr lang="en-US" altLang="zh-CN" dirty="0"/>
-              <a:t>2.4 Task4: Memory Management</a:t>
+              <a:t>2.4 Task4: Network</a:t>
             </a:r>
           </a:p>
           <a:p>
@@ -6849,7 +6824,7 @@
             </a:pPr>
             <a:r>
               <a:rPr lang="en-US" altLang="zh-CN" dirty="0"/>
-              <a:t>2.5 Task5: Network</a:t>
+              <a:t>2.5 Task5: Cloud</a:t>
             </a:r>
           </a:p>
         </p:txBody>
@@ -7347,10 +7322,26 @@
           <a:lstStyle/>
           <a:p>
             <a:r>
-              <a:rPr lang="en-US" altLang="zh-CN" sz="3600" b="1" dirty="0"/>
+              <a:rPr lang="en-US" altLang="zh-CN" sz="3600" b="1" dirty="0">
+                <a:solidFill>
+                  <a:schemeClr val="accent1">
+                    <a:lumMod val="50000"/>
+                  </a:schemeClr>
+                </a:solidFill>
+                <a:latin typeface="Times New Roman" panose="02020603050405020304" pitchFamily="18" charset="0"/>
+                <a:cs typeface="Times New Roman" panose="02020603050405020304" pitchFamily="18" charset="0"/>
+              </a:rPr>
               <a:t>Specific Tasks</a:t>
             </a:r>
-            <a:endParaRPr lang="zh-CN" altLang="en-US" sz="3600" b="1" dirty="0"/>
+            <a:endParaRPr lang="zh-CN" altLang="en-US" sz="3600" b="1" dirty="0">
+              <a:solidFill>
+                <a:schemeClr val="accent1">
+                  <a:lumMod val="50000"/>
+                </a:schemeClr>
+              </a:solidFill>
+              <a:latin typeface="Times New Roman" panose="02020603050405020304" pitchFamily="18" charset="0"/>
+              <a:cs typeface="Times New Roman" panose="02020603050405020304" pitchFamily="18" charset="0"/>
+            </a:endParaRPr>
           </a:p>
         </p:txBody>
       </p:sp>
@@ -7372,7 +7363,7 @@
         </p:nvSpPr>
         <p:spPr>
           <a:xfrm>
-            <a:off x="1045029" y="1632860"/>
+            <a:off x="838200" y="1519011"/>
             <a:ext cx="6019800" cy="5910942"/>
           </a:xfrm>
         </p:spPr>
@@ -7431,14 +7422,14 @@
             <a:pPr lvl="1"/>
             <a:r>
               <a:rPr lang="en-US" altLang="zh-CN" dirty="0"/>
-              <a:t>Multiprocessor Scheduling</a:t>
+              <a:t>Multi-Processor Scheduling</a:t>
             </a:r>
           </a:p>
           <a:p>
             <a:pPr lvl="1"/>
             <a:r>
               <a:rPr lang="en-US" altLang="zh-CN" dirty="0"/>
-              <a:t>Basic Process Scheduler</a:t>
+              <a:t>Single-Processor Scheduling</a:t>
             </a:r>
           </a:p>
           <a:p>
@@ -7446,13 +7437,6 @@
             <a:r>
               <a:rPr lang="en-US" altLang="zh-CN" dirty="0"/>
               <a:t>Many-core Scheduling</a:t>
-            </a:r>
-          </a:p>
-          <a:p>
-            <a:pPr lvl="1"/>
-            <a:r>
-              <a:rPr lang="en-US" altLang="zh-CN" dirty="0"/>
-              <a:t>Multi-threaded processor scheduling</a:t>
             </a:r>
           </a:p>
           <a:p>
@@ -7477,8 +7461,8 @@
         </p:nvSpPr>
         <p:spPr>
           <a:xfrm>
-            <a:off x="6096000" y="1578430"/>
-            <a:ext cx="7053943" cy="3908762"/>
+            <a:off x="5954486" y="468087"/>
+            <a:ext cx="6096000" cy="5816977"/>
           </a:xfrm>
           <a:prstGeom prst="rect">
             <a:avLst/>
@@ -7507,7 +7491,7 @@
             </a:pPr>
             <a:r>
               <a:rPr lang="en-US" altLang="zh-CN" sz="2400" dirty="0"/>
-              <a:t>Cache Management</a:t>
+              <a:t>Cache Management (Replacement/Size)</a:t>
             </a:r>
           </a:p>
           <a:p>
@@ -7517,7 +7501,7 @@
             </a:pPr>
             <a:r>
               <a:rPr lang="en-US" altLang="zh-CN" sz="2400" dirty="0"/>
-              <a:t>Readahead</a:t>
+              <a:t>Readahead (Prefetch Mechanism)</a:t>
             </a:r>
           </a:p>
           <a:p>
@@ -7537,7 +7521,7 @@
             </a:pPr>
             <a:r>
               <a:rPr lang="en-US" altLang="zh-CN" sz="2400" dirty="0"/>
-              <a:t>Page Management</a:t>
+              <a:t>Garbage Collection</a:t>
             </a:r>
           </a:p>
           <a:p>
@@ -7584,12 +7568,289 @@
               <a:t>Flow Control</a:t>
             </a:r>
           </a:p>
+          <a:p>
+            <a:pPr marL="742950" lvl="1" indent="-285750">
+              <a:buFont typeface="Arial" panose="020B0604020202020204" pitchFamily="34" charset="0"/>
+              <a:buChar char="•"/>
+            </a:pPr>
+            <a:endParaRPr lang="en-US" altLang="zh-CN" sz="2400" dirty="0"/>
+          </a:p>
+          <a:p>
+            <a:pPr marL="285750" indent="-285750">
+              <a:buFont typeface="Arial" panose="020B0604020202020204" pitchFamily="34" charset="0"/>
+              <a:buChar char="•"/>
+            </a:pPr>
+            <a:r>
+              <a:rPr lang="en-US" altLang="zh-CN" sz="2800" b="1" dirty="0"/>
+              <a:t>Cloud</a:t>
+            </a:r>
+            <a:endParaRPr lang="en-US" altLang="zh-CN" sz="2400" b="1" dirty="0"/>
+          </a:p>
+          <a:p>
+            <a:pPr marL="742950" lvl="1" indent="-285750">
+              <a:buFont typeface="Arial" panose="020B0604020202020204" pitchFamily="34" charset="0"/>
+              <a:buChar char="•"/>
+            </a:pPr>
+            <a:r>
+              <a:rPr lang="en-US" altLang="zh-CN" sz="2400" dirty="0"/>
+              <a:t>Job Scheduling</a:t>
+            </a:r>
+          </a:p>
+          <a:p>
+            <a:pPr marL="742950" lvl="1" indent="-285750">
+              <a:buFont typeface="Arial" panose="020B0604020202020204" pitchFamily="34" charset="0"/>
+              <a:buChar char="•"/>
+            </a:pPr>
+            <a:r>
+              <a:rPr lang="en-US" altLang="zh-CN" sz="2400" dirty="0"/>
+              <a:t>Cache Policies</a:t>
+            </a:r>
+          </a:p>
+          <a:p>
+            <a:pPr marL="742950" lvl="1" indent="-285750">
+              <a:buFont typeface="Arial" panose="020B0604020202020204" pitchFamily="34" charset="0"/>
+              <a:buChar char="•"/>
+            </a:pPr>
+            <a:r>
+              <a:rPr lang="en-US" altLang="zh-CN" sz="2400" dirty="0"/>
+              <a:t>Resource Allocation</a:t>
+            </a:r>
+          </a:p>
         </p:txBody>
       </p:sp>
     </p:spTree>
     <p:extLst>
       <p:ext uri="{BB962C8B-B14F-4D97-AF65-F5344CB8AC3E}">
         <p14:creationId xmlns:p14="http://schemas.microsoft.com/office/powerpoint/2010/main" val="3165820902"/>
+      </p:ext>
+    </p:extLst>
+  </p:cSld>
+  <p:clrMapOvr>
+    <a:masterClrMapping/>
+  </p:clrMapOvr>
+</p:sld>
+</file>
+
+<file path=ppt/slides/slide8.xml><?xml version="1.0" encoding="utf-8"?>
+<p:sld xmlns:a="http://schemas.openxmlformats.org/drawingml/2006/main" xmlns:r="http://schemas.openxmlformats.org/officeDocument/2006/relationships" xmlns:p="http://schemas.openxmlformats.org/presentationml/2006/main">
+  <p:cSld>
+    <p:bg>
+      <p:bgPr>
+        <a:solidFill>
+          <a:schemeClr val="bg1"/>
+        </a:solidFill>
+        <a:effectLst/>
+      </p:bgPr>
+    </p:bg>
+    <p:spTree>
+      <p:nvGrpSpPr>
+        <p:cNvPr id="1" name=""/>
+        <p:cNvGrpSpPr/>
+        <p:nvPr/>
+      </p:nvGrpSpPr>
+      <p:grpSpPr>
+        <a:xfrm>
+          <a:off x="0" y="0"/>
+          <a:ext cx="0" cy="0"/>
+          <a:chOff x="0" y="0"/>
+          <a:chExt cx="0" cy="0"/>
+        </a:xfrm>
+      </p:grpSpPr>
+      <p:sp>
+        <p:nvSpPr>
+          <p:cNvPr id="10" name="Rectangle 9">
+            <a:extLst>
+              <a:ext uri="{FF2B5EF4-FFF2-40B4-BE49-F238E27FC236}">
+                <a16:creationId xmlns:a16="http://schemas.microsoft.com/office/drawing/2014/main" id="{42A4FC2C-047E-45A5-965D-8E1E3BF09BC6}"/>
+              </a:ext>
+              <a:ext uri="{C183D7F6-B498-43B3-948B-1728B52AA6E4}">
+                <adec:decorative xmlns:adec="http://schemas.microsoft.com/office/drawing/2017/decorative" val="1"/>
+              </a:ext>
+            </a:extLst>
+          </p:cNvPr>
+          <p:cNvSpPr>
+            <a:spLocks noGrp="1" noRot="1" noChangeAspect="1" noMove="1" noResize="1" noEditPoints="1" noAdjustHandles="1" noChangeArrowheads="1" noChangeShapeType="1" noTextEdit="1"/>
+          </p:cNvSpPr>
+          <p:nvPr>
+            <p:extLst>
+              <p:ext uri="{386F3935-93C4-4BCD-93E2-E3B085C9AB24}">
+                <p16:designElem xmlns:p16="http://schemas.microsoft.com/office/powerpoint/2015/main" val="1"/>
+              </p:ext>
+            </p:extLst>
+          </p:nvPr>
+        </p:nvSpPr>
+        <p:spPr bwMode="white">
+          <a:xfrm>
+            <a:off x="1524" y="0"/>
+            <a:ext cx="12188952" cy="6858000"/>
+          </a:xfrm>
+          <a:prstGeom prst="rect">
+            <a:avLst/>
+          </a:prstGeom>
+          <a:noFill/>
+          <a:ln>
+            <a:noFill/>
+          </a:ln>
+        </p:spPr>
+        <p:style>
+          <a:lnRef idx="2">
+            <a:schemeClr val="accent1">
+              <a:shade val="50000"/>
+            </a:schemeClr>
+          </a:lnRef>
+          <a:fillRef idx="1">
+            <a:schemeClr val="accent1"/>
+          </a:fillRef>
+          <a:effectRef idx="0">
+            <a:schemeClr val="accent1"/>
+          </a:effectRef>
+          <a:fontRef idx="minor">
+            <a:schemeClr val="lt1"/>
+          </a:fontRef>
+        </p:style>
+        <p:txBody>
+          <a:bodyPr rtlCol="0" anchor="ctr"/>
+          <a:lstStyle>
+            <a:defPPr>
+              <a:defRPr lang="en-US"/>
+            </a:defPPr>
+            <a:lvl1pPr marL="0" algn="l" defTabSz="914400" rtl="0" eaLnBrk="1" latinLnBrk="0" hangingPunct="1">
+              <a:defRPr sz="1800" kern="1200">
+                <a:solidFill>
+                  <a:schemeClr val="lt1"/>
+                </a:solidFill>
+                <a:latin typeface="+mn-lt"/>
+                <a:ea typeface="+mn-ea"/>
+                <a:cs typeface="+mn-cs"/>
+              </a:defRPr>
+            </a:lvl1pPr>
+            <a:lvl2pPr marL="457200" algn="l" defTabSz="914400" rtl="0" eaLnBrk="1" latinLnBrk="0" hangingPunct="1">
+              <a:defRPr sz="1800" kern="1200">
+                <a:solidFill>
+                  <a:schemeClr val="lt1"/>
+                </a:solidFill>
+                <a:latin typeface="+mn-lt"/>
+                <a:ea typeface="+mn-ea"/>
+                <a:cs typeface="+mn-cs"/>
+              </a:defRPr>
+            </a:lvl2pPr>
+            <a:lvl3pPr marL="914400" algn="l" defTabSz="914400" rtl="0" eaLnBrk="1" latinLnBrk="0" hangingPunct="1">
+              <a:defRPr sz="1800" kern="1200">
+                <a:solidFill>
+                  <a:schemeClr val="lt1"/>
+                </a:solidFill>
+                <a:latin typeface="+mn-lt"/>
+                <a:ea typeface="+mn-ea"/>
+                <a:cs typeface="+mn-cs"/>
+              </a:defRPr>
+            </a:lvl3pPr>
+            <a:lvl4pPr marL="1371600" algn="l" defTabSz="914400" rtl="0" eaLnBrk="1" latinLnBrk="0" hangingPunct="1">
+              <a:defRPr sz="1800" kern="1200">
+                <a:solidFill>
+                  <a:schemeClr val="lt1"/>
+                </a:solidFill>
+                <a:latin typeface="+mn-lt"/>
+                <a:ea typeface="+mn-ea"/>
+                <a:cs typeface="+mn-cs"/>
+              </a:defRPr>
+            </a:lvl4pPr>
+            <a:lvl5pPr marL="1828800" algn="l" defTabSz="914400" rtl="0" eaLnBrk="1" latinLnBrk="0" hangingPunct="1">
+              <a:defRPr sz="1800" kern="1200">
+                <a:solidFill>
+                  <a:schemeClr val="lt1"/>
+                </a:solidFill>
+                <a:latin typeface="+mn-lt"/>
+                <a:ea typeface="+mn-ea"/>
+                <a:cs typeface="+mn-cs"/>
+              </a:defRPr>
+            </a:lvl5pPr>
+            <a:lvl6pPr marL="2286000" algn="l" defTabSz="914400" rtl="0" eaLnBrk="1" latinLnBrk="0" hangingPunct="1">
+              <a:defRPr sz="1800" kern="1200">
+                <a:solidFill>
+                  <a:schemeClr val="lt1"/>
+                </a:solidFill>
+                <a:latin typeface="+mn-lt"/>
+                <a:ea typeface="+mn-ea"/>
+                <a:cs typeface="+mn-cs"/>
+              </a:defRPr>
+            </a:lvl6pPr>
+            <a:lvl7pPr marL="2743200" algn="l" defTabSz="914400" rtl="0" eaLnBrk="1" latinLnBrk="0" hangingPunct="1">
+              <a:defRPr sz="1800" kern="1200">
+                <a:solidFill>
+                  <a:schemeClr val="lt1"/>
+                </a:solidFill>
+                <a:latin typeface="+mn-lt"/>
+                <a:ea typeface="+mn-ea"/>
+                <a:cs typeface="+mn-cs"/>
+              </a:defRPr>
+            </a:lvl7pPr>
+            <a:lvl8pPr marL="3200400" algn="l" defTabSz="914400" rtl="0" eaLnBrk="1" latinLnBrk="0" hangingPunct="1">
+              <a:defRPr sz="1800" kern="1200">
+                <a:solidFill>
+                  <a:schemeClr val="lt1"/>
+                </a:solidFill>
+                <a:latin typeface="+mn-lt"/>
+                <a:ea typeface="+mn-ea"/>
+                <a:cs typeface="+mn-cs"/>
+              </a:defRPr>
+            </a:lvl8pPr>
+            <a:lvl9pPr marL="3657600" algn="l" defTabSz="914400" rtl="0" eaLnBrk="1" latinLnBrk="0" hangingPunct="1">
+              <a:defRPr sz="1800" kern="1200">
+                <a:solidFill>
+                  <a:schemeClr val="lt1"/>
+                </a:solidFill>
+                <a:latin typeface="+mn-lt"/>
+                <a:ea typeface="+mn-ea"/>
+                <a:cs typeface="+mn-cs"/>
+              </a:defRPr>
+            </a:lvl9pPr>
+          </a:lstStyle>
+          <a:p>
+            <a:pPr algn="ctr"/>
+            <a:endParaRPr lang="en-US"/>
+          </a:p>
+        </p:txBody>
+      </p:sp>
+      <p:pic>
+        <p:nvPicPr>
+          <p:cNvPr id="9" name="图片 8" descr="图片包含 日程表&#10;&#10;描述已自动生成">
+            <a:extLst>
+              <a:ext uri="{FF2B5EF4-FFF2-40B4-BE49-F238E27FC236}">
+                <a16:creationId xmlns:a16="http://schemas.microsoft.com/office/drawing/2014/main" id="{27552E19-EBC0-D392-2B49-B3C2D8A0A276}"/>
+              </a:ext>
+            </a:extLst>
+          </p:cNvPr>
+          <p:cNvPicPr>
+            <a:picLocks noChangeAspect="1"/>
+          </p:cNvPicPr>
+          <p:nvPr/>
+        </p:nvPicPr>
+        <p:blipFill>
+          <a:blip r:embed="rId2">
+            <a:extLst>
+              <a:ext uri="{28A0092B-C50C-407E-A947-70E740481C1C}">
+                <a14:useLocalDpi xmlns:a14="http://schemas.microsoft.com/office/drawing/2010/main" val="0"/>
+              </a:ext>
+            </a:extLst>
+          </a:blip>
+          <a:stretch>
+            <a:fillRect/>
+          </a:stretch>
+        </p:blipFill>
+        <p:spPr>
+          <a:xfrm>
+            <a:off x="1866187" y="0"/>
+            <a:ext cx="8459626" cy="6858000"/>
+          </a:xfrm>
+          <a:prstGeom prst="rect">
+            <a:avLst/>
+          </a:prstGeom>
+        </p:spPr>
+      </p:pic>
+    </p:spTree>
+    <p:extLst>
+      <p:ext uri="{BB962C8B-B14F-4D97-AF65-F5344CB8AC3E}">
+        <p14:creationId xmlns:p14="http://schemas.microsoft.com/office/powerpoint/2010/main" val="2498863218"/>
       </p:ext>
     </p:extLst>
   </p:cSld>

--- a/Papers/ML Apply in OS/updates.pptx
+++ b/Papers/ML Apply in OS/updates.pptx
@@ -5,7 +5,7 @@
     <p:sldMasterId id="2147483648" r:id="rId1"/>
   </p:sldMasterIdLst>
   <p:notesMasterIdLst>
-    <p:notesMasterId r:id="rId10"/>
+    <p:notesMasterId r:id="rId11"/>
   </p:notesMasterIdLst>
   <p:sldIdLst>
     <p:sldId id="257" r:id="rId2"/>
@@ -14,8 +14,9 @@
     <p:sldId id="262" r:id="rId5"/>
     <p:sldId id="263" r:id="rId6"/>
     <p:sldId id="264" r:id="rId7"/>
-    <p:sldId id="265" r:id="rId8"/>
-    <p:sldId id="266" r:id="rId9"/>
+    <p:sldId id="266" r:id="rId8"/>
+    <p:sldId id="267" r:id="rId9"/>
+    <p:sldId id="268" r:id="rId10"/>
   </p:sldIdLst>
   <p:sldSz cx="12192000" cy="6858000"/>
   <p:notesSz cx="6858000" cy="9144000"/>
@@ -204,7 +205,7 @@
           <a:p>
             <a:fld id="{FAAEFEE4-5241-476D-A270-E097B1D7E668}" type="datetimeFigureOut">
               <a:rPr lang="zh-CN" altLang="en-US" smtClean="0"/>
-              <a:t>2023/10/19</a:t>
+              <a:t>2023/10/20</a:t>
             </a:fld>
             <a:endParaRPr lang="zh-CN" altLang="en-US"/>
           </a:p>
@@ -1059,6 +1060,212 @@
 </p:notes>
 </file>
 
+<file path=ppt/notesSlides/notesSlide7.xml><?xml version="1.0" encoding="utf-8"?>
+<p:notes xmlns:a="http://schemas.openxmlformats.org/drawingml/2006/main" xmlns:r="http://schemas.openxmlformats.org/officeDocument/2006/relationships" xmlns:p="http://schemas.openxmlformats.org/presentationml/2006/main">
+  <p:cSld>
+    <p:spTree>
+      <p:nvGrpSpPr>
+        <p:cNvPr id="1" name=""/>
+        <p:cNvGrpSpPr/>
+        <p:nvPr/>
+      </p:nvGrpSpPr>
+      <p:grpSpPr>
+        <a:xfrm>
+          <a:off x="0" y="0"/>
+          <a:ext cx="0" cy="0"/>
+          <a:chOff x="0" y="0"/>
+          <a:chExt cx="0" cy="0"/>
+        </a:xfrm>
+      </p:grpSpPr>
+      <p:sp>
+        <p:nvSpPr>
+          <p:cNvPr id="2" name="幻灯片图像占位符 1"/>
+          <p:cNvSpPr>
+            <a:spLocks noGrp="1" noRot="1" noChangeAspect="1"/>
+          </p:cNvSpPr>
+          <p:nvPr>
+            <p:ph type="sldImg"/>
+          </p:nvPr>
+        </p:nvSpPr>
+        <p:spPr/>
+      </p:sp>
+      <p:sp>
+        <p:nvSpPr>
+          <p:cNvPr id="3" name="备注占位符 2"/>
+          <p:cNvSpPr>
+            <a:spLocks noGrp="1"/>
+          </p:cNvSpPr>
+          <p:nvPr>
+            <p:ph type="body" idx="1"/>
+          </p:nvPr>
+        </p:nvSpPr>
+        <p:spPr/>
+        <p:txBody>
+          <a:bodyPr/>
+          <a:lstStyle/>
+          <a:p>
+            <a:pPr marL="742950" lvl="1" indent="-285750">
+              <a:buFont typeface="Arial" panose="020B0604020202020204" pitchFamily="34" charset="0"/>
+              <a:buChar char="•"/>
+            </a:pPr>
+            <a:r>
+              <a:rPr lang="en-US" altLang="zh-CN" sz="1200" dirty="0"/>
+              <a:t>Cache Management (Replacement/Size)</a:t>
+            </a:r>
+          </a:p>
+          <a:p>
+            <a:pPr marL="742950" lvl="1" indent="-285750">
+              <a:buFont typeface="Arial" panose="020B0604020202020204" pitchFamily="34" charset="0"/>
+              <a:buChar char="•"/>
+            </a:pPr>
+            <a:r>
+              <a:rPr lang="en-US" altLang="zh-CN" sz="1200" dirty="0"/>
+              <a:t>Readahead (Prefetch Mechanism)</a:t>
+            </a:r>
+          </a:p>
+          <a:p>
+            <a:endParaRPr lang="zh-CN" altLang="en-US" dirty="0"/>
+          </a:p>
+        </p:txBody>
+      </p:sp>
+      <p:sp>
+        <p:nvSpPr>
+          <p:cNvPr id="4" name="灯片编号占位符 3"/>
+          <p:cNvSpPr>
+            <a:spLocks noGrp="1"/>
+          </p:cNvSpPr>
+          <p:nvPr>
+            <p:ph type="sldNum" sz="quarter" idx="5"/>
+          </p:nvPr>
+        </p:nvSpPr>
+        <p:spPr/>
+        <p:txBody>
+          <a:bodyPr/>
+          <a:lstStyle/>
+          <a:p>
+            <a:fld id="{DB4026C6-A45E-455A-8608-93E05E851B40}" type="slidenum">
+              <a:rPr lang="zh-CN" altLang="en-US" smtClean="0"/>
+              <a:t>7</a:t>
+            </a:fld>
+            <a:endParaRPr lang="zh-CN" altLang="en-US"/>
+          </a:p>
+        </p:txBody>
+      </p:sp>
+    </p:spTree>
+    <p:extLst>
+      <p:ext uri="{BB962C8B-B14F-4D97-AF65-F5344CB8AC3E}">
+        <p14:creationId xmlns:p14="http://schemas.microsoft.com/office/powerpoint/2010/main" val="1863945179"/>
+      </p:ext>
+    </p:extLst>
+  </p:cSld>
+  <p:clrMapOvr>
+    <a:masterClrMapping/>
+  </p:clrMapOvr>
+</p:notes>
+</file>
+
+<file path=ppt/notesSlides/notesSlide8.xml><?xml version="1.0" encoding="utf-8"?>
+<p:notes xmlns:a="http://schemas.openxmlformats.org/drawingml/2006/main" xmlns:r="http://schemas.openxmlformats.org/officeDocument/2006/relationships" xmlns:p="http://schemas.openxmlformats.org/presentationml/2006/main">
+  <p:cSld>
+    <p:spTree>
+      <p:nvGrpSpPr>
+        <p:cNvPr id="1" name=""/>
+        <p:cNvGrpSpPr/>
+        <p:nvPr/>
+      </p:nvGrpSpPr>
+      <p:grpSpPr>
+        <a:xfrm>
+          <a:off x="0" y="0"/>
+          <a:ext cx="0" cy="0"/>
+          <a:chOff x="0" y="0"/>
+          <a:chExt cx="0" cy="0"/>
+        </a:xfrm>
+      </p:grpSpPr>
+      <p:sp>
+        <p:nvSpPr>
+          <p:cNvPr id="2" name="幻灯片图像占位符 1"/>
+          <p:cNvSpPr>
+            <a:spLocks noGrp="1" noRot="1" noChangeAspect="1"/>
+          </p:cNvSpPr>
+          <p:nvPr>
+            <p:ph type="sldImg"/>
+          </p:nvPr>
+        </p:nvSpPr>
+        <p:spPr/>
+      </p:sp>
+      <p:sp>
+        <p:nvSpPr>
+          <p:cNvPr id="3" name="备注占位符 2"/>
+          <p:cNvSpPr>
+            <a:spLocks noGrp="1"/>
+          </p:cNvSpPr>
+          <p:nvPr>
+            <p:ph type="body" idx="1"/>
+          </p:nvPr>
+        </p:nvSpPr>
+        <p:spPr/>
+        <p:txBody>
+          <a:bodyPr/>
+          <a:lstStyle/>
+          <a:p>
+            <a:r>
+              <a:rPr lang="en-US" altLang="zh-CN" dirty="0"/>
+              <a:t>LRU: first sets all the bits of row k to 1, then sets all the bits of column k to 0</a:t>
+            </a:r>
+          </a:p>
+          <a:p>
+            <a:r>
+              <a:rPr lang="en-US" altLang="zh-CN" dirty="0"/>
+              <a:t>IRR: the number of other pages accessed between two consecutive references to that page</a:t>
+            </a:r>
+          </a:p>
+          <a:p>
+            <a:r>
+              <a:rPr lang="en-US" altLang="zh-CN" dirty="0"/>
+              <a:t>Dynamic sort: sort based on reference count every time quantum</a:t>
+            </a:r>
+          </a:p>
+          <a:p>
+            <a:endParaRPr lang="zh-CN" altLang="en-US" dirty="0"/>
+          </a:p>
+        </p:txBody>
+      </p:sp>
+      <p:sp>
+        <p:nvSpPr>
+          <p:cNvPr id="4" name="灯片编号占位符 3"/>
+          <p:cNvSpPr>
+            <a:spLocks noGrp="1"/>
+          </p:cNvSpPr>
+          <p:nvPr>
+            <p:ph type="sldNum" sz="quarter" idx="5"/>
+          </p:nvPr>
+        </p:nvSpPr>
+        <p:spPr/>
+        <p:txBody>
+          <a:bodyPr/>
+          <a:lstStyle/>
+          <a:p>
+            <a:fld id="{DB4026C6-A45E-455A-8608-93E05E851B40}" type="slidenum">
+              <a:rPr lang="zh-CN" altLang="en-US" smtClean="0"/>
+              <a:t>8</a:t>
+            </a:fld>
+            <a:endParaRPr lang="zh-CN" altLang="en-US"/>
+          </a:p>
+        </p:txBody>
+      </p:sp>
+    </p:spTree>
+    <p:extLst>
+      <p:ext uri="{BB962C8B-B14F-4D97-AF65-F5344CB8AC3E}">
+        <p14:creationId xmlns:p14="http://schemas.microsoft.com/office/powerpoint/2010/main" val="3134690898"/>
+      </p:ext>
+    </p:extLst>
+  </p:cSld>
+  <p:clrMapOvr>
+    <a:masterClrMapping/>
+  </p:clrMapOvr>
+</p:notes>
+</file>
+
 <file path=ppt/slideLayouts/slideLayout1.xml><?xml version="1.0" encoding="utf-8"?>
 <p:sldLayout xmlns:a="http://schemas.openxmlformats.org/drawingml/2006/main" xmlns:r="http://schemas.openxmlformats.org/officeDocument/2006/relationships" xmlns:p="http://schemas.openxmlformats.org/presentationml/2006/main" type="title" preserve="1">
   <p:cSld name="标题幻灯片">
@@ -1206,7 +1413,7 @@
           <a:p>
             <a:fld id="{3446BE64-2E24-4CF0-9390-8E701061B494}" type="datetimeFigureOut">
               <a:rPr lang="zh-CN" altLang="en-US" smtClean="0"/>
-              <a:t>2023/10/19</a:t>
+              <a:t>2023/10/20</a:t>
             </a:fld>
             <a:endParaRPr lang="zh-CN" altLang="en-US"/>
           </a:p>
@@ -1404,7 +1611,7 @@
           <a:p>
             <a:fld id="{3446BE64-2E24-4CF0-9390-8E701061B494}" type="datetimeFigureOut">
               <a:rPr lang="zh-CN" altLang="en-US" smtClean="0"/>
-              <a:t>2023/10/19</a:t>
+              <a:t>2023/10/20</a:t>
             </a:fld>
             <a:endParaRPr lang="zh-CN" altLang="en-US"/>
           </a:p>
@@ -1612,7 +1819,7 @@
           <a:p>
             <a:fld id="{3446BE64-2E24-4CF0-9390-8E701061B494}" type="datetimeFigureOut">
               <a:rPr lang="zh-CN" altLang="en-US" smtClean="0"/>
-              <a:t>2023/10/19</a:t>
+              <a:t>2023/10/20</a:t>
             </a:fld>
             <a:endParaRPr lang="zh-CN" altLang="en-US"/>
           </a:p>
@@ -1810,7 +2017,7 @@
           <a:p>
             <a:fld id="{3446BE64-2E24-4CF0-9390-8E701061B494}" type="datetimeFigureOut">
               <a:rPr lang="zh-CN" altLang="en-US" smtClean="0"/>
-              <a:t>2023/10/19</a:t>
+              <a:t>2023/10/20</a:t>
             </a:fld>
             <a:endParaRPr lang="zh-CN" altLang="en-US"/>
           </a:p>
@@ -2085,7 +2292,7 @@
           <a:p>
             <a:fld id="{3446BE64-2E24-4CF0-9390-8E701061B494}" type="datetimeFigureOut">
               <a:rPr lang="zh-CN" altLang="en-US" smtClean="0"/>
-              <a:t>2023/10/19</a:t>
+              <a:t>2023/10/20</a:t>
             </a:fld>
             <a:endParaRPr lang="zh-CN" altLang="en-US"/>
           </a:p>
@@ -2350,7 +2557,7 @@
           <a:p>
             <a:fld id="{3446BE64-2E24-4CF0-9390-8E701061B494}" type="datetimeFigureOut">
               <a:rPr lang="zh-CN" altLang="en-US" smtClean="0"/>
-              <a:t>2023/10/19</a:t>
+              <a:t>2023/10/20</a:t>
             </a:fld>
             <a:endParaRPr lang="zh-CN" altLang="en-US"/>
           </a:p>
@@ -2762,7 +2969,7 @@
           <a:p>
             <a:fld id="{3446BE64-2E24-4CF0-9390-8E701061B494}" type="datetimeFigureOut">
               <a:rPr lang="zh-CN" altLang="en-US" smtClean="0"/>
-              <a:t>2023/10/19</a:t>
+              <a:t>2023/10/20</a:t>
             </a:fld>
             <a:endParaRPr lang="zh-CN" altLang="en-US"/>
           </a:p>
@@ -2903,7 +3110,7 @@
           <a:p>
             <a:fld id="{3446BE64-2E24-4CF0-9390-8E701061B494}" type="datetimeFigureOut">
               <a:rPr lang="zh-CN" altLang="en-US" smtClean="0"/>
-              <a:t>2023/10/19</a:t>
+              <a:t>2023/10/20</a:t>
             </a:fld>
             <a:endParaRPr lang="zh-CN" altLang="en-US"/>
           </a:p>
@@ -3016,7 +3223,7 @@
           <a:p>
             <a:fld id="{3446BE64-2E24-4CF0-9390-8E701061B494}" type="datetimeFigureOut">
               <a:rPr lang="zh-CN" altLang="en-US" smtClean="0"/>
-              <a:t>2023/10/19</a:t>
+              <a:t>2023/10/20</a:t>
             </a:fld>
             <a:endParaRPr lang="zh-CN" altLang="en-US"/>
           </a:p>
@@ -3327,7 +3534,7 @@
           <a:p>
             <a:fld id="{3446BE64-2E24-4CF0-9390-8E701061B494}" type="datetimeFigureOut">
               <a:rPr lang="zh-CN" altLang="en-US" smtClean="0"/>
-              <a:t>2023/10/19</a:t>
+              <a:t>2023/10/20</a:t>
             </a:fld>
             <a:endParaRPr lang="zh-CN" altLang="en-US"/>
           </a:p>
@@ -3615,7 +3822,7 @@
           <a:p>
             <a:fld id="{3446BE64-2E24-4CF0-9390-8E701061B494}" type="datetimeFigureOut">
               <a:rPr lang="zh-CN" altLang="en-US" smtClean="0"/>
-              <a:t>2023/10/19</a:t>
+              <a:t>2023/10/20</a:t>
             </a:fld>
             <a:endParaRPr lang="zh-CN" altLang="en-US"/>
           </a:p>
@@ -3856,7 +4063,7 @@
           <a:p>
             <a:fld id="{3446BE64-2E24-4CF0-9390-8E701061B494}" type="datetimeFigureOut">
               <a:rPr lang="zh-CN" altLang="en-US" smtClean="0"/>
-              <a:t>2023/10/19</a:t>
+              <a:t>2023/10/20</a:t>
             </a:fld>
             <a:endParaRPr lang="zh-CN" altLang="en-US"/>
           </a:p>
@@ -6824,7 +7031,7 @@
             </a:pPr>
             <a:r>
               <a:rPr lang="en-US" altLang="zh-CN" dirty="0"/>
-              <a:t>2.5 Task5: Cloud</a:t>
+              <a:t>2.5 Task5: Cloud Computing</a:t>
             </a:r>
           </a:p>
         </p:txBody>
@@ -7279,361 +7486,6 @@
 <file path=ppt/slides/slide7.xml><?xml version="1.0" encoding="utf-8"?>
 <p:sld xmlns:a="http://schemas.openxmlformats.org/drawingml/2006/main" xmlns:r="http://schemas.openxmlformats.org/officeDocument/2006/relationships" xmlns:p="http://schemas.openxmlformats.org/presentationml/2006/main">
   <p:cSld>
-    <p:spTree>
-      <p:nvGrpSpPr>
-        <p:cNvPr id="1" name=""/>
-        <p:cNvGrpSpPr/>
-        <p:nvPr/>
-      </p:nvGrpSpPr>
-      <p:grpSpPr>
-        <a:xfrm>
-          <a:off x="0" y="0"/>
-          <a:ext cx="0" cy="0"/>
-          <a:chOff x="0" y="0"/>
-          <a:chExt cx="0" cy="0"/>
-        </a:xfrm>
-      </p:grpSpPr>
-      <p:sp>
-        <p:nvSpPr>
-          <p:cNvPr id="2" name="标题 1">
-            <a:extLst>
-              <a:ext uri="{FF2B5EF4-FFF2-40B4-BE49-F238E27FC236}">
-                <a16:creationId xmlns:a16="http://schemas.microsoft.com/office/drawing/2014/main" id="{32C121A3-61BC-9BAB-7CF0-A60E9D75D3DF}"/>
-              </a:ext>
-            </a:extLst>
-          </p:cNvPr>
-          <p:cNvSpPr>
-            <a:spLocks noGrp="1"/>
-          </p:cNvSpPr>
-          <p:nvPr>
-            <p:ph type="title"/>
-          </p:nvPr>
-        </p:nvSpPr>
-        <p:spPr>
-          <a:xfrm>
-            <a:off x="838200" y="550183"/>
-            <a:ext cx="10515600" cy="669018"/>
-          </a:xfrm>
-        </p:spPr>
-        <p:txBody>
-          <a:bodyPr>
-            <a:normAutofit/>
-          </a:bodyPr>
-          <a:lstStyle/>
-          <a:p>
-            <a:r>
-              <a:rPr lang="en-US" altLang="zh-CN" sz="3600" b="1" dirty="0">
-                <a:solidFill>
-                  <a:schemeClr val="accent1">
-                    <a:lumMod val="50000"/>
-                  </a:schemeClr>
-                </a:solidFill>
-                <a:latin typeface="Times New Roman" panose="02020603050405020304" pitchFamily="18" charset="0"/>
-                <a:cs typeface="Times New Roman" panose="02020603050405020304" pitchFamily="18" charset="0"/>
-              </a:rPr>
-              <a:t>Specific Tasks</a:t>
-            </a:r>
-            <a:endParaRPr lang="zh-CN" altLang="en-US" sz="3600" b="1" dirty="0">
-              <a:solidFill>
-                <a:schemeClr val="accent1">
-                  <a:lumMod val="50000"/>
-                </a:schemeClr>
-              </a:solidFill>
-              <a:latin typeface="Times New Roman" panose="02020603050405020304" pitchFamily="18" charset="0"/>
-              <a:cs typeface="Times New Roman" panose="02020603050405020304" pitchFamily="18" charset="0"/>
-            </a:endParaRPr>
-          </a:p>
-        </p:txBody>
-      </p:sp>
-      <p:sp>
-        <p:nvSpPr>
-          <p:cNvPr id="3" name="内容占位符 2">
-            <a:extLst>
-              <a:ext uri="{FF2B5EF4-FFF2-40B4-BE49-F238E27FC236}">
-                <a16:creationId xmlns:a16="http://schemas.microsoft.com/office/drawing/2014/main" id="{5A662629-53E1-F75F-57F6-64F21E926A3B}"/>
-              </a:ext>
-            </a:extLst>
-          </p:cNvPr>
-          <p:cNvSpPr>
-            <a:spLocks noGrp="1"/>
-          </p:cNvSpPr>
-          <p:nvPr>
-            <p:ph idx="1"/>
-          </p:nvPr>
-        </p:nvSpPr>
-        <p:spPr>
-          <a:xfrm>
-            <a:off x="838200" y="1519011"/>
-            <a:ext cx="6019800" cy="5910942"/>
-          </a:xfrm>
-        </p:spPr>
-        <p:txBody>
-          <a:bodyPr>
-            <a:normAutofit/>
-          </a:bodyPr>
-          <a:lstStyle/>
-          <a:p>
-            <a:r>
-              <a:rPr lang="en-US" altLang="zh-CN" b="1" dirty="0"/>
-              <a:t>I/O Scheduling</a:t>
-            </a:r>
-          </a:p>
-          <a:p>
-            <a:pPr lvl="1"/>
-            <a:r>
-              <a:rPr lang="en-US" altLang="zh-CN" dirty="0"/>
-              <a:t>Tape</a:t>
-            </a:r>
-          </a:p>
-          <a:p>
-            <a:pPr lvl="1"/>
-            <a:r>
-              <a:rPr lang="en-US" altLang="zh-CN" dirty="0"/>
-              <a:t>Disk</a:t>
-            </a:r>
-          </a:p>
-          <a:p>
-            <a:pPr lvl="1"/>
-            <a:r>
-              <a:rPr lang="en-US" altLang="zh-CN" dirty="0"/>
-              <a:t>SSD</a:t>
-            </a:r>
-          </a:p>
-          <a:p>
-            <a:pPr lvl="1"/>
-            <a:r>
-              <a:rPr lang="en-US" altLang="zh-CN" dirty="0"/>
-              <a:t>Generally</a:t>
-            </a:r>
-          </a:p>
-          <a:p>
-            <a:pPr marL="457200" lvl="1" indent="0">
-              <a:buNone/>
-            </a:pPr>
-            <a:endParaRPr lang="en-US" altLang="zh-CN" dirty="0"/>
-          </a:p>
-          <a:p>
-            <a:r>
-              <a:rPr lang="en-US" altLang="zh-CN" b="1" dirty="0"/>
-              <a:t>Process Scheduling</a:t>
-            </a:r>
-          </a:p>
-          <a:p>
-            <a:pPr lvl="1"/>
-            <a:r>
-              <a:rPr lang="en-US" altLang="zh-CN" dirty="0"/>
-              <a:t>Multi-Processor Scheduling</a:t>
-            </a:r>
-          </a:p>
-          <a:p>
-            <a:pPr lvl="1"/>
-            <a:r>
-              <a:rPr lang="en-US" altLang="zh-CN" dirty="0"/>
-              <a:t>Single-Processor Scheduling</a:t>
-            </a:r>
-          </a:p>
-          <a:p>
-            <a:pPr lvl="1"/>
-            <a:r>
-              <a:rPr lang="en-US" altLang="zh-CN" dirty="0"/>
-              <a:t>Many-core Scheduling</a:t>
-            </a:r>
-          </a:p>
-          <a:p>
-            <a:pPr marL="0" indent="0">
-              <a:buNone/>
-            </a:pPr>
-            <a:endParaRPr lang="zh-CN" altLang="en-US" dirty="0"/>
-          </a:p>
-        </p:txBody>
-      </p:sp>
-      <p:sp>
-        <p:nvSpPr>
-          <p:cNvPr id="5" name="文本框 4">
-            <a:extLst>
-              <a:ext uri="{FF2B5EF4-FFF2-40B4-BE49-F238E27FC236}">
-                <a16:creationId xmlns:a16="http://schemas.microsoft.com/office/drawing/2014/main" id="{60E25BE4-D3AA-16DB-7E9D-995244E3C7C8}"/>
-              </a:ext>
-            </a:extLst>
-          </p:cNvPr>
-          <p:cNvSpPr txBox="1"/>
-          <p:nvPr/>
-        </p:nvSpPr>
-        <p:spPr>
-          <a:xfrm>
-            <a:off x="5954486" y="468087"/>
-            <a:ext cx="6096000" cy="5816977"/>
-          </a:xfrm>
-          <a:prstGeom prst="rect">
-            <a:avLst/>
-          </a:prstGeom>
-          <a:noFill/>
-        </p:spPr>
-        <p:txBody>
-          <a:bodyPr wrap="square">
-            <a:spAutoFit/>
-          </a:bodyPr>
-          <a:lstStyle/>
-          <a:p>
-            <a:pPr marL="285750" indent="-285750">
-              <a:buFont typeface="Arial" panose="020B0604020202020204" pitchFamily="34" charset="0"/>
-              <a:buChar char="•"/>
-            </a:pPr>
-            <a:r>
-              <a:rPr lang="en-US" altLang="zh-CN" sz="2800" b="1" dirty="0"/>
-              <a:t>Memory Management</a:t>
-            </a:r>
-          </a:p>
-          <a:p>
-            <a:pPr marL="742950" lvl="1" indent="-285750">
-              <a:buFont typeface="Arial" panose="020B0604020202020204" pitchFamily="34" charset="0"/>
-              <a:buChar char="•"/>
-            </a:pPr>
-            <a:r>
-              <a:rPr lang="en-US" altLang="zh-CN" sz="2400" dirty="0"/>
-              <a:t>Cache Management (Replacement/Size)</a:t>
-            </a:r>
-          </a:p>
-          <a:p>
-            <a:pPr marL="742950" lvl="1" indent="-285750">
-              <a:buFont typeface="Arial" panose="020B0604020202020204" pitchFamily="34" charset="0"/>
-              <a:buChar char="•"/>
-            </a:pPr>
-            <a:r>
-              <a:rPr lang="en-US" altLang="zh-CN" sz="2400" dirty="0"/>
-              <a:t>Readahead (Prefetch Mechanism)</a:t>
-            </a:r>
-          </a:p>
-          <a:p>
-            <a:pPr marL="742950" lvl="1" indent="-285750">
-              <a:buFont typeface="Arial" panose="020B0604020202020204" pitchFamily="34" charset="0"/>
-              <a:buChar char="•"/>
-            </a:pPr>
-            <a:r>
-              <a:rPr lang="en-US" altLang="zh-CN" sz="2400" dirty="0"/>
-              <a:t>Page Replacement Algorithm</a:t>
-            </a:r>
-          </a:p>
-          <a:p>
-            <a:pPr marL="742950" lvl="1" indent="-285750">
-              <a:buFont typeface="Arial" panose="020B0604020202020204" pitchFamily="34" charset="0"/>
-              <a:buChar char="•"/>
-            </a:pPr>
-            <a:r>
-              <a:rPr lang="en-US" altLang="zh-CN" sz="2400" dirty="0"/>
-              <a:t>Garbage Collection</a:t>
-            </a:r>
-          </a:p>
-          <a:p>
-            <a:pPr lvl="1"/>
-            <a:endParaRPr lang="en-US" altLang="zh-CN" sz="2400" dirty="0"/>
-          </a:p>
-          <a:p>
-            <a:pPr marL="285750" indent="-285750">
-              <a:buFont typeface="Arial" panose="020B0604020202020204" pitchFamily="34" charset="0"/>
-              <a:buChar char="•"/>
-            </a:pPr>
-            <a:r>
-              <a:rPr lang="en-US" altLang="zh-CN" sz="2800" b="1" dirty="0"/>
-              <a:t>Network</a:t>
-            </a:r>
-          </a:p>
-          <a:p>
-            <a:pPr marL="742950" lvl="1" indent="-285750">
-              <a:buFont typeface="Arial" panose="020B0604020202020204" pitchFamily="34" charset="0"/>
-              <a:buChar char="•"/>
-            </a:pPr>
-            <a:r>
-              <a:rPr lang="en-US" altLang="zh-CN" sz="2400" dirty="0"/>
-              <a:t>Packet Scheduler</a:t>
-            </a:r>
-          </a:p>
-          <a:p>
-            <a:pPr marL="742950" lvl="1" indent="-285750">
-              <a:buFont typeface="Arial" panose="020B0604020202020204" pitchFamily="34" charset="0"/>
-              <a:buChar char="•"/>
-            </a:pPr>
-            <a:r>
-              <a:rPr lang="en-US" altLang="zh-CN" sz="2400" dirty="0"/>
-              <a:t>Congestion Control</a:t>
-            </a:r>
-          </a:p>
-          <a:p>
-            <a:pPr marL="742950" lvl="1" indent="-285750">
-              <a:buFont typeface="Arial" panose="020B0604020202020204" pitchFamily="34" charset="0"/>
-              <a:buChar char="•"/>
-            </a:pPr>
-            <a:r>
-              <a:rPr lang="en-US" altLang="zh-CN" sz="2400" dirty="0"/>
-              <a:t>Flow Control</a:t>
-            </a:r>
-          </a:p>
-          <a:p>
-            <a:pPr marL="742950" lvl="1" indent="-285750">
-              <a:buFont typeface="Arial" panose="020B0604020202020204" pitchFamily="34" charset="0"/>
-              <a:buChar char="•"/>
-            </a:pPr>
-            <a:endParaRPr lang="en-US" altLang="zh-CN" sz="2400" dirty="0"/>
-          </a:p>
-          <a:p>
-            <a:pPr marL="285750" indent="-285750">
-              <a:buFont typeface="Arial" panose="020B0604020202020204" pitchFamily="34" charset="0"/>
-              <a:buChar char="•"/>
-            </a:pPr>
-            <a:r>
-              <a:rPr lang="en-US" altLang="zh-CN" sz="2800" b="1" dirty="0"/>
-              <a:t>Cloud</a:t>
-            </a:r>
-            <a:endParaRPr lang="en-US" altLang="zh-CN" sz="2400" b="1" dirty="0"/>
-          </a:p>
-          <a:p>
-            <a:pPr marL="742950" lvl="1" indent="-285750">
-              <a:buFont typeface="Arial" panose="020B0604020202020204" pitchFamily="34" charset="0"/>
-              <a:buChar char="•"/>
-            </a:pPr>
-            <a:r>
-              <a:rPr lang="en-US" altLang="zh-CN" sz="2400" dirty="0"/>
-              <a:t>Job Scheduling</a:t>
-            </a:r>
-          </a:p>
-          <a:p>
-            <a:pPr marL="742950" lvl="1" indent="-285750">
-              <a:buFont typeface="Arial" panose="020B0604020202020204" pitchFamily="34" charset="0"/>
-              <a:buChar char="•"/>
-            </a:pPr>
-            <a:r>
-              <a:rPr lang="en-US" altLang="zh-CN" sz="2400" dirty="0"/>
-              <a:t>Cache Policies</a:t>
-            </a:r>
-          </a:p>
-          <a:p>
-            <a:pPr marL="742950" lvl="1" indent="-285750">
-              <a:buFont typeface="Arial" panose="020B0604020202020204" pitchFamily="34" charset="0"/>
-              <a:buChar char="•"/>
-            </a:pPr>
-            <a:r>
-              <a:rPr lang="en-US" altLang="zh-CN" sz="2400" dirty="0"/>
-              <a:t>Resource Allocation</a:t>
-            </a:r>
-          </a:p>
-        </p:txBody>
-      </p:sp>
-    </p:spTree>
-    <p:extLst>
-      <p:ext uri="{BB962C8B-B14F-4D97-AF65-F5344CB8AC3E}">
-        <p14:creationId xmlns:p14="http://schemas.microsoft.com/office/powerpoint/2010/main" val="3165820902"/>
-      </p:ext>
-    </p:extLst>
-  </p:cSld>
-  <p:clrMapOvr>
-    <a:masterClrMapping/>
-  </p:clrMapOvr>
-</p:sld>
-</file>
-
-<file path=ppt/slides/slide8.xml><?xml version="1.0" encoding="utf-8"?>
-<p:sld xmlns:a="http://schemas.openxmlformats.org/drawingml/2006/main" xmlns:r="http://schemas.openxmlformats.org/officeDocument/2006/relationships" xmlns:p="http://schemas.openxmlformats.org/presentationml/2006/main">
-  <p:cSld>
     <p:bg>
       <p:bgPr>
         <a:solidFill>
@@ -7813,10 +7665,10 @@
       </p:sp>
       <p:pic>
         <p:nvPicPr>
-          <p:cNvPr id="9" name="图片 8" descr="图片包含 日程表&#10;&#10;描述已自动生成">
+          <p:cNvPr id="7" name="图片 6">
             <a:extLst>
               <a:ext uri="{FF2B5EF4-FFF2-40B4-BE49-F238E27FC236}">
-                <a16:creationId xmlns:a16="http://schemas.microsoft.com/office/drawing/2014/main" id="{27552E19-EBC0-D392-2B49-B3C2D8A0A276}"/>
+                <a16:creationId xmlns:a16="http://schemas.microsoft.com/office/drawing/2014/main" id="{105EC0E9-927B-B078-3909-5D3CAE9DD7DE}"/>
               </a:ext>
             </a:extLst>
           </p:cNvPr>
@@ -7826,21 +7678,15 @@
           <p:nvPr/>
         </p:nvPicPr>
         <p:blipFill>
-          <a:blip r:embed="rId2">
-            <a:extLst>
-              <a:ext uri="{28A0092B-C50C-407E-A947-70E740481C1C}">
-                <a14:useLocalDpi xmlns:a14="http://schemas.microsoft.com/office/drawing/2010/main" val="0"/>
-              </a:ext>
-            </a:extLst>
-          </a:blip>
+          <a:blip r:embed="rId3"/>
           <a:stretch>
             <a:fillRect/>
           </a:stretch>
         </p:blipFill>
         <p:spPr>
           <a:xfrm>
-            <a:off x="1866187" y="0"/>
-            <a:ext cx="8459626" cy="6858000"/>
+            <a:off x="1895475" y="0"/>
+            <a:ext cx="8401050" cy="6858000"/>
           </a:xfrm>
           <a:prstGeom prst="rect">
             <a:avLst/>
@@ -7851,6 +7697,304 @@
     <p:extLst>
       <p:ext uri="{BB962C8B-B14F-4D97-AF65-F5344CB8AC3E}">
         <p14:creationId xmlns:p14="http://schemas.microsoft.com/office/powerpoint/2010/main" val="2498863218"/>
+      </p:ext>
+    </p:extLst>
+  </p:cSld>
+  <p:clrMapOvr>
+    <a:masterClrMapping/>
+  </p:clrMapOvr>
+</p:sld>
+</file>
+
+<file path=ppt/slides/slide8.xml><?xml version="1.0" encoding="utf-8"?>
+<p:sld xmlns:a="http://schemas.openxmlformats.org/drawingml/2006/main" xmlns:r="http://schemas.openxmlformats.org/officeDocument/2006/relationships" xmlns:p="http://schemas.openxmlformats.org/presentationml/2006/main">
+  <p:cSld>
+    <p:spTree>
+      <p:nvGrpSpPr>
+        <p:cNvPr id="1" name=""/>
+        <p:cNvGrpSpPr/>
+        <p:nvPr/>
+      </p:nvGrpSpPr>
+      <p:grpSpPr>
+        <a:xfrm>
+          <a:off x="0" y="0"/>
+          <a:ext cx="0" cy="0"/>
+          <a:chOff x="0" y="0"/>
+          <a:chExt cx="0" cy="0"/>
+        </a:xfrm>
+      </p:grpSpPr>
+      <p:sp>
+        <p:nvSpPr>
+          <p:cNvPr id="2" name="标题 1">
+            <a:extLst>
+              <a:ext uri="{FF2B5EF4-FFF2-40B4-BE49-F238E27FC236}">
+                <a16:creationId xmlns:a16="http://schemas.microsoft.com/office/drawing/2014/main" id="{34E047A2-D37B-6E2B-A618-473870D71ECA}"/>
+              </a:ext>
+            </a:extLst>
+          </p:cNvPr>
+          <p:cNvSpPr>
+            <a:spLocks noGrp="1"/>
+          </p:cNvSpPr>
+          <p:nvPr>
+            <p:ph type="title"/>
+          </p:nvPr>
+        </p:nvSpPr>
+        <p:spPr/>
+        <p:txBody>
+          <a:bodyPr>
+            <a:normAutofit/>
+          </a:bodyPr>
+          <a:lstStyle/>
+          <a:p>
+            <a:r>
+              <a:rPr lang="en-US" altLang="zh-CN" sz="3200" dirty="0"/>
+              <a:t>Basic Algorithms for Page Replacement Algorithm</a:t>
+            </a:r>
+            <a:endParaRPr lang="zh-CN" altLang="en-US" sz="3200" dirty="0"/>
+          </a:p>
+        </p:txBody>
+      </p:sp>
+      <p:sp>
+        <p:nvSpPr>
+          <p:cNvPr id="3" name="内容占位符 2">
+            <a:extLst>
+              <a:ext uri="{FF2B5EF4-FFF2-40B4-BE49-F238E27FC236}">
+                <a16:creationId xmlns:a16="http://schemas.microsoft.com/office/drawing/2014/main" id="{4E82A187-3972-B8F7-EF0F-E6E11DE2901D}"/>
+              </a:ext>
+            </a:extLst>
+          </p:cNvPr>
+          <p:cNvSpPr>
+            <a:spLocks noGrp="1"/>
+          </p:cNvSpPr>
+          <p:nvPr>
+            <p:ph idx="1"/>
+          </p:nvPr>
+        </p:nvSpPr>
+        <p:spPr/>
+        <p:txBody>
+          <a:bodyPr>
+            <a:normAutofit fontScale="92500" lnSpcReduction="20000"/>
+          </a:bodyPr>
+          <a:lstStyle/>
+          <a:p>
+            <a:r>
+              <a:rPr lang="en-US" altLang="zh-CN" dirty="0"/>
+              <a:t>FIFO</a:t>
+            </a:r>
+          </a:p>
+          <a:p>
+            <a:r>
+              <a:rPr lang="en-US" altLang="zh-CN" dirty="0"/>
+              <a:t>Second Chance Algorithm (have a reference bit)</a:t>
+            </a:r>
+          </a:p>
+          <a:p>
+            <a:r>
+              <a:rPr lang="en-US" altLang="zh-CN" dirty="0"/>
+              <a:t>Clock / Dueling CLOCK</a:t>
+            </a:r>
+          </a:p>
+          <a:p>
+            <a:r>
+              <a:rPr lang="en-US" altLang="zh-CN" dirty="0"/>
+              <a:t>NRU (Not Recently Used)</a:t>
+            </a:r>
+          </a:p>
+          <a:p>
+            <a:r>
+              <a:rPr lang="en-US" altLang="zh-CN" dirty="0"/>
+              <a:t>LRU (Least Recently Used) / LRU-K</a:t>
+            </a:r>
+          </a:p>
+          <a:p>
+            <a:r>
+              <a:rPr lang="en-US" altLang="zh-CN" dirty="0"/>
+              <a:t>Aging</a:t>
+            </a:r>
+          </a:p>
+          <a:p>
+            <a:r>
+              <a:rPr lang="en-US" altLang="zh-CN" dirty="0"/>
+              <a:t>Low Inter-reference Recency Set</a:t>
+            </a:r>
+          </a:p>
+          <a:p>
+            <a:r>
+              <a:rPr lang="en-US" altLang="zh-CN" dirty="0" err="1"/>
+              <a:t>WSClock</a:t>
+            </a:r>
+            <a:endParaRPr lang="en-US" altLang="zh-CN" dirty="0"/>
+          </a:p>
+          <a:p>
+            <a:r>
+              <a:rPr lang="en-US" altLang="zh-CN" dirty="0"/>
+              <a:t>Dynamic Sort</a:t>
+            </a:r>
+          </a:p>
+          <a:p>
+            <a:r>
+              <a:rPr lang="en-US" altLang="zh-CN" dirty="0"/>
+              <a:t>LR+5LF</a:t>
+            </a:r>
+          </a:p>
+        </p:txBody>
+      </p:sp>
+    </p:spTree>
+    <p:extLst>
+      <p:ext uri="{BB962C8B-B14F-4D97-AF65-F5344CB8AC3E}">
+        <p14:creationId xmlns:p14="http://schemas.microsoft.com/office/powerpoint/2010/main" val="1464198701"/>
+      </p:ext>
+    </p:extLst>
+  </p:cSld>
+  <p:clrMapOvr>
+    <a:masterClrMapping/>
+  </p:clrMapOvr>
+</p:sld>
+</file>
+
+<file path=ppt/slides/slide9.xml><?xml version="1.0" encoding="utf-8"?>
+<p:sld xmlns:a="http://schemas.openxmlformats.org/drawingml/2006/main" xmlns:r="http://schemas.openxmlformats.org/officeDocument/2006/relationships" xmlns:p="http://schemas.openxmlformats.org/presentationml/2006/main">
+  <p:cSld>
+    <p:spTree>
+      <p:nvGrpSpPr>
+        <p:cNvPr id="1" name=""/>
+        <p:cNvGrpSpPr/>
+        <p:nvPr/>
+      </p:nvGrpSpPr>
+      <p:grpSpPr>
+        <a:xfrm>
+          <a:off x="0" y="0"/>
+          <a:ext cx="0" cy="0"/>
+          <a:chOff x="0" y="0"/>
+          <a:chExt cx="0" cy="0"/>
+        </a:xfrm>
+      </p:grpSpPr>
+      <p:sp>
+        <p:nvSpPr>
+          <p:cNvPr id="2" name="标题 1">
+            <a:extLst>
+              <a:ext uri="{FF2B5EF4-FFF2-40B4-BE49-F238E27FC236}">
+                <a16:creationId xmlns:a16="http://schemas.microsoft.com/office/drawing/2014/main" id="{3055ED5C-4D25-7C98-A970-3EEA3090E8C5}"/>
+              </a:ext>
+            </a:extLst>
+          </p:cNvPr>
+          <p:cNvSpPr>
+            <a:spLocks noGrp="1"/>
+          </p:cNvSpPr>
+          <p:nvPr>
+            <p:ph type="title"/>
+          </p:nvPr>
+        </p:nvSpPr>
+        <p:spPr/>
+        <p:txBody>
+          <a:bodyPr/>
+          <a:lstStyle/>
+          <a:p>
+            <a:r>
+              <a:rPr lang="en-US" altLang="zh-CN" dirty="0"/>
+              <a:t>Sample for space allocation</a:t>
+            </a:r>
+            <a:endParaRPr lang="zh-CN" altLang="en-US" dirty="0"/>
+          </a:p>
+        </p:txBody>
+      </p:sp>
+      <p:sp>
+        <p:nvSpPr>
+          <p:cNvPr id="3" name="内容占位符 2">
+            <a:extLst>
+              <a:ext uri="{FF2B5EF4-FFF2-40B4-BE49-F238E27FC236}">
+                <a16:creationId xmlns:a16="http://schemas.microsoft.com/office/drawing/2014/main" id="{8454F99E-077E-C1B5-E17F-75814AD9DE9C}"/>
+              </a:ext>
+            </a:extLst>
+          </p:cNvPr>
+          <p:cNvSpPr>
+            <a:spLocks noGrp="1"/>
+          </p:cNvSpPr>
+          <p:nvPr>
+            <p:ph idx="1"/>
+          </p:nvPr>
+        </p:nvSpPr>
+        <p:spPr>
+          <a:xfrm>
+            <a:off x="838200" y="1825624"/>
+            <a:ext cx="10515600" cy="5032375"/>
+          </a:xfrm>
+        </p:spPr>
+        <p:txBody>
+          <a:bodyPr>
+            <a:normAutofit/>
+          </a:bodyPr>
+          <a:lstStyle/>
+          <a:p>
+            <a:pPr>
+              <a:lnSpc>
+                <a:spcPct val="100000"/>
+              </a:lnSpc>
+            </a:pPr>
+            <a:r>
+              <a:rPr lang="en-US" altLang="zh-CN" sz="2000" b="0" i="0" dirty="0">
+                <a:effectLst/>
+                <a:latin typeface="Roboto" panose="02000000000000000000" pitchFamily="2" charset="0"/>
+              </a:rPr>
+              <a:t>Linux Buddy System</a:t>
+            </a:r>
+            <a:r>
+              <a:rPr lang="zh-CN" altLang="en-US" sz="2000" b="0" i="0" dirty="0">
+                <a:effectLst/>
+                <a:latin typeface="Roboto" panose="02000000000000000000" pitchFamily="2" charset="0"/>
+              </a:rPr>
+              <a:t>（伙伴系统）是</a:t>
+            </a:r>
+            <a:r>
+              <a:rPr lang="en-US" altLang="zh-CN" sz="2000" b="0" i="0" dirty="0">
+                <a:effectLst/>
+                <a:latin typeface="Roboto" panose="02000000000000000000" pitchFamily="2" charset="0"/>
+              </a:rPr>
+              <a:t>Linux</a:t>
+            </a:r>
+            <a:r>
+              <a:rPr lang="zh-CN" altLang="en-US" sz="2000" b="0" i="0" dirty="0">
+                <a:effectLst/>
+                <a:latin typeface="Roboto" panose="02000000000000000000" pitchFamily="2" charset="0"/>
+              </a:rPr>
+              <a:t>操作系统中用于管理内核页框分配和释放的一种内存管理算法。 伙伴系统通过将物理内存划分为一系列大小相等的内存块（或称为页框），并使用二叉树的数据结构来管理这些内存块。每个内存块的大小是</a:t>
+            </a:r>
+            <a:r>
+              <a:rPr lang="en-US" altLang="zh-CN" sz="2000" b="0" i="0" dirty="0">
+                <a:effectLst/>
+                <a:latin typeface="Roboto" panose="02000000000000000000" pitchFamily="2" charset="0"/>
+              </a:rPr>
+              <a:t>2</a:t>
+            </a:r>
+            <a:r>
+              <a:rPr lang="zh-CN" altLang="en-US" sz="2000" b="0" i="0" dirty="0">
+                <a:effectLst/>
+                <a:latin typeface="Roboto" panose="02000000000000000000" pitchFamily="2" charset="0"/>
+              </a:rPr>
+              <a:t>的幂次方，从而方便对内存块进行分割和合并。 当系统需要分配一块指定大小的内存时，伙伴系统会根据请求的大小，在内存块树中寻找最小的合适大小的内存块。如果找到了一个完全匹配的内存块，则将其分配给请求的进程。如果找到的内存块比请求的大小大，那么伙伴系统会将该内存块一分为二，分割成两个大小相等的伙伴块，并继续在树中寻找合适的内存块。 当系统需要释放一块已分配的内存时，伙伴系统会检查该内存块的伙伴块是否也是空闲的。如果是，则将两个伙伴块合并为一个更大的内存块，并继续检查合并后的块是否可以与其他空闲块合并。这样，伙伴系统可以尽量保持内存块的大小相等，以提高内存利用率。 伙伴系统的优点是能够高效地管理不同大小的内存块，并减少内存碎片的产生。它被广泛应用于</a:t>
+            </a:r>
+            <a:r>
+              <a:rPr lang="en-US" altLang="zh-CN" sz="2000" b="0" i="0" dirty="0">
+                <a:effectLst/>
+                <a:latin typeface="Roboto" panose="02000000000000000000" pitchFamily="2" charset="0"/>
+              </a:rPr>
+              <a:t>Linux</a:t>
+            </a:r>
+            <a:r>
+              <a:rPr lang="zh-CN" altLang="en-US" sz="2000" b="0" i="0" dirty="0">
+                <a:effectLst/>
+                <a:latin typeface="Roboto" panose="02000000000000000000" pitchFamily="2" charset="0"/>
+              </a:rPr>
+              <a:t>内核中，用于管理物理内存的分配和释放。</a:t>
+            </a:r>
+            <a:endParaRPr lang="zh-CN" altLang="en-US" sz="2000" dirty="0"/>
+          </a:p>
+        </p:txBody>
+      </p:sp>
+    </p:spTree>
+    <p:extLst>
+      <p:ext uri="{BB962C8B-B14F-4D97-AF65-F5344CB8AC3E}">
+        <p14:creationId xmlns:p14="http://schemas.microsoft.com/office/powerpoint/2010/main" val="3955798535"/>
       </p:ext>
     </p:extLst>
   </p:cSld>

--- a/Papers/ML Apply in OS/updates.pptx
+++ b/Papers/ML Apply in OS/updates.pptx
@@ -205,7 +205,7 @@
           <a:p>
             <a:fld id="{FAAEFEE4-5241-476D-A270-E097B1D7E668}" type="datetimeFigureOut">
               <a:rPr lang="zh-CN" altLang="en-US" smtClean="0"/>
-              <a:t>2023/10/20</a:t>
+              <a:t>2023/10/24</a:t>
             </a:fld>
             <a:endParaRPr lang="zh-CN" altLang="en-US"/>
           </a:p>
@@ -1413,7 +1413,7 @@
           <a:p>
             <a:fld id="{3446BE64-2E24-4CF0-9390-8E701061B494}" type="datetimeFigureOut">
               <a:rPr lang="zh-CN" altLang="en-US" smtClean="0"/>
-              <a:t>2023/10/20</a:t>
+              <a:t>2023/10/24</a:t>
             </a:fld>
             <a:endParaRPr lang="zh-CN" altLang="en-US"/>
           </a:p>
@@ -1611,7 +1611,7 @@
           <a:p>
             <a:fld id="{3446BE64-2E24-4CF0-9390-8E701061B494}" type="datetimeFigureOut">
               <a:rPr lang="zh-CN" altLang="en-US" smtClean="0"/>
-              <a:t>2023/10/20</a:t>
+              <a:t>2023/10/24</a:t>
             </a:fld>
             <a:endParaRPr lang="zh-CN" altLang="en-US"/>
           </a:p>
@@ -1819,7 +1819,7 @@
           <a:p>
             <a:fld id="{3446BE64-2E24-4CF0-9390-8E701061B494}" type="datetimeFigureOut">
               <a:rPr lang="zh-CN" altLang="en-US" smtClean="0"/>
-              <a:t>2023/10/20</a:t>
+              <a:t>2023/10/24</a:t>
             </a:fld>
             <a:endParaRPr lang="zh-CN" altLang="en-US"/>
           </a:p>
@@ -2017,7 +2017,7 @@
           <a:p>
             <a:fld id="{3446BE64-2E24-4CF0-9390-8E701061B494}" type="datetimeFigureOut">
               <a:rPr lang="zh-CN" altLang="en-US" smtClean="0"/>
-              <a:t>2023/10/20</a:t>
+              <a:t>2023/10/24</a:t>
             </a:fld>
             <a:endParaRPr lang="zh-CN" altLang="en-US"/>
           </a:p>
@@ -2292,7 +2292,7 @@
           <a:p>
             <a:fld id="{3446BE64-2E24-4CF0-9390-8E701061B494}" type="datetimeFigureOut">
               <a:rPr lang="zh-CN" altLang="en-US" smtClean="0"/>
-              <a:t>2023/10/20</a:t>
+              <a:t>2023/10/24</a:t>
             </a:fld>
             <a:endParaRPr lang="zh-CN" altLang="en-US"/>
           </a:p>
@@ -2557,7 +2557,7 @@
           <a:p>
             <a:fld id="{3446BE64-2E24-4CF0-9390-8E701061B494}" type="datetimeFigureOut">
               <a:rPr lang="zh-CN" altLang="en-US" smtClean="0"/>
-              <a:t>2023/10/20</a:t>
+              <a:t>2023/10/24</a:t>
             </a:fld>
             <a:endParaRPr lang="zh-CN" altLang="en-US"/>
           </a:p>
@@ -2969,7 +2969,7 @@
           <a:p>
             <a:fld id="{3446BE64-2E24-4CF0-9390-8E701061B494}" type="datetimeFigureOut">
               <a:rPr lang="zh-CN" altLang="en-US" smtClean="0"/>
-              <a:t>2023/10/20</a:t>
+              <a:t>2023/10/24</a:t>
             </a:fld>
             <a:endParaRPr lang="zh-CN" altLang="en-US"/>
           </a:p>
@@ -3110,7 +3110,7 @@
           <a:p>
             <a:fld id="{3446BE64-2E24-4CF0-9390-8E701061B494}" type="datetimeFigureOut">
               <a:rPr lang="zh-CN" altLang="en-US" smtClean="0"/>
-              <a:t>2023/10/20</a:t>
+              <a:t>2023/10/24</a:t>
             </a:fld>
             <a:endParaRPr lang="zh-CN" altLang="en-US"/>
           </a:p>
@@ -3223,7 +3223,7 @@
           <a:p>
             <a:fld id="{3446BE64-2E24-4CF0-9390-8E701061B494}" type="datetimeFigureOut">
               <a:rPr lang="zh-CN" altLang="en-US" smtClean="0"/>
-              <a:t>2023/10/20</a:t>
+              <a:t>2023/10/24</a:t>
             </a:fld>
             <a:endParaRPr lang="zh-CN" altLang="en-US"/>
           </a:p>
@@ -3534,7 +3534,7 @@
           <a:p>
             <a:fld id="{3446BE64-2E24-4CF0-9390-8E701061B494}" type="datetimeFigureOut">
               <a:rPr lang="zh-CN" altLang="en-US" smtClean="0"/>
-              <a:t>2023/10/20</a:t>
+              <a:t>2023/10/24</a:t>
             </a:fld>
             <a:endParaRPr lang="zh-CN" altLang="en-US"/>
           </a:p>
@@ -3822,7 +3822,7 @@
           <a:p>
             <a:fld id="{3446BE64-2E24-4CF0-9390-8E701061B494}" type="datetimeFigureOut">
               <a:rPr lang="zh-CN" altLang="en-US" smtClean="0"/>
-              <a:t>2023/10/20</a:t>
+              <a:t>2023/10/24</a:t>
             </a:fld>
             <a:endParaRPr lang="zh-CN" altLang="en-US"/>
           </a:p>
@@ -4063,7 +4063,7 @@
           <a:p>
             <a:fld id="{3446BE64-2E24-4CF0-9390-8E701061B494}" type="datetimeFigureOut">
               <a:rPr lang="zh-CN" altLang="en-US" smtClean="0"/>
-              <a:t>2023/10/20</a:t>
+              <a:t>2023/10/24</a:t>
             </a:fld>
             <a:endParaRPr lang="zh-CN" altLang="en-US"/>
           </a:p>
@@ -7707,7 +7707,7 @@
 </file>
 
 <file path=ppt/slides/slide8.xml><?xml version="1.0" encoding="utf-8"?>
-<p:sld xmlns:a="http://schemas.openxmlformats.org/drawingml/2006/main" xmlns:r="http://schemas.openxmlformats.org/officeDocument/2006/relationships" xmlns:p="http://schemas.openxmlformats.org/presentationml/2006/main">
+<p:sld xmlns:a="http://schemas.openxmlformats.org/drawingml/2006/main" xmlns:r="http://schemas.openxmlformats.org/officeDocument/2006/relationships" xmlns:p="http://schemas.openxmlformats.org/presentationml/2006/main" show="0">
   <p:cSld>
     <p:spTree>
       <p:nvGrpSpPr>
@@ -7853,7 +7853,7 @@
 </file>
 
 <file path=ppt/slides/slide9.xml><?xml version="1.0" encoding="utf-8"?>
-<p:sld xmlns:a="http://schemas.openxmlformats.org/drawingml/2006/main" xmlns:r="http://schemas.openxmlformats.org/officeDocument/2006/relationships" xmlns:p="http://schemas.openxmlformats.org/presentationml/2006/main">
+<p:sld xmlns:a="http://schemas.openxmlformats.org/drawingml/2006/main" xmlns:r="http://schemas.openxmlformats.org/officeDocument/2006/relationships" xmlns:p="http://schemas.openxmlformats.org/presentationml/2006/main" show="0">
   <p:cSld>
     <p:spTree>
       <p:nvGrpSpPr>
